--- a/pitfalls_with_regression.pptx
+++ b/pitfalls_with_regression.pptx
@@ -14,15 +14,15 @@
     <p:sldId id="277" r:id="rId5"/>
     <p:sldId id="257" r:id="rId6"/>
     <p:sldId id="258" r:id="rId7"/>
-    <p:sldId id="259" r:id="rId8"/>
-    <p:sldId id="260" r:id="rId9"/>
-    <p:sldId id="263" r:id="rId10"/>
-    <p:sldId id="261" r:id="rId11"/>
-    <p:sldId id="264" r:id="rId12"/>
-    <p:sldId id="262" r:id="rId13"/>
-    <p:sldId id="265" r:id="rId14"/>
-    <p:sldId id="266" r:id="rId15"/>
-    <p:sldId id="268" r:id="rId16"/>
+    <p:sldId id="260" r:id="rId8"/>
+    <p:sldId id="263" r:id="rId9"/>
+    <p:sldId id="261" r:id="rId10"/>
+    <p:sldId id="264" r:id="rId11"/>
+    <p:sldId id="262" r:id="rId12"/>
+    <p:sldId id="265" r:id="rId13"/>
+    <p:sldId id="266" r:id="rId14"/>
+    <p:sldId id="268" r:id="rId15"/>
+    <p:sldId id="259" r:id="rId16"/>
     <p:sldId id="269" r:id="rId17"/>
     <p:sldId id="270" r:id="rId18"/>
     <p:sldId id="271" r:id="rId19"/>
@@ -2533,7 +2533,7 @@
           <a:p>
             <a:fld id="{95F63BDA-9C8E-4247-9B4A-ABD507F4892C}" type="slidenum">
               <a:rPr lang="en-US" smtClean="0"/>
-              <a:t>8</a:t>
+              <a:t>7</a:t>
             </a:fld>
             <a:endParaRPr lang="en-US"/>
           </a:p>
@@ -2617,7 +2617,7 @@
           <a:p>
             <a:fld id="{95F63BDA-9C8E-4247-9B4A-ABD507F4892C}" type="slidenum">
               <a:rPr lang="en-US" smtClean="0"/>
-              <a:t>10</a:t>
+              <a:t>9</a:t>
             </a:fld>
             <a:endParaRPr lang="en-US"/>
           </a:p>
@@ -2701,7 +2701,7 @@
           <a:p>
             <a:fld id="{95F63BDA-9C8E-4247-9B4A-ABD507F4892C}" type="slidenum">
               <a:rPr lang="en-US" smtClean="0"/>
-              <a:t>11</a:t>
+              <a:t>10</a:t>
             </a:fld>
             <a:endParaRPr lang="en-US"/>
           </a:p>
@@ -2785,7 +2785,7 @@
           <a:p>
             <a:fld id="{95F63BDA-9C8E-4247-9B4A-ABD507F4892C}" type="slidenum">
               <a:rPr lang="en-US" smtClean="0"/>
-              <a:t>12</a:t>
+              <a:t>11</a:t>
             </a:fld>
             <a:endParaRPr lang="en-US"/>
           </a:p>
@@ -2869,7 +2869,7 @@
           <a:p>
             <a:fld id="{95F63BDA-9C8E-4247-9B4A-ABD507F4892C}" type="slidenum">
               <a:rPr lang="en-US" smtClean="0"/>
-              <a:t>13</a:t>
+              <a:t>12</a:t>
             </a:fld>
             <a:endParaRPr lang="en-US"/>
           </a:p>
@@ -2953,7 +2953,7 @@
           <a:p>
             <a:fld id="{95F63BDA-9C8E-4247-9B4A-ABD507F4892C}" type="slidenum">
               <a:rPr lang="en-US" smtClean="0"/>
-              <a:t>15</a:t>
+              <a:t>14</a:t>
             </a:fld>
             <a:endParaRPr lang="en-US"/>
           </a:p>
@@ -6641,752 +6641,6 @@
 <file path=ppt/slides/slide10.xml><?xml version="1.0" encoding="utf-8"?>
 <p:sld xmlns:a="http://schemas.openxmlformats.org/drawingml/2006/main" xmlns:r="http://schemas.openxmlformats.org/officeDocument/2006/relationships" xmlns:p="http://schemas.openxmlformats.org/presentationml/2006/main">
   <p:cSld>
-    <p:bg>
-      <p:bgPr>
-        <a:solidFill>
-          <a:schemeClr val="bg1">
-            <a:tint val="95000"/>
-            <a:satMod val="170000"/>
-          </a:schemeClr>
-        </a:solidFill>
-        <a:effectLst/>
-      </p:bgPr>
-    </p:bg>
-    <p:spTree>
-      <p:nvGrpSpPr>
-        <p:cNvPr id="1" name=""/>
-        <p:cNvGrpSpPr/>
-        <p:nvPr/>
-      </p:nvGrpSpPr>
-      <p:grpSpPr>
-        <a:xfrm>
-          <a:off x="0" y="0"/>
-          <a:ext cx="0" cy="0"/>
-          <a:chOff x="0" y="0"/>
-          <a:chExt cx="0" cy="0"/>
-        </a:xfrm>
-      </p:grpSpPr>
-      <p:cxnSp>
-        <p:nvCxnSpPr>
-          <p:cNvPr id="20" name="Straight Connector 15">
-            <a:extLst>
-              <a:ext uri="{FF2B5EF4-FFF2-40B4-BE49-F238E27FC236}">
-                <a16:creationId xmlns:a16="http://schemas.microsoft.com/office/drawing/2014/main" id="{CC58BC5E-E27D-44A1-8C74-503792DD1430}"/>
-              </a:ext>
-              <a:ext uri="{C183D7F6-B498-43B3-948B-1728B52AA6E4}">
-                <adec:decorative xmlns:adec="http://schemas.microsoft.com/office/drawing/2017/decorative" val="1"/>
-              </a:ext>
-            </a:extLst>
-          </p:cNvPr>
-          <p:cNvCxnSpPr>
-            <a:cxnSpLocks noGrp="1" noRot="1" noChangeAspect="1" noMove="1" noResize="1" noEditPoints="1" noAdjustHandles="1" noChangeArrowheads="1" noChangeShapeType="1"/>
-          </p:cNvCxnSpPr>
-          <p:nvPr>
-            <p:extLst>
-              <p:ext uri="{386F3935-93C4-4BCD-93E2-E3B085C9AB24}">
-                <p16:designElem xmlns:p16="http://schemas.microsoft.com/office/powerpoint/2015/main" val="1"/>
-              </p:ext>
-            </p:extLst>
-          </p:nvPr>
-        </p:nvCxnSpPr>
-        <p:spPr>
-          <a:xfrm>
-            <a:off x="413224" y="1143000"/>
-            <a:ext cx="0" cy="4572000"/>
-          </a:xfrm>
-          <a:prstGeom prst="line">
-            <a:avLst/>
-          </a:prstGeom>
-          <a:ln w="19050">
-            <a:solidFill>
-              <a:schemeClr val="tx1">
-                <a:lumMod val="85000"/>
-                <a:lumOff val="15000"/>
-              </a:schemeClr>
-            </a:solidFill>
-          </a:ln>
-        </p:spPr>
-        <p:style>
-          <a:lnRef idx="1">
-            <a:schemeClr val="accent1"/>
-          </a:lnRef>
-          <a:fillRef idx="0">
-            <a:schemeClr val="accent1"/>
-          </a:fillRef>
-          <a:effectRef idx="0">
-            <a:schemeClr val="accent1"/>
-          </a:effectRef>
-          <a:fontRef idx="minor">
-            <a:schemeClr val="tx1"/>
-          </a:fontRef>
-        </p:style>
-      </p:cxnSp>
-      <p:sp>
-        <p:nvSpPr>
-          <p:cNvPr id="15" name="Rectangle 14">
-            <a:extLst>
-              <a:ext uri="{FF2B5EF4-FFF2-40B4-BE49-F238E27FC236}">
-                <a16:creationId xmlns:a16="http://schemas.microsoft.com/office/drawing/2014/main" id="{43D36286-B693-1A42-9D53-ABFCBEC12F23}"/>
-              </a:ext>
-            </a:extLst>
-          </p:cNvPr>
-          <p:cNvSpPr/>
-          <p:nvPr/>
-        </p:nvSpPr>
-        <p:spPr>
-          <a:xfrm>
-            <a:off x="117868" y="159558"/>
-            <a:ext cx="4293712" cy="6643077"/>
-          </a:xfrm>
-          <a:prstGeom prst="rect">
-            <a:avLst/>
-          </a:prstGeom>
-        </p:spPr>
-        <p:style>
-          <a:lnRef idx="2">
-            <a:schemeClr val="accent1">
-              <a:shade val="50000"/>
-            </a:schemeClr>
-          </a:lnRef>
-          <a:fillRef idx="1">
-            <a:schemeClr val="accent1"/>
-          </a:fillRef>
-          <a:effectRef idx="0">
-            <a:schemeClr val="accent1"/>
-          </a:effectRef>
-          <a:fontRef idx="minor">
-            <a:schemeClr val="lt1"/>
-          </a:fontRef>
-        </p:style>
-        <p:txBody>
-          <a:bodyPr rtlCol="0" anchor="ctr"/>
-          <a:lstStyle/>
-          <a:p>
-            <a:pPr algn="ctr"/>
-            <a:endParaRPr lang="en-US"/>
-          </a:p>
-        </p:txBody>
-      </p:sp>
-      <p:pic>
-        <p:nvPicPr>
-          <p:cNvPr id="17" name="Picture 16">
-            <a:extLst>
-              <a:ext uri="{FF2B5EF4-FFF2-40B4-BE49-F238E27FC236}">
-                <a16:creationId xmlns:a16="http://schemas.microsoft.com/office/drawing/2014/main" id="{9AFDAA54-3F6A-944B-B5D9-2F7B5B6C5614}"/>
-              </a:ext>
-            </a:extLst>
-          </p:cNvPr>
-          <p:cNvPicPr>
-            <a:picLocks noChangeAspect="1"/>
-          </p:cNvPicPr>
-          <p:nvPr/>
-        </p:nvPicPr>
-        <p:blipFill>
-          <a:blip r:embed="rId3"/>
-          <a:stretch>
-            <a:fillRect/>
-          </a:stretch>
-        </p:blipFill>
-        <p:spPr>
-          <a:xfrm>
-            <a:off x="992488" y="328221"/>
-            <a:ext cx="2985935" cy="6201557"/>
-          </a:xfrm>
-          <a:prstGeom prst="rect">
-            <a:avLst/>
-          </a:prstGeom>
-        </p:spPr>
-      </p:pic>
-      <p:pic>
-        <p:nvPicPr>
-          <p:cNvPr id="19" name="Picture 18">
-            <a:extLst>
-              <a:ext uri="{FF2B5EF4-FFF2-40B4-BE49-F238E27FC236}">
-                <a16:creationId xmlns:a16="http://schemas.microsoft.com/office/drawing/2014/main" id="{3B6FB968-6FD7-4544-8226-1E55DDADED4E}"/>
-              </a:ext>
-            </a:extLst>
-          </p:cNvPr>
-          <p:cNvPicPr>
-            <a:picLocks noChangeAspect="1"/>
-          </p:cNvPicPr>
-          <p:nvPr/>
-        </p:nvPicPr>
-        <p:blipFill>
-          <a:blip r:embed="rId4"/>
-          <a:stretch>
-            <a:fillRect/>
-          </a:stretch>
-        </p:blipFill>
-        <p:spPr>
-          <a:xfrm>
-            <a:off x="5272896" y="858252"/>
-            <a:ext cx="6375794" cy="5141495"/>
-          </a:xfrm>
-          <a:prstGeom prst="rect">
-            <a:avLst/>
-          </a:prstGeom>
-        </p:spPr>
-      </p:pic>
-      <p:sp>
-        <p:nvSpPr>
-          <p:cNvPr id="21" name="TextBox 20">
-            <a:extLst>
-              <a:ext uri="{FF2B5EF4-FFF2-40B4-BE49-F238E27FC236}">
-                <a16:creationId xmlns:a16="http://schemas.microsoft.com/office/drawing/2014/main" id="{92BFE29C-20DA-024C-878D-F0FE1005A65A}"/>
-              </a:ext>
-            </a:extLst>
-          </p:cNvPr>
-          <p:cNvSpPr txBox="1"/>
-          <p:nvPr/>
-        </p:nvSpPr>
-        <p:spPr>
-          <a:xfrm>
-            <a:off x="5905896" y="6433304"/>
-            <a:ext cx="6221703" cy="369332"/>
-          </a:xfrm>
-          <a:prstGeom prst="rect">
-            <a:avLst/>
-          </a:prstGeom>
-          <a:noFill/>
-        </p:spPr>
-        <p:txBody>
-          <a:bodyPr wrap="none" rtlCol="0">
-            <a:spAutoFit/>
-          </a:bodyPr>
-          <a:lstStyle/>
-          <a:p>
-            <a:pPr>
-              <a:spcAft>
-                <a:spcPts val="600"/>
-              </a:spcAft>
-            </a:pPr>
-            <a:r>
-              <a:rPr lang="en-US" dirty="0">
-                <a:hlinkClick r:id="rId5">
-                  <a:extLst>
-                    <a:ext uri="{A12FA001-AC4F-418D-AE19-62706E023703}">
-                      <ahyp:hlinkClr xmlns:ahyp="http://schemas.microsoft.com/office/drawing/2018/hyperlinkcolor" val="tx"/>
-                    </a:ext>
-                  </a:extLst>
-                </a:hlinkClick>
-              </a:rPr>
-              <a:t>http://web.math.ku.dk/~peters/jonas_files/mitTutorialJonas.pdf</a:t>
-            </a:r>
-            <a:endParaRPr lang="en-US" dirty="0"/>
-          </a:p>
-        </p:txBody>
-      </p:sp>
-      <p:sp>
-        <p:nvSpPr>
-          <p:cNvPr id="22" name="TextBox 21">
-            <a:extLst>
-              <a:ext uri="{FF2B5EF4-FFF2-40B4-BE49-F238E27FC236}">
-                <a16:creationId xmlns:a16="http://schemas.microsoft.com/office/drawing/2014/main" id="{DE912028-64F1-4744-A300-E09A5FFA0B8B}"/>
-              </a:ext>
-            </a:extLst>
-          </p:cNvPr>
-          <p:cNvSpPr txBox="1"/>
-          <p:nvPr/>
-        </p:nvSpPr>
-        <p:spPr>
-          <a:xfrm>
-            <a:off x="7654710" y="6008607"/>
-            <a:ext cx="3893823" cy="369332"/>
-          </a:xfrm>
-          <a:prstGeom prst="rect">
-            <a:avLst/>
-          </a:prstGeom>
-          <a:noFill/>
-        </p:spPr>
-        <p:txBody>
-          <a:bodyPr wrap="none" rtlCol="0">
-            <a:spAutoFit/>
-          </a:bodyPr>
-          <a:lstStyle/>
-          <a:p>
-            <a:pPr>
-              <a:spcAft>
-                <a:spcPts val="600"/>
-              </a:spcAft>
-            </a:pPr>
-            <a:r>
-              <a:rPr lang="en-US" dirty="0"/>
-              <a:t>Peters, J. (2017) Causality, lecture slides</a:t>
-            </a:r>
-          </a:p>
-        </p:txBody>
-      </p:sp>
-      <p:sp>
-        <p:nvSpPr>
-          <p:cNvPr id="23" name="TextBox 22">
-            <a:extLst>
-              <a:ext uri="{FF2B5EF4-FFF2-40B4-BE49-F238E27FC236}">
-                <a16:creationId xmlns:a16="http://schemas.microsoft.com/office/drawing/2014/main" id="{F0FFCEF0-246E-B94A-B98A-4F7A26DACC0C}"/>
-              </a:ext>
-            </a:extLst>
-          </p:cNvPr>
-          <p:cNvSpPr txBox="1"/>
-          <p:nvPr/>
-        </p:nvSpPr>
-        <p:spPr>
-          <a:xfrm>
-            <a:off x="10628088" y="488920"/>
-            <a:ext cx="920445" cy="369332"/>
-          </a:xfrm>
-          <a:prstGeom prst="rect">
-            <a:avLst/>
-          </a:prstGeom>
-          <a:noFill/>
-        </p:spPr>
-        <p:txBody>
-          <a:bodyPr wrap="none" rtlCol="0">
-            <a:spAutoFit/>
-          </a:bodyPr>
-          <a:lstStyle/>
-          <a:p>
-            <a:r>
-              <a:rPr lang="en-US" dirty="0"/>
-              <a:t>Slide 52</a:t>
-            </a:r>
-          </a:p>
-        </p:txBody>
-      </p:sp>
-      <p:sp>
-        <p:nvSpPr>
-          <p:cNvPr id="28" name="TextBox 27">
-            <a:extLst>
-              <a:ext uri="{FF2B5EF4-FFF2-40B4-BE49-F238E27FC236}">
-                <a16:creationId xmlns:a16="http://schemas.microsoft.com/office/drawing/2014/main" id="{95AD8467-396A-CE41-ACF2-E38F7FDC75CA}"/>
-              </a:ext>
-            </a:extLst>
-          </p:cNvPr>
-          <p:cNvSpPr txBox="1"/>
-          <p:nvPr/>
-        </p:nvSpPr>
-        <p:spPr>
-          <a:xfrm>
-            <a:off x="6432884" y="1925053"/>
-            <a:ext cx="340158" cy="461665"/>
-          </a:xfrm>
-          <a:prstGeom prst="rect">
-            <a:avLst/>
-          </a:prstGeom>
-          <a:noFill/>
-        </p:spPr>
-        <p:txBody>
-          <a:bodyPr wrap="none" rtlCol="0">
-            <a:spAutoFit/>
-          </a:bodyPr>
-          <a:lstStyle/>
-          <a:p>
-            <a:r>
-              <a:rPr lang="en-US" sz="2400" dirty="0">
-                <a:solidFill>
-                  <a:schemeClr val="bg1">
-                    <a:lumMod val="95000"/>
-                    <a:lumOff val="5000"/>
-                  </a:schemeClr>
-                </a:solidFill>
-              </a:rPr>
-              <a:t>1</a:t>
-            </a:r>
-          </a:p>
-        </p:txBody>
-      </p:sp>
-      <p:sp>
-        <p:nvSpPr>
-          <p:cNvPr id="30" name="TextBox 29">
-            <a:extLst>
-              <a:ext uri="{FF2B5EF4-FFF2-40B4-BE49-F238E27FC236}">
-                <a16:creationId xmlns:a16="http://schemas.microsoft.com/office/drawing/2014/main" id="{8BCF0123-3546-4244-A22C-945418F451E7}"/>
-              </a:ext>
-            </a:extLst>
-          </p:cNvPr>
-          <p:cNvSpPr txBox="1"/>
-          <p:nvPr/>
-        </p:nvSpPr>
-        <p:spPr>
-          <a:xfrm>
-            <a:off x="7613770" y="2109719"/>
-            <a:ext cx="434734" cy="461665"/>
-          </a:xfrm>
-          <a:prstGeom prst="rect">
-            <a:avLst/>
-          </a:prstGeom>
-          <a:noFill/>
-        </p:spPr>
-        <p:txBody>
-          <a:bodyPr wrap="none" rtlCol="0">
-            <a:spAutoFit/>
-          </a:bodyPr>
-          <a:lstStyle/>
-          <a:p>
-            <a:r>
-              <a:rPr lang="en-US" sz="2400" dirty="0">
-                <a:solidFill>
-                  <a:schemeClr val="bg1">
-                    <a:lumMod val="95000"/>
-                    <a:lumOff val="5000"/>
-                  </a:schemeClr>
-                </a:solidFill>
-              </a:rPr>
-              <a:t>-2</a:t>
-            </a:r>
-          </a:p>
-        </p:txBody>
-      </p:sp>
-      <p:sp>
-        <p:nvSpPr>
-          <p:cNvPr id="31" name="TextBox 30">
-            <a:extLst>
-              <a:ext uri="{FF2B5EF4-FFF2-40B4-BE49-F238E27FC236}">
-                <a16:creationId xmlns:a16="http://schemas.microsoft.com/office/drawing/2014/main" id="{56B58BDD-8A73-8742-B381-A248738A5165}"/>
-              </a:ext>
-            </a:extLst>
-          </p:cNvPr>
-          <p:cNvSpPr txBox="1"/>
-          <p:nvPr/>
-        </p:nvSpPr>
-        <p:spPr>
-          <a:xfrm>
-            <a:off x="6464968" y="4194284"/>
-            <a:ext cx="340158" cy="461665"/>
-          </a:xfrm>
-          <a:prstGeom prst="rect">
-            <a:avLst/>
-          </a:prstGeom>
-          <a:noFill/>
-        </p:spPr>
-        <p:txBody>
-          <a:bodyPr wrap="none" rtlCol="0">
-            <a:spAutoFit/>
-          </a:bodyPr>
-          <a:lstStyle/>
-          <a:p>
-            <a:r>
-              <a:rPr lang="en-US" sz="2400" dirty="0">
-                <a:solidFill>
-                  <a:schemeClr val="bg1">
-                    <a:lumMod val="95000"/>
-                    <a:lumOff val="5000"/>
-                  </a:schemeClr>
-                </a:solidFill>
-              </a:rPr>
-              <a:t>3</a:t>
-            </a:r>
-          </a:p>
-        </p:txBody>
-      </p:sp>
-      <p:sp>
-        <p:nvSpPr>
-          <p:cNvPr id="32" name="TextBox 31">
-            <a:extLst>
-              <a:ext uri="{FF2B5EF4-FFF2-40B4-BE49-F238E27FC236}">
-                <a16:creationId xmlns:a16="http://schemas.microsoft.com/office/drawing/2014/main" id="{A72559F1-7D8E-2F4C-97D5-2AC4684AA608}"/>
-              </a:ext>
-            </a:extLst>
-          </p:cNvPr>
-          <p:cNvSpPr txBox="1"/>
-          <p:nvPr/>
-        </p:nvSpPr>
-        <p:spPr>
-          <a:xfrm flipH="1">
-            <a:off x="9016747" y="4194284"/>
-            <a:ext cx="1633653" cy="461665"/>
-          </a:xfrm>
-          <a:prstGeom prst="rect">
-            <a:avLst/>
-          </a:prstGeom>
-          <a:noFill/>
-        </p:spPr>
-        <p:txBody>
-          <a:bodyPr wrap="square" rtlCol="0">
-            <a:spAutoFit/>
-          </a:bodyPr>
-          <a:lstStyle/>
-          <a:p>
-            <a:r>
-              <a:rPr lang="en-US" sz="2400" dirty="0">
-                <a:solidFill>
-                  <a:schemeClr val="bg1">
-                    <a:lumMod val="95000"/>
-                    <a:lumOff val="5000"/>
-                  </a:schemeClr>
-                </a:solidFill>
-              </a:rPr>
-              <a:t>1</a:t>
-            </a:r>
-          </a:p>
-        </p:txBody>
-      </p:sp>
-      <p:sp>
-        <p:nvSpPr>
-          <p:cNvPr id="33" name="TextBox 32">
-            <a:extLst>
-              <a:ext uri="{FF2B5EF4-FFF2-40B4-BE49-F238E27FC236}">
-                <a16:creationId xmlns:a16="http://schemas.microsoft.com/office/drawing/2014/main" id="{B2CBD068-D31F-0449-B646-9EEEF9CDE7BF}"/>
-              </a:ext>
-            </a:extLst>
-          </p:cNvPr>
-          <p:cNvSpPr txBox="1"/>
-          <p:nvPr/>
-        </p:nvSpPr>
-        <p:spPr>
-          <a:xfrm flipH="1">
-            <a:off x="10572832" y="4210326"/>
-            <a:ext cx="1633653" cy="461665"/>
-          </a:xfrm>
-          <a:prstGeom prst="rect">
-            <a:avLst/>
-          </a:prstGeom>
-          <a:noFill/>
-        </p:spPr>
-        <p:txBody>
-          <a:bodyPr wrap="square" rtlCol="0">
-            <a:spAutoFit/>
-          </a:bodyPr>
-          <a:lstStyle/>
-          <a:p>
-            <a:r>
-              <a:rPr lang="en-US" sz="2400" dirty="0">
-                <a:solidFill>
-                  <a:schemeClr val="bg1">
-                    <a:lumMod val="95000"/>
-                    <a:lumOff val="5000"/>
-                  </a:schemeClr>
-                </a:solidFill>
-              </a:rPr>
-              <a:t>0.5</a:t>
-            </a:r>
-          </a:p>
-        </p:txBody>
-      </p:sp>
-      <p:sp>
-        <p:nvSpPr>
-          <p:cNvPr id="34" name="TextBox 33">
-            <a:extLst>
-              <a:ext uri="{FF2B5EF4-FFF2-40B4-BE49-F238E27FC236}">
-                <a16:creationId xmlns:a16="http://schemas.microsoft.com/office/drawing/2014/main" id="{120870FC-60E3-D949-BC69-D47367D10960}"/>
-              </a:ext>
-            </a:extLst>
-          </p:cNvPr>
-          <p:cNvSpPr txBox="1"/>
-          <p:nvPr/>
-        </p:nvSpPr>
-        <p:spPr>
-          <a:xfrm flipH="1">
-            <a:off x="8583611" y="969820"/>
-            <a:ext cx="433136" cy="461665"/>
-          </a:xfrm>
-          <a:prstGeom prst="rect">
-            <a:avLst/>
-          </a:prstGeom>
-          <a:noFill/>
-        </p:spPr>
-        <p:txBody>
-          <a:bodyPr wrap="square" rtlCol="0">
-            <a:spAutoFit/>
-          </a:bodyPr>
-          <a:lstStyle/>
-          <a:p>
-            <a:r>
-              <a:rPr lang="en-US" sz="2400" dirty="0">
-                <a:solidFill>
-                  <a:schemeClr val="bg1">
-                    <a:lumMod val="95000"/>
-                    <a:lumOff val="5000"/>
-                  </a:schemeClr>
-                </a:solidFill>
-              </a:rPr>
-              <a:t>1</a:t>
-            </a:r>
-          </a:p>
-        </p:txBody>
-      </p:sp>
-      <p:sp>
-        <p:nvSpPr>
-          <p:cNvPr id="35" name="TextBox 34">
-            <a:extLst>
-              <a:ext uri="{FF2B5EF4-FFF2-40B4-BE49-F238E27FC236}">
-                <a16:creationId xmlns:a16="http://schemas.microsoft.com/office/drawing/2014/main" id="{C2727F86-195B-7245-942A-9419EE48F4F4}"/>
-              </a:ext>
-            </a:extLst>
-          </p:cNvPr>
-          <p:cNvSpPr txBox="1"/>
-          <p:nvPr/>
-        </p:nvSpPr>
-        <p:spPr>
-          <a:xfrm flipH="1">
-            <a:off x="10604916" y="1852136"/>
-            <a:ext cx="433136" cy="461665"/>
-          </a:xfrm>
-          <a:prstGeom prst="rect">
-            <a:avLst/>
-          </a:prstGeom>
-          <a:noFill/>
-        </p:spPr>
-        <p:txBody>
-          <a:bodyPr wrap="square" rtlCol="0">
-            <a:spAutoFit/>
-          </a:bodyPr>
-          <a:lstStyle/>
-          <a:p>
-            <a:r>
-              <a:rPr lang="en-US" sz="2400" dirty="0">
-                <a:solidFill>
-                  <a:schemeClr val="bg1">
-                    <a:lumMod val="95000"/>
-                    <a:lumOff val="5000"/>
-                  </a:schemeClr>
-                </a:solidFill>
-              </a:rPr>
-              <a:t>2</a:t>
-            </a:r>
-          </a:p>
-        </p:txBody>
-      </p:sp>
-      <mc:AlternateContent xmlns:mc="http://schemas.openxmlformats.org/markup-compatibility/2006">
-        <mc:Choice xmlns:p14="http://schemas.microsoft.com/office/powerpoint/2010/main" Requires="p14">
-          <p:contentPart p14:bwMode="auto" r:id="rId6">
-            <p14:nvContentPartPr>
-              <p14:cNvPr id="3" name="Ink 2">
-                <a:extLst>
-                  <a:ext uri="{FF2B5EF4-FFF2-40B4-BE49-F238E27FC236}">
-                    <a16:creationId xmlns:a16="http://schemas.microsoft.com/office/drawing/2014/main" id="{986E0C9F-CFC1-B64B-9C18-0D8C09B36548}"/>
-                  </a:ext>
-                </a:extLst>
-              </p14:cNvPr>
-              <p14:cNvContentPartPr/>
-              <p14:nvPr/>
-            </p14:nvContentPartPr>
-            <p14:xfrm>
-              <a:off x="6194122" y="2513545"/>
-              <a:ext cx="3385080" cy="1633680"/>
-            </p14:xfrm>
-          </p:contentPart>
-        </mc:Choice>
-        <mc:Fallback>
-          <p:pic>
-            <p:nvPicPr>
-              <p:cNvPr id="3" name="Ink 2">
-                <a:extLst>
-                  <a:ext uri="{FF2B5EF4-FFF2-40B4-BE49-F238E27FC236}">
-                    <a16:creationId xmlns:a16="http://schemas.microsoft.com/office/drawing/2014/main" id="{986E0C9F-CFC1-B64B-9C18-0D8C09B36548}"/>
-                  </a:ext>
-                </a:extLst>
-              </p:cNvPr>
-              <p:cNvPicPr/>
-              <p:nvPr/>
-            </p:nvPicPr>
-            <p:blipFill>
-              <a:blip r:embed="rId7"/>
-              <a:stretch>
-                <a:fillRect/>
-              </a:stretch>
-            </p:blipFill>
-            <p:spPr>
-              <a:xfrm>
-                <a:off x="6158122" y="2477905"/>
-                <a:ext cx="3456720" cy="1705320"/>
-              </a:xfrm>
-              <a:prstGeom prst="rect">
-                <a:avLst/>
-              </a:prstGeom>
-            </p:spPr>
-          </p:pic>
-        </mc:Fallback>
-      </mc:AlternateContent>
-    </p:spTree>
-    <p:extLst>
-      <p:ext uri="{BB962C8B-B14F-4D97-AF65-F5344CB8AC3E}">
-        <p14:creationId xmlns:p14="http://schemas.microsoft.com/office/powerpoint/2010/main" val="2615522544"/>
-      </p:ext>
-    </p:extLst>
-  </p:cSld>
-  <p:clrMapOvr>
-    <a:overrideClrMapping bg1="dk1" tx1="lt1" bg2="dk2" tx2="lt2" accent1="accent1" accent2="accent2" accent3="accent3" accent4="accent4" accent5="accent5" accent6="accent6" hlink="hlink" folHlink="folHlink"/>
-  </p:clrMapOvr>
-  <p:timing>
-    <p:tnLst>
-      <p:par>
-        <p:cTn id="1" dur="indefinite" restart="never" nodeType="tmRoot">
-          <p:childTnLst>
-            <p:seq concurrent="1" nextAc="seek">
-              <p:cTn id="2" dur="indefinite" nodeType="mainSeq">
-                <p:childTnLst>
-                  <p:par>
-                    <p:cTn id="3" fill="hold">
-                      <p:stCondLst>
-                        <p:cond delay="indefinite"/>
-                      </p:stCondLst>
-                      <p:childTnLst>
-                        <p:par>
-                          <p:cTn id="4" fill="hold">
-                            <p:stCondLst>
-                              <p:cond delay="0"/>
-                            </p:stCondLst>
-                            <p:childTnLst>
-                              <p:par>
-                                <p:cTn id="5" presetID="1" presetClass="entr" presetSubtype="0" fill="hold" nodeType="clickEffect">
-                                  <p:stCondLst>
-                                    <p:cond delay="0"/>
-                                  </p:stCondLst>
-                                  <p:childTnLst>
-                                    <p:set>
-                                      <p:cBhvr>
-                                        <p:cTn id="6" dur="1" fill="hold">
-                                          <p:stCondLst>
-                                            <p:cond delay="0"/>
-                                          </p:stCondLst>
-                                        </p:cTn>
-                                        <p:tgtEl>
-                                          <p:spTgt spid="3"/>
-                                        </p:tgtEl>
-                                        <p:attrNameLst>
-                                          <p:attrName>style.visibility</p:attrName>
-                                        </p:attrNameLst>
-                                      </p:cBhvr>
-                                      <p:to>
-                                        <p:strVal val="visible"/>
-                                      </p:to>
-                                    </p:set>
-                                  </p:childTnLst>
-                                </p:cTn>
-                              </p:par>
-                            </p:childTnLst>
-                          </p:cTn>
-                        </p:par>
-                      </p:childTnLst>
-                    </p:cTn>
-                  </p:par>
-                </p:childTnLst>
-              </p:cTn>
-              <p:prevCondLst>
-                <p:cond evt="onPrev" delay="0">
-                  <p:tgtEl>
-                    <p:sldTgt/>
-                  </p:tgtEl>
-                </p:cond>
-              </p:prevCondLst>
-              <p:nextCondLst>
-                <p:cond evt="onNext" delay="0">
-                  <p:tgtEl>
-                    <p:sldTgt/>
-                  </p:tgtEl>
-                </p:cond>
-              </p:nextCondLst>
-            </p:seq>
-          </p:childTnLst>
-        </p:cTn>
-      </p:par>
-    </p:tnLst>
-  </p:timing>
-</p:sld>
-</file>
-
-<file path=ppt/slides/slide11.xml><?xml version="1.0" encoding="utf-8"?>
-<p:sld xmlns:a="http://schemas.openxmlformats.org/drawingml/2006/main" xmlns:r="http://schemas.openxmlformats.org/officeDocument/2006/relationships" xmlns:p="http://schemas.openxmlformats.org/presentationml/2006/main">
-  <p:cSld>
     <p:spTree>
       <p:nvGrpSpPr>
         <p:cNvPr id="1" name=""/>
@@ -7627,7 +6881,7 @@
 </p:sld>
 </file>
 
-<file path=ppt/slides/slide12.xml><?xml version="1.0" encoding="utf-8"?>
+<file path=ppt/slides/slide11.xml><?xml version="1.0" encoding="utf-8"?>
 <p:sld xmlns:a="http://schemas.openxmlformats.org/drawingml/2006/main" xmlns:r="http://schemas.openxmlformats.org/officeDocument/2006/relationships" xmlns:p="http://schemas.openxmlformats.org/presentationml/2006/main">
   <p:cSld>
     <p:bg>
@@ -7758,10 +7012,10 @@
       </p:sp>
       <p:pic>
         <p:nvPicPr>
-          <p:cNvPr id="21" name="Picture 20">
-            <a:extLst>
-              <a:ext uri="{FF2B5EF4-FFF2-40B4-BE49-F238E27FC236}">
-                <a16:creationId xmlns:a16="http://schemas.microsoft.com/office/drawing/2014/main" id="{C5C0A643-E97C-9C46-BFA4-01D752688514}"/>
+          <p:cNvPr id="22" name="Picture 21">
+            <a:extLst>
+              <a:ext uri="{FF2B5EF4-FFF2-40B4-BE49-F238E27FC236}">
+                <a16:creationId xmlns:a16="http://schemas.microsoft.com/office/drawing/2014/main" id="{1FD07CE5-2877-7447-80AD-68FB912563C5}"/>
               </a:ext>
             </a:extLst>
           </p:cNvPr>
@@ -7778,36 +7032,6 @@
         </p:blipFill>
         <p:spPr>
           <a:xfrm>
-            <a:off x="992488" y="328221"/>
-            <a:ext cx="2985935" cy="6201557"/>
-          </a:xfrm>
-          <a:prstGeom prst="rect">
-            <a:avLst/>
-          </a:prstGeom>
-        </p:spPr>
-      </p:pic>
-      <p:pic>
-        <p:nvPicPr>
-          <p:cNvPr id="22" name="Picture 21">
-            <a:extLst>
-              <a:ext uri="{FF2B5EF4-FFF2-40B4-BE49-F238E27FC236}">
-                <a16:creationId xmlns:a16="http://schemas.microsoft.com/office/drawing/2014/main" id="{1FD07CE5-2877-7447-80AD-68FB912563C5}"/>
-              </a:ext>
-            </a:extLst>
-          </p:cNvPr>
-          <p:cNvPicPr>
-            <a:picLocks noChangeAspect="1"/>
-          </p:cNvPicPr>
-          <p:nvPr/>
-        </p:nvPicPr>
-        <p:blipFill>
-          <a:blip r:embed="rId4"/>
-          <a:stretch>
-            <a:fillRect/>
-          </a:stretch>
-        </p:blipFill>
-        <p:spPr>
-          <a:xfrm>
             <a:off x="5272896" y="858252"/>
             <a:ext cx="6375794" cy="5141495"/>
           </a:xfrm>
@@ -7851,7 +7075,7 @@
             </a:pPr>
             <a:r>
               <a:rPr lang="en-US" dirty="0">
-                <a:hlinkClick r:id="rId5">
+                <a:hlinkClick r:id="rId4">
                   <a:extLst>
                     <a:ext uri="{A12FA001-AC4F-418D-AE19-62706E023703}">
                       <ahyp:hlinkClr xmlns:ahyp="http://schemas.microsoft.com/office/drawing/2018/hyperlinkcolor" val="tx"/>
@@ -8236,7 +7460,7 @@
       </p:sp>
       <mc:AlternateContent xmlns:mc="http://schemas.openxmlformats.org/markup-compatibility/2006">
         <mc:Choice xmlns:p14="http://schemas.microsoft.com/office/powerpoint/2010/main" Requires="p14">
-          <p:contentPart p14:bwMode="auto" r:id="rId6">
+          <p:contentPart p14:bwMode="auto" r:id="rId5">
             <p14:nvContentPartPr>
               <p14:cNvPr id="47" name="Ink 46">
                 <a:extLst>
@@ -8268,7 +7492,7 @@
               <p:nvPr/>
             </p:nvPicPr>
             <p:blipFill>
-              <a:blip r:embed="rId7"/>
+              <a:blip r:embed="rId6"/>
               <a:stretch>
                 <a:fillRect/>
               </a:stretch>
@@ -8285,6 +7509,36 @@
           </p:pic>
         </mc:Fallback>
       </mc:AlternateContent>
+      <p:pic>
+        <p:nvPicPr>
+          <p:cNvPr id="48" name="Picture 47">
+            <a:extLst>
+              <a:ext uri="{FF2B5EF4-FFF2-40B4-BE49-F238E27FC236}">
+                <a16:creationId xmlns:a16="http://schemas.microsoft.com/office/drawing/2014/main" id="{BC6E1C74-1C97-9A4A-AE0D-65F291BF560A}"/>
+              </a:ext>
+            </a:extLst>
+          </p:cNvPr>
+          <p:cNvPicPr>
+            <a:picLocks noChangeAspect="1"/>
+          </p:cNvPicPr>
+          <p:nvPr/>
+        </p:nvPicPr>
+        <p:blipFill>
+          <a:blip r:embed="rId7"/>
+          <a:stretch>
+            <a:fillRect/>
+          </a:stretch>
+        </p:blipFill>
+        <p:spPr>
+          <a:xfrm>
+            <a:off x="965716" y="477739"/>
+            <a:ext cx="2867494" cy="5955565"/>
+          </a:xfrm>
+          <a:prstGeom prst="rect">
+            <a:avLst/>
+          </a:prstGeom>
+        </p:spPr>
+      </p:pic>
     </p:spTree>
     <p:extLst>
       <p:ext uri="{BB962C8B-B14F-4D97-AF65-F5344CB8AC3E}">
@@ -8298,7 +7552,7 @@
 </p:sld>
 </file>
 
-<file path=ppt/slides/slide13.xml><?xml version="1.0" encoding="utf-8"?>
+<file path=ppt/slides/slide12.xml><?xml version="1.0" encoding="utf-8"?>
 <p:sld xmlns:a="http://schemas.openxmlformats.org/drawingml/2006/main" xmlns:r="http://schemas.openxmlformats.org/officeDocument/2006/relationships" xmlns:p="http://schemas.openxmlformats.org/presentationml/2006/main">
   <p:cSld>
     <p:spTree>
@@ -8787,7 +8041,7 @@
 </p:sld>
 </file>
 
-<file path=ppt/slides/slide14.xml><?xml version="1.0" encoding="utf-8"?>
+<file path=ppt/slides/slide13.xml><?xml version="1.0" encoding="utf-8"?>
 <p:sld xmlns:a="http://schemas.openxmlformats.org/drawingml/2006/main" xmlns:r="http://schemas.openxmlformats.org/officeDocument/2006/relationships" xmlns:p="http://schemas.openxmlformats.org/presentationml/2006/main">
   <p:cSld>
     <p:bg>
@@ -8943,10 +8197,10 @@
       </p:sp>
       <p:pic>
         <p:nvPicPr>
-          <p:cNvPr id="10" name="Picture 9">
-            <a:extLst>
-              <a:ext uri="{FF2B5EF4-FFF2-40B4-BE49-F238E27FC236}">
-                <a16:creationId xmlns:a16="http://schemas.microsoft.com/office/drawing/2014/main" id="{3E61B7E3-C99E-144B-8682-F04D04495FC8}"/>
+          <p:cNvPr id="11" name="Picture 10">
+            <a:extLst>
+              <a:ext uri="{FF2B5EF4-FFF2-40B4-BE49-F238E27FC236}">
+                <a16:creationId xmlns:a16="http://schemas.microsoft.com/office/drawing/2014/main" id="{3947E224-AA91-034F-A2DB-A978195AB472}"/>
               </a:ext>
             </a:extLst>
           </p:cNvPr>
@@ -8963,36 +8217,6 @@
         </p:blipFill>
         <p:spPr>
           <a:xfrm>
-            <a:off x="992488" y="328221"/>
-            <a:ext cx="2985935" cy="6201557"/>
-          </a:xfrm>
-          <a:prstGeom prst="rect">
-            <a:avLst/>
-          </a:prstGeom>
-        </p:spPr>
-      </p:pic>
-      <p:pic>
-        <p:nvPicPr>
-          <p:cNvPr id="11" name="Picture 10">
-            <a:extLst>
-              <a:ext uri="{FF2B5EF4-FFF2-40B4-BE49-F238E27FC236}">
-                <a16:creationId xmlns:a16="http://schemas.microsoft.com/office/drawing/2014/main" id="{3947E224-AA91-034F-A2DB-A978195AB472}"/>
-              </a:ext>
-            </a:extLst>
-          </p:cNvPr>
-          <p:cNvPicPr>
-            <a:picLocks noChangeAspect="1"/>
-          </p:cNvPicPr>
-          <p:nvPr/>
-        </p:nvPicPr>
-        <p:blipFill>
-          <a:blip r:embed="rId3"/>
-          <a:stretch>
-            <a:fillRect/>
-          </a:stretch>
-        </p:blipFill>
-        <p:spPr>
-          <a:xfrm>
             <a:off x="5272896" y="858252"/>
             <a:ext cx="6375794" cy="5141495"/>
           </a:xfrm>
@@ -9036,7 +8260,7 @@
             </a:pPr>
             <a:r>
               <a:rPr lang="en-US" dirty="0">
-                <a:hlinkClick r:id="rId4">
+                <a:hlinkClick r:id="rId3">
                   <a:extLst>
                     <a:ext uri="{A12FA001-AC4F-418D-AE19-62706E023703}">
                       <ahyp:hlinkClr xmlns:ahyp="http://schemas.microsoft.com/office/drawing/2018/hyperlinkcolor" val="tx"/>
@@ -9421,7 +8645,7 @@
       </p:sp>
       <mc:AlternateContent xmlns:mc="http://schemas.openxmlformats.org/markup-compatibility/2006">
         <mc:Choice xmlns:p14="http://schemas.microsoft.com/office/powerpoint/2010/main" Requires="p14">
-          <p:contentPart p14:bwMode="auto" r:id="rId5">
+          <p:contentPart p14:bwMode="auto" r:id="rId4">
             <p14:nvContentPartPr>
               <p14:cNvPr id="22" name="Ink 21">
                 <a:extLst>
@@ -9453,7 +8677,7 @@
               <p:nvPr/>
             </p:nvPicPr>
             <p:blipFill>
-              <a:blip r:embed="rId6"/>
+              <a:blip r:embed="rId5"/>
               <a:stretch>
                 <a:fillRect/>
               </a:stretch>
@@ -9470,6 +8694,36 @@
           </p:pic>
         </mc:Fallback>
       </mc:AlternateContent>
+      <p:pic>
+        <p:nvPicPr>
+          <p:cNvPr id="23" name="Picture 22">
+            <a:extLst>
+              <a:ext uri="{FF2B5EF4-FFF2-40B4-BE49-F238E27FC236}">
+                <a16:creationId xmlns:a16="http://schemas.microsoft.com/office/drawing/2014/main" id="{BB6FCE97-C4B8-9F44-A1D0-EDFF5E811001}"/>
+              </a:ext>
+            </a:extLst>
+          </p:cNvPr>
+          <p:cNvPicPr>
+            <a:picLocks noChangeAspect="1"/>
+          </p:cNvPicPr>
+          <p:nvPr/>
+        </p:nvPicPr>
+        <p:blipFill>
+          <a:blip r:embed="rId6"/>
+          <a:stretch>
+            <a:fillRect/>
+          </a:stretch>
+        </p:blipFill>
+        <p:spPr>
+          <a:xfrm>
+            <a:off x="965716" y="477739"/>
+            <a:ext cx="2867494" cy="5955565"/>
+          </a:xfrm>
+          <a:prstGeom prst="rect">
+            <a:avLst/>
+          </a:prstGeom>
+        </p:spPr>
+      </p:pic>
     </p:spTree>
     <p:extLst>
       <p:ext uri="{BB962C8B-B14F-4D97-AF65-F5344CB8AC3E}">
@@ -9483,7 +8737,7 @@
 </p:sld>
 </file>
 
-<file path=ppt/slides/slide15.xml><?xml version="1.0" encoding="utf-8"?>
+<file path=ppt/slides/slide14.xml><?xml version="1.0" encoding="utf-8"?>
 <p:sld xmlns:a="http://schemas.openxmlformats.org/drawingml/2006/main" xmlns:r="http://schemas.openxmlformats.org/officeDocument/2006/relationships" xmlns:p="http://schemas.openxmlformats.org/presentationml/2006/main">
   <p:cSld>
     <p:spTree>
@@ -10037,6 +9291,1154 @@
   <p:clrMapOvr>
     <a:masterClrMapping/>
   </p:clrMapOvr>
+</p:sld>
+</file>
+
+<file path=ppt/slides/slide15.xml><?xml version="1.0" encoding="utf-8"?>
+<p:sld xmlns:a="http://schemas.openxmlformats.org/drawingml/2006/main" xmlns:r="http://schemas.openxmlformats.org/officeDocument/2006/relationships" xmlns:p="http://schemas.openxmlformats.org/presentationml/2006/main">
+  <p:cSld>
+    <p:bg>
+      <p:bgPr>
+        <a:solidFill>
+          <a:schemeClr val="bg1"/>
+        </a:solidFill>
+        <a:effectLst/>
+      </p:bgPr>
+    </p:bg>
+    <p:spTree>
+      <p:nvGrpSpPr>
+        <p:cNvPr id="1" name=""/>
+        <p:cNvGrpSpPr/>
+        <p:nvPr/>
+      </p:nvGrpSpPr>
+      <p:grpSpPr>
+        <a:xfrm>
+          <a:off x="0" y="0"/>
+          <a:ext cx="0" cy="0"/>
+          <a:chOff x="0" y="0"/>
+          <a:chExt cx="0" cy="0"/>
+        </a:xfrm>
+      </p:grpSpPr>
+      <p:sp>
+        <p:nvSpPr>
+          <p:cNvPr id="16" name="Rectangle 15">
+            <a:extLst>
+              <a:ext uri="{FF2B5EF4-FFF2-40B4-BE49-F238E27FC236}">
+                <a16:creationId xmlns:a16="http://schemas.microsoft.com/office/drawing/2014/main" id="{9E90EB45-EEE9-4563-8179-65EF62AE0978}"/>
+              </a:ext>
+              <a:ext uri="{C183D7F6-B498-43B3-948B-1728B52AA6E4}">
+                <adec:decorative xmlns:adec="http://schemas.microsoft.com/office/drawing/2017/decorative" val="1"/>
+              </a:ext>
+            </a:extLst>
+          </p:cNvPr>
+          <p:cNvSpPr>
+            <a:spLocks noGrp="1" noRot="1" noChangeAspect="1" noMove="1" noResize="1" noEditPoints="1" noAdjustHandles="1" noChangeArrowheads="1" noChangeShapeType="1" noTextEdit="1"/>
+          </p:cNvSpPr>
+          <p:nvPr>
+            <p:extLst>
+              <p:ext uri="{386F3935-93C4-4BCD-93E2-E3B085C9AB24}">
+                <p16:designElem xmlns:p16="http://schemas.microsoft.com/office/powerpoint/2015/main" val="1"/>
+              </p:ext>
+            </p:extLst>
+          </p:nvPr>
+        </p:nvSpPr>
+        <p:spPr>
+          <a:xfrm>
+            <a:off x="0" y="0"/>
+            <a:ext cx="12192000" cy="6858000"/>
+          </a:xfrm>
+          <a:prstGeom prst="rect">
+            <a:avLst/>
+          </a:prstGeom>
+          <a:solidFill>
+            <a:srgbClr val="4E4E4E"/>
+          </a:solidFill>
+          <a:ln>
+            <a:noFill/>
+          </a:ln>
+        </p:spPr>
+        <p:style>
+          <a:lnRef idx="2">
+            <a:schemeClr val="accent1">
+              <a:shade val="50000"/>
+            </a:schemeClr>
+          </a:lnRef>
+          <a:fillRef idx="1">
+            <a:schemeClr val="accent1"/>
+          </a:fillRef>
+          <a:effectRef idx="0">
+            <a:schemeClr val="accent1"/>
+          </a:effectRef>
+          <a:fontRef idx="minor">
+            <a:schemeClr val="lt1"/>
+          </a:fontRef>
+        </p:style>
+        <p:txBody>
+          <a:bodyPr rtlCol="0" anchor="ctr"/>
+          <a:lstStyle/>
+          <a:p>
+            <a:pPr algn="ctr"/>
+            <a:endParaRPr lang="en-US"/>
+          </a:p>
+        </p:txBody>
+      </p:sp>
+      <p:pic>
+        <p:nvPicPr>
+          <p:cNvPr id="3" name="Picture 2">
+            <a:extLst>
+              <a:ext uri="{FF2B5EF4-FFF2-40B4-BE49-F238E27FC236}">
+                <a16:creationId xmlns:a16="http://schemas.microsoft.com/office/drawing/2014/main" id="{B8AE48F5-CFDB-C24F-8634-E2CA6C83F29E}"/>
+              </a:ext>
+            </a:extLst>
+          </p:cNvPr>
+          <p:cNvPicPr>
+            <a:picLocks noChangeAspect="1"/>
+          </p:cNvPicPr>
+          <p:nvPr/>
+        </p:nvPicPr>
+        <p:blipFill>
+          <a:blip r:embed="rId2"/>
+          <a:stretch>
+            <a:fillRect/>
+          </a:stretch>
+        </p:blipFill>
+        <p:spPr>
+          <a:xfrm>
+            <a:off x="6176433" y="2529173"/>
+            <a:ext cx="5372100" cy="1799653"/>
+          </a:xfrm>
+          <a:prstGeom prst="rect">
+            <a:avLst/>
+          </a:prstGeom>
+        </p:spPr>
+      </p:pic>
+      <p:sp>
+        <p:nvSpPr>
+          <p:cNvPr id="18" name="Rectangle 17">
+            <a:extLst>
+              <a:ext uri="{FF2B5EF4-FFF2-40B4-BE49-F238E27FC236}">
+                <a16:creationId xmlns:a16="http://schemas.microsoft.com/office/drawing/2014/main" id="{23D0EF74-AD1E-4FD9-914D-8EC9058EBBA3}"/>
+              </a:ext>
+              <a:ext uri="{C183D7F6-B498-43B3-948B-1728B52AA6E4}">
+                <adec:decorative xmlns:adec="http://schemas.microsoft.com/office/drawing/2017/decorative" val="1"/>
+              </a:ext>
+            </a:extLst>
+          </p:cNvPr>
+          <p:cNvSpPr>
+            <a:spLocks noGrp="1" noRot="1" noChangeAspect="1" noMove="1" noResize="1" noEditPoints="1" noAdjustHandles="1" noChangeArrowheads="1" noChangeShapeType="1" noTextEdit="1"/>
+          </p:cNvSpPr>
+          <p:nvPr>
+            <p:extLst>
+              <p:ext uri="{386F3935-93C4-4BCD-93E2-E3B085C9AB24}">
+                <p16:designElem xmlns:p16="http://schemas.microsoft.com/office/powerpoint/2015/main" val="1"/>
+              </p:ext>
+            </p:extLst>
+          </p:nvPr>
+        </p:nvSpPr>
+        <p:spPr>
+          <a:xfrm>
+            <a:off x="477012" y="480060"/>
+            <a:ext cx="11237976" cy="5897880"/>
+          </a:xfrm>
+          <a:prstGeom prst="rect">
+            <a:avLst/>
+          </a:prstGeom>
+          <a:noFill/>
+          <a:ln>
+            <a:solidFill>
+              <a:srgbClr val="FFFFFF"/>
+            </a:solidFill>
+          </a:ln>
+        </p:spPr>
+        <p:style>
+          <a:lnRef idx="2">
+            <a:schemeClr val="accent1">
+              <a:shade val="50000"/>
+            </a:schemeClr>
+          </a:lnRef>
+          <a:fillRef idx="1">
+            <a:schemeClr val="accent1"/>
+          </a:fillRef>
+          <a:effectRef idx="0">
+            <a:schemeClr val="accent1"/>
+          </a:effectRef>
+          <a:fontRef idx="minor">
+            <a:schemeClr val="lt1"/>
+          </a:fontRef>
+        </p:style>
+        <p:txBody>
+          <a:bodyPr rtlCol="0" anchor="ctr"/>
+          <a:lstStyle/>
+          <a:p>
+            <a:pPr algn="ctr"/>
+            <a:endParaRPr lang="en-US"/>
+          </a:p>
+        </p:txBody>
+      </p:sp>
+      <p:pic>
+        <p:nvPicPr>
+          <p:cNvPr id="11" name="Picture 10">
+            <a:extLst>
+              <a:ext uri="{FF2B5EF4-FFF2-40B4-BE49-F238E27FC236}">
+                <a16:creationId xmlns:a16="http://schemas.microsoft.com/office/drawing/2014/main" id="{528754A2-B66A-9045-9B8C-2DA01B689132}"/>
+              </a:ext>
+            </a:extLst>
+          </p:cNvPr>
+          <p:cNvPicPr>
+            <a:picLocks noChangeAspect="1"/>
+          </p:cNvPicPr>
+          <p:nvPr/>
+        </p:nvPicPr>
+        <p:blipFill>
+          <a:blip r:embed="rId3"/>
+          <a:stretch>
+            <a:fillRect/>
+          </a:stretch>
+        </p:blipFill>
+        <p:spPr>
+          <a:xfrm>
+            <a:off x="643466" y="1199579"/>
+            <a:ext cx="5372099" cy="4458842"/>
+          </a:xfrm>
+          <a:prstGeom prst="rect">
+            <a:avLst/>
+          </a:prstGeom>
+        </p:spPr>
+      </p:pic>
+      <p:sp>
+        <p:nvSpPr>
+          <p:cNvPr id="4" name="TextBox 3">
+            <a:extLst>
+              <a:ext uri="{FF2B5EF4-FFF2-40B4-BE49-F238E27FC236}">
+                <a16:creationId xmlns:a16="http://schemas.microsoft.com/office/drawing/2014/main" id="{84FD261E-A32D-BF4E-8B70-6052E3B247AD}"/>
+              </a:ext>
+            </a:extLst>
+          </p:cNvPr>
+          <p:cNvSpPr txBox="1"/>
+          <p:nvPr/>
+        </p:nvSpPr>
+        <p:spPr>
+          <a:xfrm>
+            <a:off x="5905896" y="6433304"/>
+            <a:ext cx="6221703" cy="369332"/>
+          </a:xfrm>
+          <a:prstGeom prst="rect">
+            <a:avLst/>
+          </a:prstGeom>
+          <a:noFill/>
+        </p:spPr>
+        <p:txBody>
+          <a:bodyPr wrap="none" rtlCol="0">
+            <a:spAutoFit/>
+          </a:bodyPr>
+          <a:lstStyle/>
+          <a:p>
+            <a:pPr>
+              <a:spcAft>
+                <a:spcPts val="600"/>
+              </a:spcAft>
+            </a:pPr>
+            <a:r>
+              <a:rPr lang="en-US" dirty="0">
+                <a:solidFill>
+                  <a:schemeClr val="bg1"/>
+                </a:solidFill>
+                <a:hlinkClick r:id="rId4">
+                  <a:extLst>
+                    <a:ext uri="{A12FA001-AC4F-418D-AE19-62706E023703}">
+                      <ahyp:hlinkClr xmlns:ahyp="http://schemas.microsoft.com/office/drawing/2018/hyperlinkcolor" val="tx"/>
+                    </a:ext>
+                  </a:extLst>
+                </a:hlinkClick>
+              </a:rPr>
+              <a:t>http://web.math.ku.dk/~peters/jonas_files/mitTutorialJonas.pdf</a:t>
+            </a:r>
+            <a:endParaRPr lang="en-US" dirty="0">
+              <a:solidFill>
+                <a:schemeClr val="bg1"/>
+              </a:solidFill>
+            </a:endParaRPr>
+          </a:p>
+        </p:txBody>
+      </p:sp>
+      <p:sp>
+        <p:nvSpPr>
+          <p:cNvPr id="5" name="TextBox 4">
+            <a:extLst>
+              <a:ext uri="{FF2B5EF4-FFF2-40B4-BE49-F238E27FC236}">
+                <a16:creationId xmlns:a16="http://schemas.microsoft.com/office/drawing/2014/main" id="{1E62D159-84EE-714C-B5AB-3C3EC00A5853}"/>
+              </a:ext>
+            </a:extLst>
+          </p:cNvPr>
+          <p:cNvSpPr txBox="1"/>
+          <p:nvPr/>
+        </p:nvSpPr>
+        <p:spPr>
+          <a:xfrm>
+            <a:off x="7654710" y="6008607"/>
+            <a:ext cx="3893823" cy="369332"/>
+          </a:xfrm>
+          <a:prstGeom prst="rect">
+            <a:avLst/>
+          </a:prstGeom>
+          <a:noFill/>
+        </p:spPr>
+        <p:txBody>
+          <a:bodyPr wrap="none" rtlCol="0">
+            <a:spAutoFit/>
+          </a:bodyPr>
+          <a:lstStyle/>
+          <a:p>
+            <a:pPr>
+              <a:spcAft>
+                <a:spcPts val="600"/>
+              </a:spcAft>
+            </a:pPr>
+            <a:r>
+              <a:rPr lang="en-US" dirty="0">
+                <a:solidFill>
+                  <a:schemeClr val="bg1"/>
+                </a:solidFill>
+              </a:rPr>
+              <a:t>Peters, J. (2017) Causality, lecture slides</a:t>
+            </a:r>
+          </a:p>
+        </p:txBody>
+      </p:sp>
+      <p:sp>
+        <p:nvSpPr>
+          <p:cNvPr id="7" name="Frame 6">
+            <a:extLst>
+              <a:ext uri="{FF2B5EF4-FFF2-40B4-BE49-F238E27FC236}">
+                <a16:creationId xmlns:a16="http://schemas.microsoft.com/office/drawing/2014/main" id="{04C5DDC6-3B30-F648-B987-3DDF97D3055E}"/>
+              </a:ext>
+            </a:extLst>
+          </p:cNvPr>
+          <p:cNvSpPr/>
+          <p:nvPr/>
+        </p:nvSpPr>
+        <p:spPr>
+          <a:xfrm>
+            <a:off x="6176433" y="2529173"/>
+            <a:ext cx="5372100" cy="631122"/>
+          </a:xfrm>
+          <a:prstGeom prst="frame">
+            <a:avLst/>
+          </a:prstGeom>
+        </p:spPr>
+        <p:style>
+          <a:lnRef idx="2">
+            <a:schemeClr val="accent1">
+              <a:shade val="50000"/>
+            </a:schemeClr>
+          </a:lnRef>
+          <a:fillRef idx="1">
+            <a:schemeClr val="accent1"/>
+          </a:fillRef>
+          <a:effectRef idx="0">
+            <a:schemeClr val="accent1"/>
+          </a:effectRef>
+          <a:fontRef idx="minor">
+            <a:schemeClr val="lt1"/>
+          </a:fontRef>
+        </p:style>
+        <p:txBody>
+          <a:bodyPr rtlCol="0" anchor="ctr"/>
+          <a:lstStyle/>
+          <a:p>
+            <a:pPr algn="ctr"/>
+            <a:endParaRPr lang="en-US">
+              <a:solidFill>
+                <a:schemeClr val="tx1"/>
+              </a:solidFill>
+            </a:endParaRPr>
+          </a:p>
+        </p:txBody>
+      </p:sp>
+      <p:sp>
+        <p:nvSpPr>
+          <p:cNvPr id="14" name="Frame 13">
+            <a:extLst>
+              <a:ext uri="{FF2B5EF4-FFF2-40B4-BE49-F238E27FC236}">
+                <a16:creationId xmlns:a16="http://schemas.microsoft.com/office/drawing/2014/main" id="{D99A5A7E-B015-F74E-8848-92082581B792}"/>
+              </a:ext>
+            </a:extLst>
+          </p:cNvPr>
+          <p:cNvSpPr/>
+          <p:nvPr/>
+        </p:nvSpPr>
+        <p:spPr>
+          <a:xfrm>
+            <a:off x="3185136" y="2891588"/>
+            <a:ext cx="1042515" cy="1074821"/>
+          </a:xfrm>
+          <a:prstGeom prst="frame">
+            <a:avLst/>
+          </a:prstGeom>
+        </p:spPr>
+        <p:style>
+          <a:lnRef idx="2">
+            <a:schemeClr val="accent1">
+              <a:shade val="50000"/>
+            </a:schemeClr>
+          </a:lnRef>
+          <a:fillRef idx="1">
+            <a:schemeClr val="accent1"/>
+          </a:fillRef>
+          <a:effectRef idx="0">
+            <a:schemeClr val="accent1"/>
+          </a:effectRef>
+          <a:fontRef idx="minor">
+            <a:schemeClr val="lt1"/>
+          </a:fontRef>
+        </p:style>
+        <p:txBody>
+          <a:bodyPr rtlCol="0" anchor="ctr"/>
+          <a:lstStyle/>
+          <a:p>
+            <a:pPr algn="ctr"/>
+            <a:endParaRPr lang="en-US">
+              <a:solidFill>
+                <a:schemeClr val="tx1"/>
+              </a:solidFill>
+            </a:endParaRPr>
+          </a:p>
+        </p:txBody>
+      </p:sp>
+      <p:sp>
+        <p:nvSpPr>
+          <p:cNvPr id="15" name="Frame 14">
+            <a:extLst>
+              <a:ext uri="{FF2B5EF4-FFF2-40B4-BE49-F238E27FC236}">
+                <a16:creationId xmlns:a16="http://schemas.microsoft.com/office/drawing/2014/main" id="{EA722E11-8DB7-5843-8F19-247DF08F694E}"/>
+              </a:ext>
+            </a:extLst>
+          </p:cNvPr>
+          <p:cNvSpPr/>
+          <p:nvPr/>
+        </p:nvSpPr>
+        <p:spPr>
+          <a:xfrm>
+            <a:off x="6160391" y="3122731"/>
+            <a:ext cx="5372100" cy="631122"/>
+          </a:xfrm>
+          <a:prstGeom prst="frame">
+            <a:avLst/>
+          </a:prstGeom>
+        </p:spPr>
+        <p:style>
+          <a:lnRef idx="2">
+            <a:schemeClr val="accent1">
+              <a:shade val="50000"/>
+            </a:schemeClr>
+          </a:lnRef>
+          <a:fillRef idx="1">
+            <a:schemeClr val="accent1"/>
+          </a:fillRef>
+          <a:effectRef idx="0">
+            <a:schemeClr val="accent1"/>
+          </a:effectRef>
+          <a:fontRef idx="minor">
+            <a:schemeClr val="lt1"/>
+          </a:fontRef>
+        </p:style>
+        <p:txBody>
+          <a:bodyPr rtlCol="0" anchor="ctr"/>
+          <a:lstStyle/>
+          <a:p>
+            <a:pPr algn="ctr"/>
+            <a:endParaRPr lang="en-US">
+              <a:solidFill>
+                <a:schemeClr val="tx1"/>
+              </a:solidFill>
+            </a:endParaRPr>
+          </a:p>
+        </p:txBody>
+      </p:sp>
+      <p:sp>
+        <p:nvSpPr>
+          <p:cNvPr id="17" name="Frame 16">
+            <a:extLst>
+              <a:ext uri="{FF2B5EF4-FFF2-40B4-BE49-F238E27FC236}">
+                <a16:creationId xmlns:a16="http://schemas.microsoft.com/office/drawing/2014/main" id="{72087D7E-0B71-0A41-AF26-C2FD4459AD67}"/>
+              </a:ext>
+            </a:extLst>
+          </p:cNvPr>
+          <p:cNvSpPr/>
+          <p:nvPr/>
+        </p:nvSpPr>
+        <p:spPr>
+          <a:xfrm>
+            <a:off x="2327883" y="1144215"/>
+            <a:ext cx="1042515" cy="1074821"/>
+          </a:xfrm>
+          <a:prstGeom prst="frame">
+            <a:avLst/>
+          </a:prstGeom>
+        </p:spPr>
+        <p:style>
+          <a:lnRef idx="2">
+            <a:schemeClr val="accent1">
+              <a:shade val="50000"/>
+            </a:schemeClr>
+          </a:lnRef>
+          <a:fillRef idx="1">
+            <a:schemeClr val="accent1"/>
+          </a:fillRef>
+          <a:effectRef idx="0">
+            <a:schemeClr val="accent1"/>
+          </a:effectRef>
+          <a:fontRef idx="minor">
+            <a:schemeClr val="lt1"/>
+          </a:fontRef>
+        </p:style>
+        <p:txBody>
+          <a:bodyPr rtlCol="0" anchor="ctr"/>
+          <a:lstStyle/>
+          <a:p>
+            <a:pPr algn="ctr"/>
+            <a:endParaRPr lang="en-US">
+              <a:solidFill>
+                <a:schemeClr val="tx1"/>
+              </a:solidFill>
+            </a:endParaRPr>
+          </a:p>
+        </p:txBody>
+      </p:sp>
+      <p:sp>
+        <p:nvSpPr>
+          <p:cNvPr id="19" name="Frame 18">
+            <a:extLst>
+              <a:ext uri="{FF2B5EF4-FFF2-40B4-BE49-F238E27FC236}">
+                <a16:creationId xmlns:a16="http://schemas.microsoft.com/office/drawing/2014/main" id="{A3886A08-4D59-6642-B741-2E0801231B16}"/>
+              </a:ext>
+            </a:extLst>
+          </p:cNvPr>
+          <p:cNvSpPr/>
+          <p:nvPr/>
+        </p:nvSpPr>
+        <p:spPr>
+          <a:xfrm>
+            <a:off x="6160391" y="3726538"/>
+            <a:ext cx="5372100" cy="583309"/>
+          </a:xfrm>
+          <a:prstGeom prst="frame">
+            <a:avLst/>
+          </a:prstGeom>
+        </p:spPr>
+        <p:style>
+          <a:lnRef idx="2">
+            <a:schemeClr val="accent1">
+              <a:shade val="50000"/>
+            </a:schemeClr>
+          </a:lnRef>
+          <a:fillRef idx="1">
+            <a:schemeClr val="accent1"/>
+          </a:fillRef>
+          <a:effectRef idx="0">
+            <a:schemeClr val="accent1"/>
+          </a:effectRef>
+          <a:fontRef idx="minor">
+            <a:schemeClr val="lt1"/>
+          </a:fontRef>
+        </p:style>
+        <p:txBody>
+          <a:bodyPr rtlCol="0" anchor="ctr"/>
+          <a:lstStyle/>
+          <a:p>
+            <a:pPr algn="ctr"/>
+            <a:endParaRPr lang="en-US">
+              <a:solidFill>
+                <a:schemeClr val="tx1"/>
+              </a:solidFill>
+            </a:endParaRPr>
+          </a:p>
+        </p:txBody>
+      </p:sp>
+      <p:sp>
+        <p:nvSpPr>
+          <p:cNvPr id="20" name="Frame 19">
+            <a:extLst>
+              <a:ext uri="{FF2B5EF4-FFF2-40B4-BE49-F238E27FC236}">
+                <a16:creationId xmlns:a16="http://schemas.microsoft.com/office/drawing/2014/main" id="{D2F8A30E-0789-AD4A-9E6F-F29534D9627F}"/>
+              </a:ext>
+            </a:extLst>
+          </p:cNvPr>
+          <p:cNvSpPr/>
+          <p:nvPr/>
+        </p:nvSpPr>
+        <p:spPr>
+          <a:xfrm>
+            <a:off x="1477651" y="2973016"/>
+            <a:ext cx="1042515" cy="993394"/>
+          </a:xfrm>
+          <a:prstGeom prst="frame">
+            <a:avLst/>
+          </a:prstGeom>
+        </p:spPr>
+        <p:style>
+          <a:lnRef idx="2">
+            <a:schemeClr val="accent1">
+              <a:shade val="50000"/>
+            </a:schemeClr>
+          </a:lnRef>
+          <a:fillRef idx="1">
+            <a:schemeClr val="accent1"/>
+          </a:fillRef>
+          <a:effectRef idx="0">
+            <a:schemeClr val="accent1"/>
+          </a:effectRef>
+          <a:fontRef idx="minor">
+            <a:schemeClr val="lt1"/>
+          </a:fontRef>
+        </p:style>
+        <p:txBody>
+          <a:bodyPr rtlCol="0" anchor="ctr"/>
+          <a:lstStyle/>
+          <a:p>
+            <a:pPr algn="ctr"/>
+            <a:endParaRPr lang="en-US">
+              <a:solidFill>
+                <a:schemeClr val="tx1"/>
+              </a:solidFill>
+            </a:endParaRPr>
+          </a:p>
+        </p:txBody>
+      </p:sp>
+    </p:spTree>
+    <p:extLst>
+      <p:ext uri="{BB962C8B-B14F-4D97-AF65-F5344CB8AC3E}">
+        <p14:creationId xmlns:p14="http://schemas.microsoft.com/office/powerpoint/2010/main" val="3099216947"/>
+      </p:ext>
+    </p:extLst>
+  </p:cSld>
+  <p:clrMapOvr>
+    <a:masterClrMapping/>
+  </p:clrMapOvr>
+  <p:timing>
+    <p:tnLst>
+      <p:par>
+        <p:cTn id="1" dur="indefinite" restart="never" nodeType="tmRoot">
+          <p:childTnLst>
+            <p:seq concurrent="1" nextAc="seek">
+              <p:cTn id="2" dur="indefinite" nodeType="mainSeq">
+                <p:childTnLst>
+                  <p:par>
+                    <p:cTn id="3" fill="hold">
+                      <p:stCondLst>
+                        <p:cond delay="indefinite"/>
+                      </p:stCondLst>
+                      <p:childTnLst>
+                        <p:par>
+                          <p:cTn id="4" fill="hold">
+                            <p:stCondLst>
+                              <p:cond delay="0"/>
+                            </p:stCondLst>
+                            <p:childTnLst>
+                              <p:par>
+                                <p:cTn id="5" presetID="1" presetClass="entr" presetSubtype="0" fill="hold" grpId="0" nodeType="clickEffect">
+                                  <p:stCondLst>
+                                    <p:cond delay="0"/>
+                                  </p:stCondLst>
+                                  <p:childTnLst>
+                                    <p:set>
+                                      <p:cBhvr>
+                                        <p:cTn id="6" dur="1" fill="hold">
+                                          <p:stCondLst>
+                                            <p:cond delay="0"/>
+                                          </p:stCondLst>
+                                        </p:cTn>
+                                        <p:tgtEl>
+                                          <p:spTgt spid="14"/>
+                                        </p:tgtEl>
+                                        <p:attrNameLst>
+                                          <p:attrName>style.visibility</p:attrName>
+                                        </p:attrNameLst>
+                                      </p:cBhvr>
+                                      <p:to>
+                                        <p:strVal val="visible"/>
+                                      </p:to>
+                                    </p:set>
+                                  </p:childTnLst>
+                                </p:cTn>
+                              </p:par>
+                              <p:par>
+                                <p:cTn id="7" presetID="1" presetClass="entr" presetSubtype="0" fill="hold" grpId="0" nodeType="withEffect">
+                                  <p:stCondLst>
+                                    <p:cond delay="0"/>
+                                  </p:stCondLst>
+                                  <p:childTnLst>
+                                    <p:set>
+                                      <p:cBhvr>
+                                        <p:cTn id="8" dur="1" fill="hold">
+                                          <p:stCondLst>
+                                            <p:cond delay="0"/>
+                                          </p:stCondLst>
+                                        </p:cTn>
+                                        <p:tgtEl>
+                                          <p:spTgt spid="7"/>
+                                        </p:tgtEl>
+                                        <p:attrNameLst>
+                                          <p:attrName>style.visibility</p:attrName>
+                                        </p:attrNameLst>
+                                      </p:cBhvr>
+                                      <p:to>
+                                        <p:strVal val="visible"/>
+                                      </p:to>
+                                    </p:set>
+                                  </p:childTnLst>
+                                </p:cTn>
+                              </p:par>
+                            </p:childTnLst>
+                          </p:cTn>
+                        </p:par>
+                      </p:childTnLst>
+                    </p:cTn>
+                  </p:par>
+                  <p:par>
+                    <p:cTn id="9" fill="hold">
+                      <p:stCondLst>
+                        <p:cond delay="indefinite"/>
+                      </p:stCondLst>
+                      <p:childTnLst>
+                        <p:par>
+                          <p:cTn id="10" fill="hold">
+                            <p:stCondLst>
+                              <p:cond delay="0"/>
+                            </p:stCondLst>
+                            <p:childTnLst>
+                              <p:par>
+                                <p:cTn id="11" presetID="9" presetClass="exit" presetSubtype="0" fill="hold" grpId="1" nodeType="clickEffect">
+                                  <p:stCondLst>
+                                    <p:cond delay="0"/>
+                                  </p:stCondLst>
+                                  <p:childTnLst>
+                                    <p:animEffect transition="out" filter="dissolve">
+                                      <p:cBhvr>
+                                        <p:cTn id="12" dur="500"/>
+                                        <p:tgtEl>
+                                          <p:spTgt spid="7"/>
+                                        </p:tgtEl>
+                                      </p:cBhvr>
+                                    </p:animEffect>
+                                    <p:set>
+                                      <p:cBhvr>
+                                        <p:cTn id="13" dur="1" fill="hold">
+                                          <p:stCondLst>
+                                            <p:cond delay="499"/>
+                                          </p:stCondLst>
+                                        </p:cTn>
+                                        <p:tgtEl>
+                                          <p:spTgt spid="7"/>
+                                        </p:tgtEl>
+                                        <p:attrNameLst>
+                                          <p:attrName>style.visibility</p:attrName>
+                                        </p:attrNameLst>
+                                      </p:cBhvr>
+                                      <p:to>
+                                        <p:strVal val="hidden"/>
+                                      </p:to>
+                                    </p:set>
+                                  </p:childTnLst>
+                                </p:cTn>
+                              </p:par>
+                              <p:par>
+                                <p:cTn id="14" presetID="9" presetClass="exit" presetSubtype="0" fill="hold" grpId="1" nodeType="withEffect">
+                                  <p:stCondLst>
+                                    <p:cond delay="0"/>
+                                  </p:stCondLst>
+                                  <p:childTnLst>
+                                    <p:animEffect transition="out" filter="dissolve">
+                                      <p:cBhvr>
+                                        <p:cTn id="15" dur="500"/>
+                                        <p:tgtEl>
+                                          <p:spTgt spid="14"/>
+                                        </p:tgtEl>
+                                      </p:cBhvr>
+                                    </p:animEffect>
+                                    <p:set>
+                                      <p:cBhvr>
+                                        <p:cTn id="16" dur="1" fill="hold">
+                                          <p:stCondLst>
+                                            <p:cond delay="499"/>
+                                          </p:stCondLst>
+                                        </p:cTn>
+                                        <p:tgtEl>
+                                          <p:spTgt spid="14"/>
+                                        </p:tgtEl>
+                                        <p:attrNameLst>
+                                          <p:attrName>style.visibility</p:attrName>
+                                        </p:attrNameLst>
+                                      </p:cBhvr>
+                                      <p:to>
+                                        <p:strVal val="hidden"/>
+                                      </p:to>
+                                    </p:set>
+                                  </p:childTnLst>
+                                </p:cTn>
+                              </p:par>
+                            </p:childTnLst>
+                          </p:cTn>
+                        </p:par>
+                      </p:childTnLst>
+                    </p:cTn>
+                  </p:par>
+                  <p:par>
+                    <p:cTn id="17" fill="hold">
+                      <p:stCondLst>
+                        <p:cond delay="indefinite"/>
+                      </p:stCondLst>
+                      <p:childTnLst>
+                        <p:par>
+                          <p:cTn id="18" fill="hold">
+                            <p:stCondLst>
+                              <p:cond delay="0"/>
+                            </p:stCondLst>
+                            <p:childTnLst>
+                              <p:par>
+                                <p:cTn id="19" presetID="1" presetClass="entr" presetSubtype="0" fill="hold" grpId="0" nodeType="clickEffect">
+                                  <p:stCondLst>
+                                    <p:cond delay="0"/>
+                                  </p:stCondLst>
+                                  <p:childTnLst>
+                                    <p:set>
+                                      <p:cBhvr>
+                                        <p:cTn id="20" dur="1" fill="hold">
+                                          <p:stCondLst>
+                                            <p:cond delay="0"/>
+                                          </p:stCondLst>
+                                        </p:cTn>
+                                        <p:tgtEl>
+                                          <p:spTgt spid="17"/>
+                                        </p:tgtEl>
+                                        <p:attrNameLst>
+                                          <p:attrName>style.visibility</p:attrName>
+                                        </p:attrNameLst>
+                                      </p:cBhvr>
+                                      <p:to>
+                                        <p:strVal val="visible"/>
+                                      </p:to>
+                                    </p:set>
+                                  </p:childTnLst>
+                                </p:cTn>
+                              </p:par>
+                              <p:par>
+                                <p:cTn id="21" presetID="1" presetClass="entr" presetSubtype="0" fill="hold" grpId="0" nodeType="withEffect">
+                                  <p:stCondLst>
+                                    <p:cond delay="0"/>
+                                  </p:stCondLst>
+                                  <p:childTnLst>
+                                    <p:set>
+                                      <p:cBhvr>
+                                        <p:cTn id="22" dur="1" fill="hold">
+                                          <p:stCondLst>
+                                            <p:cond delay="0"/>
+                                          </p:stCondLst>
+                                        </p:cTn>
+                                        <p:tgtEl>
+                                          <p:spTgt spid="15"/>
+                                        </p:tgtEl>
+                                        <p:attrNameLst>
+                                          <p:attrName>style.visibility</p:attrName>
+                                        </p:attrNameLst>
+                                      </p:cBhvr>
+                                      <p:to>
+                                        <p:strVal val="visible"/>
+                                      </p:to>
+                                    </p:set>
+                                  </p:childTnLst>
+                                </p:cTn>
+                              </p:par>
+                            </p:childTnLst>
+                          </p:cTn>
+                        </p:par>
+                      </p:childTnLst>
+                    </p:cTn>
+                  </p:par>
+                  <p:par>
+                    <p:cTn id="23" fill="hold">
+                      <p:stCondLst>
+                        <p:cond delay="indefinite"/>
+                      </p:stCondLst>
+                      <p:childTnLst>
+                        <p:par>
+                          <p:cTn id="24" fill="hold">
+                            <p:stCondLst>
+                              <p:cond delay="0"/>
+                            </p:stCondLst>
+                            <p:childTnLst>
+                              <p:par>
+                                <p:cTn id="25" presetID="9" presetClass="exit" presetSubtype="0" fill="hold" grpId="1" nodeType="clickEffect">
+                                  <p:stCondLst>
+                                    <p:cond delay="0"/>
+                                  </p:stCondLst>
+                                  <p:childTnLst>
+                                    <p:animEffect transition="out" filter="dissolve">
+                                      <p:cBhvr>
+                                        <p:cTn id="26" dur="500"/>
+                                        <p:tgtEl>
+                                          <p:spTgt spid="15"/>
+                                        </p:tgtEl>
+                                      </p:cBhvr>
+                                    </p:animEffect>
+                                    <p:set>
+                                      <p:cBhvr>
+                                        <p:cTn id="27" dur="1" fill="hold">
+                                          <p:stCondLst>
+                                            <p:cond delay="499"/>
+                                          </p:stCondLst>
+                                        </p:cTn>
+                                        <p:tgtEl>
+                                          <p:spTgt spid="15"/>
+                                        </p:tgtEl>
+                                        <p:attrNameLst>
+                                          <p:attrName>style.visibility</p:attrName>
+                                        </p:attrNameLst>
+                                      </p:cBhvr>
+                                      <p:to>
+                                        <p:strVal val="hidden"/>
+                                      </p:to>
+                                    </p:set>
+                                  </p:childTnLst>
+                                </p:cTn>
+                              </p:par>
+                              <p:par>
+                                <p:cTn id="28" presetID="9" presetClass="exit" presetSubtype="0" fill="hold" grpId="1" nodeType="withEffect">
+                                  <p:stCondLst>
+                                    <p:cond delay="0"/>
+                                  </p:stCondLst>
+                                  <p:childTnLst>
+                                    <p:animEffect transition="out" filter="dissolve">
+                                      <p:cBhvr>
+                                        <p:cTn id="29" dur="500"/>
+                                        <p:tgtEl>
+                                          <p:spTgt spid="17"/>
+                                        </p:tgtEl>
+                                      </p:cBhvr>
+                                    </p:animEffect>
+                                    <p:set>
+                                      <p:cBhvr>
+                                        <p:cTn id="30" dur="1" fill="hold">
+                                          <p:stCondLst>
+                                            <p:cond delay="499"/>
+                                          </p:stCondLst>
+                                        </p:cTn>
+                                        <p:tgtEl>
+                                          <p:spTgt spid="17"/>
+                                        </p:tgtEl>
+                                        <p:attrNameLst>
+                                          <p:attrName>style.visibility</p:attrName>
+                                        </p:attrNameLst>
+                                      </p:cBhvr>
+                                      <p:to>
+                                        <p:strVal val="hidden"/>
+                                      </p:to>
+                                    </p:set>
+                                  </p:childTnLst>
+                                </p:cTn>
+                              </p:par>
+                            </p:childTnLst>
+                          </p:cTn>
+                        </p:par>
+                      </p:childTnLst>
+                    </p:cTn>
+                  </p:par>
+                  <p:par>
+                    <p:cTn id="31" fill="hold">
+                      <p:stCondLst>
+                        <p:cond delay="indefinite"/>
+                      </p:stCondLst>
+                      <p:childTnLst>
+                        <p:par>
+                          <p:cTn id="32" fill="hold">
+                            <p:stCondLst>
+                              <p:cond delay="0"/>
+                            </p:stCondLst>
+                            <p:childTnLst>
+                              <p:par>
+                                <p:cTn id="33" presetID="1" presetClass="entr" presetSubtype="0" fill="hold" grpId="0" nodeType="clickEffect">
+                                  <p:stCondLst>
+                                    <p:cond delay="0"/>
+                                  </p:stCondLst>
+                                  <p:childTnLst>
+                                    <p:set>
+                                      <p:cBhvr>
+                                        <p:cTn id="34" dur="1" fill="hold">
+                                          <p:stCondLst>
+                                            <p:cond delay="0"/>
+                                          </p:stCondLst>
+                                        </p:cTn>
+                                        <p:tgtEl>
+                                          <p:spTgt spid="20"/>
+                                        </p:tgtEl>
+                                        <p:attrNameLst>
+                                          <p:attrName>style.visibility</p:attrName>
+                                        </p:attrNameLst>
+                                      </p:cBhvr>
+                                      <p:to>
+                                        <p:strVal val="visible"/>
+                                      </p:to>
+                                    </p:set>
+                                  </p:childTnLst>
+                                </p:cTn>
+                              </p:par>
+                              <p:par>
+                                <p:cTn id="35" presetID="1" presetClass="entr" presetSubtype="0" fill="hold" grpId="0" nodeType="withEffect">
+                                  <p:stCondLst>
+                                    <p:cond delay="0"/>
+                                  </p:stCondLst>
+                                  <p:childTnLst>
+                                    <p:set>
+                                      <p:cBhvr>
+                                        <p:cTn id="36" dur="1" fill="hold">
+                                          <p:stCondLst>
+                                            <p:cond delay="0"/>
+                                          </p:stCondLst>
+                                        </p:cTn>
+                                        <p:tgtEl>
+                                          <p:spTgt spid="19"/>
+                                        </p:tgtEl>
+                                        <p:attrNameLst>
+                                          <p:attrName>style.visibility</p:attrName>
+                                        </p:attrNameLst>
+                                      </p:cBhvr>
+                                      <p:to>
+                                        <p:strVal val="visible"/>
+                                      </p:to>
+                                    </p:set>
+                                  </p:childTnLst>
+                                </p:cTn>
+                              </p:par>
+                            </p:childTnLst>
+                          </p:cTn>
+                        </p:par>
+                      </p:childTnLst>
+                    </p:cTn>
+                  </p:par>
+                  <p:par>
+                    <p:cTn id="37" fill="hold">
+                      <p:stCondLst>
+                        <p:cond delay="indefinite"/>
+                      </p:stCondLst>
+                      <p:childTnLst>
+                        <p:par>
+                          <p:cTn id="38" fill="hold">
+                            <p:stCondLst>
+                              <p:cond delay="0"/>
+                            </p:stCondLst>
+                            <p:childTnLst>
+                              <p:par>
+                                <p:cTn id="39" presetID="9" presetClass="exit" presetSubtype="0" fill="hold" grpId="1" nodeType="clickEffect">
+                                  <p:stCondLst>
+                                    <p:cond delay="0"/>
+                                  </p:stCondLst>
+                                  <p:childTnLst>
+                                    <p:animEffect transition="out" filter="dissolve">
+                                      <p:cBhvr>
+                                        <p:cTn id="40" dur="500"/>
+                                        <p:tgtEl>
+                                          <p:spTgt spid="19"/>
+                                        </p:tgtEl>
+                                      </p:cBhvr>
+                                    </p:animEffect>
+                                    <p:set>
+                                      <p:cBhvr>
+                                        <p:cTn id="41" dur="1" fill="hold">
+                                          <p:stCondLst>
+                                            <p:cond delay="499"/>
+                                          </p:stCondLst>
+                                        </p:cTn>
+                                        <p:tgtEl>
+                                          <p:spTgt spid="19"/>
+                                        </p:tgtEl>
+                                        <p:attrNameLst>
+                                          <p:attrName>style.visibility</p:attrName>
+                                        </p:attrNameLst>
+                                      </p:cBhvr>
+                                      <p:to>
+                                        <p:strVal val="hidden"/>
+                                      </p:to>
+                                    </p:set>
+                                  </p:childTnLst>
+                                </p:cTn>
+                              </p:par>
+                              <p:par>
+                                <p:cTn id="42" presetID="9" presetClass="exit" presetSubtype="0" fill="hold" grpId="1" nodeType="withEffect">
+                                  <p:stCondLst>
+                                    <p:cond delay="0"/>
+                                  </p:stCondLst>
+                                  <p:childTnLst>
+                                    <p:animEffect transition="out" filter="dissolve">
+                                      <p:cBhvr>
+                                        <p:cTn id="43" dur="500"/>
+                                        <p:tgtEl>
+                                          <p:spTgt spid="20"/>
+                                        </p:tgtEl>
+                                      </p:cBhvr>
+                                    </p:animEffect>
+                                    <p:set>
+                                      <p:cBhvr>
+                                        <p:cTn id="44" dur="1" fill="hold">
+                                          <p:stCondLst>
+                                            <p:cond delay="499"/>
+                                          </p:stCondLst>
+                                        </p:cTn>
+                                        <p:tgtEl>
+                                          <p:spTgt spid="20"/>
+                                        </p:tgtEl>
+                                        <p:attrNameLst>
+                                          <p:attrName>style.visibility</p:attrName>
+                                        </p:attrNameLst>
+                                      </p:cBhvr>
+                                      <p:to>
+                                        <p:strVal val="hidden"/>
+                                      </p:to>
+                                    </p:set>
+                                  </p:childTnLst>
+                                </p:cTn>
+                              </p:par>
+                            </p:childTnLst>
+                          </p:cTn>
+                        </p:par>
+                      </p:childTnLst>
+                    </p:cTn>
+                  </p:par>
+                </p:childTnLst>
+              </p:cTn>
+              <p:prevCondLst>
+                <p:cond evt="onPrev" delay="0">
+                  <p:tgtEl>
+                    <p:sldTgt/>
+                  </p:tgtEl>
+                </p:cond>
+              </p:prevCondLst>
+              <p:nextCondLst>
+                <p:cond evt="onNext" delay="0">
+                  <p:tgtEl>
+                    <p:sldTgt/>
+                  </p:tgtEl>
+                </p:cond>
+              </p:nextCondLst>
+            </p:seq>
+          </p:childTnLst>
+        </p:cTn>
+      </p:par>
+    </p:tnLst>
+    <p:bldLst>
+      <p:bldP spid="7" grpId="0" animBg="1"/>
+      <p:bldP spid="7" grpId="1" animBg="1"/>
+      <p:bldP spid="14" grpId="0" animBg="1"/>
+      <p:bldP spid="14" grpId="1" animBg="1"/>
+      <p:bldP spid="15" grpId="0" animBg="1"/>
+      <p:bldP spid="15" grpId="1" animBg="1"/>
+      <p:bldP spid="17" grpId="0" animBg="1"/>
+      <p:bldP spid="17" grpId="1" animBg="1"/>
+      <p:bldP spid="19" grpId="0" animBg="1"/>
+      <p:bldP spid="19" grpId="1" animBg="1"/>
+      <p:bldP spid="20" grpId="0" animBg="1"/>
+      <p:bldP spid="20" grpId="1" animBg="1"/>
+    </p:bldLst>
+  </p:timing>
 </p:sld>
 </file>
 
@@ -18696,7 +19098,7 @@
         </p:nvSpPr>
         <p:spPr>
           <a:xfrm>
-            <a:off x="413016" y="472086"/>
+            <a:off x="112117" y="5959142"/>
             <a:ext cx="1004162" cy="341632"/>
           </a:xfrm>
           <a:prstGeom prst="rect">
@@ -19722,10 +20124,10 @@
       </p:sp>
       <p:pic>
         <p:nvPicPr>
-          <p:cNvPr id="43" name="Picture 42">
-            <a:extLst>
-              <a:ext uri="{FF2B5EF4-FFF2-40B4-BE49-F238E27FC236}">
-                <a16:creationId xmlns:a16="http://schemas.microsoft.com/office/drawing/2014/main" id="{8584D8F6-EAB4-C441-B326-AADFADFB5E38}"/>
+          <p:cNvPr id="45" name="Picture 44">
+            <a:extLst>
+              <a:ext uri="{FF2B5EF4-FFF2-40B4-BE49-F238E27FC236}">
+                <a16:creationId xmlns:a16="http://schemas.microsoft.com/office/drawing/2014/main" id="{4BE093DB-5579-3543-9098-493C3F1AC5C2}"/>
               </a:ext>
             </a:extLst>
           </p:cNvPr>
@@ -19742,14 +20144,49 @@
         </p:blipFill>
         <p:spPr>
           <a:xfrm>
-            <a:off x="7927564" y="472086"/>
-            <a:ext cx="2656212" cy="5516748"/>
+            <a:off x="7918277" y="391875"/>
+            <a:ext cx="2694832" cy="5596959"/>
           </a:xfrm>
           <a:prstGeom prst="rect">
             <a:avLst/>
           </a:prstGeom>
         </p:spPr>
       </p:pic>
+      <p:sp>
+        <p:nvSpPr>
+          <p:cNvPr id="46" name="TextBox 45">
+            <a:extLst>
+              <a:ext uri="{FF2B5EF4-FFF2-40B4-BE49-F238E27FC236}">
+                <a16:creationId xmlns:a16="http://schemas.microsoft.com/office/drawing/2014/main" id="{153DFCA8-55D1-514B-913E-BEAB12936DF8}"/>
+              </a:ext>
+            </a:extLst>
+          </p:cNvPr>
+          <p:cNvSpPr txBox="1"/>
+          <p:nvPr/>
+        </p:nvSpPr>
+        <p:spPr>
+          <a:xfrm>
+            <a:off x="617786" y="183626"/>
+            <a:ext cx="5228226" cy="400110"/>
+          </a:xfrm>
+          <a:prstGeom prst="rect">
+            <a:avLst/>
+          </a:prstGeom>
+          <a:noFill/>
+        </p:spPr>
+        <p:txBody>
+          <a:bodyPr wrap="none" rtlCol="0">
+            <a:spAutoFit/>
+          </a:bodyPr>
+          <a:lstStyle/>
+          <a:p>
+            <a:r>
+              <a:rPr lang="en-US" sz="2000" dirty="0"/>
+              <a:t>Let’s pretend we don’t know the structure, but…</a:t>
+            </a:r>
+          </a:p>
+        </p:txBody>
+      </p:sp>
     </p:spTree>
     <p:extLst>
       <p:ext uri="{BB962C8B-B14F-4D97-AF65-F5344CB8AC3E}">
@@ -21277,7 +21714,10 @@
     <p:bg>
       <p:bgPr>
         <a:solidFill>
-          <a:schemeClr val="bg1"/>
+          <a:schemeClr val="bg1">
+            <a:tint val="95000"/>
+            <a:satMod val="170000"/>
+          </a:schemeClr>
         </a:solidFill>
         <a:effectLst/>
       </p:bgPr>
@@ -21296,12 +21736,12 @@
           <a:chExt cx="0" cy="0"/>
         </a:xfrm>
       </p:grpSpPr>
-      <p:sp>
+      <p:sp useBgFill="1">
         <p:nvSpPr>
           <p:cNvPr id="16" name="Rectangle 15">
             <a:extLst>
               <a:ext uri="{FF2B5EF4-FFF2-40B4-BE49-F238E27FC236}">
-                <a16:creationId xmlns:a16="http://schemas.microsoft.com/office/drawing/2014/main" id="{9E90EB45-EEE9-4563-8179-65EF62AE0978}"/>
+                <a16:creationId xmlns:a16="http://schemas.microsoft.com/office/drawing/2014/main" id="{8537B233-9CDD-4A90-AABB-A8963DEE4FBC}"/>
               </a:ext>
               <a:ext uri="{C183D7F6-B498-43B3-948B-1728B52AA6E4}">
                 <adec:decorative xmlns:adec="http://schemas.microsoft.com/office/drawing/2017/decorative" val="1"/>
@@ -21321,15 +21761,12 @@
         </p:nvSpPr>
         <p:spPr>
           <a:xfrm>
-            <a:off x="0" y="0"/>
+            <a:off x="0" y="1"/>
             <a:ext cx="12192000" cy="6858000"/>
           </a:xfrm>
           <a:prstGeom prst="rect">
             <a:avLst/>
           </a:prstGeom>
-          <a:solidFill>
-            <a:srgbClr val="4E4E4E"/>
-          </a:solidFill>
           <a:ln>
             <a:noFill/>
           </a:ln>
@@ -21354,56 +21791,55 @@
           <a:bodyPr rtlCol="0" anchor="ctr"/>
           <a:lstStyle/>
           <a:p>
-            <a:pPr algn="ctr"/>
-            <a:endParaRPr lang="en-US"/>
-          </a:p>
-        </p:txBody>
-      </p:sp>
-      <p:pic>
-        <p:nvPicPr>
-          <p:cNvPr id="3" name="Picture 2">
-            <a:extLst>
-              <a:ext uri="{FF2B5EF4-FFF2-40B4-BE49-F238E27FC236}">
-                <a16:creationId xmlns:a16="http://schemas.microsoft.com/office/drawing/2014/main" id="{B8AE48F5-CFDB-C24F-8634-E2CA6C83F29E}"/>
-              </a:ext>
-            </a:extLst>
-          </p:cNvPr>
-          <p:cNvPicPr>
-            <a:picLocks noChangeAspect="1"/>
-          </p:cNvPicPr>
-          <p:nvPr/>
-        </p:nvPicPr>
-        <p:blipFill>
-          <a:blip r:embed="rId2"/>
-          <a:stretch>
-            <a:fillRect/>
-          </a:stretch>
-        </p:blipFill>
-        <p:spPr>
-          <a:xfrm>
-            <a:off x="6176433" y="2529173"/>
-            <a:ext cx="5372100" cy="1799653"/>
-          </a:xfrm>
-          <a:prstGeom prst="rect">
-            <a:avLst/>
-          </a:prstGeom>
-        </p:spPr>
-      </p:pic>
-      <p:sp>
-        <p:nvSpPr>
-          <p:cNvPr id="18" name="Rectangle 17">
-            <a:extLst>
-              <a:ext uri="{FF2B5EF4-FFF2-40B4-BE49-F238E27FC236}">
-                <a16:creationId xmlns:a16="http://schemas.microsoft.com/office/drawing/2014/main" id="{23D0EF74-AD1E-4FD9-914D-8EC9058EBBA3}"/>
+            <a:pPr marL="0" marR="0" lvl="0" indent="0" algn="ctr" defTabSz="914400" rtl="0" eaLnBrk="1" fontAlgn="auto" latinLnBrk="0" hangingPunct="1">
+              <a:lnSpc>
+                <a:spcPct val="100000"/>
+              </a:lnSpc>
+              <a:spcBef>
+                <a:spcPts val="0"/>
+              </a:spcBef>
+              <a:spcAft>
+                <a:spcPts val="0"/>
+              </a:spcAft>
+              <a:buClrTx/>
+              <a:buSzTx/>
+              <a:buFontTx/>
+              <a:buNone/>
+              <a:tabLst/>
+              <a:defRPr/>
+            </a:pPr>
+            <a:endParaRPr kumimoji="0" lang="en-US" sz="1800" b="0" i="0" u="none" strike="noStrike" kern="1200" cap="none" spc="0" normalizeH="0" baseline="0" noProof="0">
+              <a:ln>
+                <a:noFill/>
+              </a:ln>
+              <a:solidFill>
+                <a:prstClr val="white"/>
+              </a:solidFill>
+              <a:effectLst/>
+              <a:uLnTx/>
+              <a:uFillTx/>
+              <a:latin typeface="Tw Cen MT" panose="020B0602020104020603"/>
+              <a:ea typeface="+mn-ea"/>
+              <a:cs typeface="+mn-cs"/>
+            </a:endParaRPr>
+          </a:p>
+        </p:txBody>
+      </p:sp>
+      <p:cxnSp>
+        <p:nvCxnSpPr>
+          <p:cNvPr id="18" name="Straight Connector 17">
+            <a:extLst>
+              <a:ext uri="{FF2B5EF4-FFF2-40B4-BE49-F238E27FC236}">
+                <a16:creationId xmlns:a16="http://schemas.microsoft.com/office/drawing/2014/main" id="{040575EE-C594-4566-BC00-663004E52AB5}"/>
               </a:ext>
               <a:ext uri="{C183D7F6-B498-43B3-948B-1728B52AA6E4}">
                 <adec:decorative xmlns:adec="http://schemas.microsoft.com/office/drawing/2017/decorative" val="1"/>
               </a:ext>
             </a:extLst>
           </p:cNvPr>
-          <p:cNvSpPr>
-            <a:spLocks noGrp="1" noRot="1" noChangeAspect="1" noMove="1" noResize="1" noEditPoints="1" noAdjustHandles="1" noChangeArrowheads="1" noChangeShapeType="1" noTextEdit="1"/>
-          </p:cNvSpPr>
+          <p:cNvCxnSpPr>
+            <a:cxnSpLocks noGrp="1" noRot="1" noChangeAspect="1" noMove="1" noResize="1" noEditPoints="1" noAdjustHandles="1" noChangeArrowheads="1" noChangeShapeType="1"/>
+          </p:cNvCxnSpPr>
           <p:nvPr>
             <p:extLst>
               <p:ext uri="{386F3935-93C4-4BCD-93E2-E3B085C9AB24}">
@@ -21411,53 +21847,42 @@
               </p:ext>
             </p:extLst>
           </p:nvPr>
-        </p:nvSpPr>
+        </p:nvCxnSpPr>
         <p:spPr>
           <a:xfrm>
-            <a:off x="477012" y="480060"/>
-            <a:ext cx="11237976" cy="5897880"/>
-          </a:xfrm>
-          <a:prstGeom prst="rect">
+            <a:off x="4763566" y="1417320"/>
+            <a:ext cx="0" cy="4023360"/>
+          </a:xfrm>
+          <a:prstGeom prst="line">
             <a:avLst/>
           </a:prstGeom>
-          <a:noFill/>
-          <a:ln>
+          <a:ln w="15875">
             <a:solidFill>
-              <a:srgbClr val="FFFFFF"/>
+              <a:schemeClr val="tx1"/>
             </a:solidFill>
           </a:ln>
         </p:spPr>
         <p:style>
-          <a:lnRef idx="2">
-            <a:schemeClr val="accent1">
-              <a:shade val="50000"/>
-            </a:schemeClr>
+          <a:lnRef idx="1">
+            <a:schemeClr val="accent1"/>
           </a:lnRef>
-          <a:fillRef idx="1">
+          <a:fillRef idx="0">
             <a:schemeClr val="accent1"/>
           </a:fillRef>
           <a:effectRef idx="0">
             <a:schemeClr val="accent1"/>
           </a:effectRef>
           <a:fontRef idx="minor">
-            <a:schemeClr val="lt1"/>
+            <a:schemeClr val="tx1"/>
           </a:fontRef>
         </p:style>
-        <p:txBody>
-          <a:bodyPr rtlCol="0" anchor="ctr"/>
-          <a:lstStyle/>
-          <a:p>
-            <a:pPr algn="ctr"/>
-            <a:endParaRPr lang="en-US"/>
-          </a:p>
-        </p:txBody>
-      </p:sp>
+      </p:cxnSp>
       <p:pic>
         <p:nvPicPr>
-          <p:cNvPr id="11" name="Picture 10">
-            <a:extLst>
-              <a:ext uri="{FF2B5EF4-FFF2-40B4-BE49-F238E27FC236}">
-                <a16:creationId xmlns:a16="http://schemas.microsoft.com/office/drawing/2014/main" id="{528754A2-B66A-9045-9B8C-2DA01B689132}"/>
+          <p:cNvPr id="24" name="Picture 23">
+            <a:extLst>
+              <a:ext uri="{FF2B5EF4-FFF2-40B4-BE49-F238E27FC236}">
+                <a16:creationId xmlns:a16="http://schemas.microsoft.com/office/drawing/2014/main" id="{9A4EBB88-E720-5949-A674-474A5299C558}"/>
               </a:ext>
             </a:extLst>
           </p:cNvPr>
@@ -21474,8 +21899,8 @@
         </p:blipFill>
         <p:spPr>
           <a:xfrm>
-            <a:off x="643466" y="1199579"/>
-            <a:ext cx="5372099" cy="4458842"/>
+            <a:off x="5172739" y="328221"/>
+            <a:ext cx="6375794" cy="5141495"/>
           </a:xfrm>
           <a:prstGeom prst="rect">
             <a:avLst/>
@@ -21484,10 +21909,10 @@
       </p:pic>
       <p:sp>
         <p:nvSpPr>
-          <p:cNvPr id="4" name="TextBox 3">
-            <a:extLst>
-              <a:ext uri="{FF2B5EF4-FFF2-40B4-BE49-F238E27FC236}">
-                <a16:creationId xmlns:a16="http://schemas.microsoft.com/office/drawing/2014/main" id="{84FD261E-A32D-BF4E-8B70-6052E3B247AD}"/>
+          <p:cNvPr id="25" name="TextBox 24">
+            <a:extLst>
+              <a:ext uri="{FF2B5EF4-FFF2-40B4-BE49-F238E27FC236}">
+                <a16:creationId xmlns:a16="http://schemas.microsoft.com/office/drawing/2014/main" id="{C12355FD-EE0B-764D-9EA3-6580A6810DEA}"/>
               </a:ext>
             </a:extLst>
           </p:cNvPr>
@@ -21517,9 +21942,6 @@
             </a:pPr>
             <a:r>
               <a:rPr lang="en-US" dirty="0">
-                <a:solidFill>
-                  <a:schemeClr val="bg1"/>
-                </a:solidFill>
                 <a:hlinkClick r:id="rId4">
                   <a:extLst>
                     <a:ext uri="{A12FA001-AC4F-418D-AE19-62706E023703}">
@@ -21530,20 +21952,16 @@
               </a:rPr>
               <a:t>http://web.math.ku.dk/~peters/jonas_files/mitTutorialJonas.pdf</a:t>
             </a:r>
-            <a:endParaRPr lang="en-US" dirty="0">
-              <a:solidFill>
-                <a:schemeClr val="bg1"/>
-              </a:solidFill>
-            </a:endParaRPr>
-          </a:p>
-        </p:txBody>
-      </p:sp>
-      <p:sp>
-        <p:nvSpPr>
-          <p:cNvPr id="5" name="TextBox 4">
-            <a:extLst>
-              <a:ext uri="{FF2B5EF4-FFF2-40B4-BE49-F238E27FC236}">
-                <a16:creationId xmlns:a16="http://schemas.microsoft.com/office/drawing/2014/main" id="{1E62D159-84EE-714C-B5AB-3C3EC00A5853}"/>
+            <a:endParaRPr lang="en-US" dirty="0"/>
+          </a:p>
+        </p:txBody>
+      </p:sp>
+      <p:sp>
+        <p:nvSpPr>
+          <p:cNvPr id="26" name="TextBox 25">
+            <a:extLst>
+              <a:ext uri="{FF2B5EF4-FFF2-40B4-BE49-F238E27FC236}">
+                <a16:creationId xmlns:a16="http://schemas.microsoft.com/office/drawing/2014/main" id="{377221CB-6BF8-064F-B92E-02E87662F0A9}"/>
               </a:ext>
             </a:extLst>
           </p:cNvPr>
@@ -21572,11 +21990,7 @@
               </a:spcAft>
             </a:pPr>
             <a:r>
-              <a:rPr lang="en-US" dirty="0">
-                <a:solidFill>
-                  <a:schemeClr val="bg1"/>
-                </a:solidFill>
-              </a:rPr>
+              <a:rPr lang="en-US" dirty="0"/>
               <a:t>Peters, J. (2017) Causality, lecture slides</a:t>
             </a:r>
           </a:p>
@@ -21584,10 +21998,45 @@
       </p:sp>
       <p:sp>
         <p:nvSpPr>
-          <p:cNvPr id="7" name="Frame 6">
-            <a:extLst>
-              <a:ext uri="{FF2B5EF4-FFF2-40B4-BE49-F238E27FC236}">
-                <a16:creationId xmlns:a16="http://schemas.microsoft.com/office/drawing/2014/main" id="{04C5DDC6-3B30-F648-B987-3DDF97D3055E}"/>
+          <p:cNvPr id="27" name="TextBox 26">
+            <a:extLst>
+              <a:ext uri="{FF2B5EF4-FFF2-40B4-BE49-F238E27FC236}">
+                <a16:creationId xmlns:a16="http://schemas.microsoft.com/office/drawing/2014/main" id="{594CC04F-F047-F745-9B9A-8C8995498FD4}"/>
+              </a:ext>
+            </a:extLst>
+          </p:cNvPr>
+          <p:cNvSpPr txBox="1"/>
+          <p:nvPr/>
+        </p:nvSpPr>
+        <p:spPr>
+          <a:xfrm>
+            <a:off x="10527931" y="-41111"/>
+            <a:ext cx="920445" cy="369332"/>
+          </a:xfrm>
+          <a:prstGeom prst="rect">
+            <a:avLst/>
+          </a:prstGeom>
+          <a:noFill/>
+        </p:spPr>
+        <p:txBody>
+          <a:bodyPr wrap="none" rtlCol="0">
+            <a:spAutoFit/>
+          </a:bodyPr>
+          <a:lstStyle/>
+          <a:p>
+            <a:r>
+              <a:rPr lang="en-US" dirty="0"/>
+              <a:t>Slide 52</a:t>
+            </a:r>
+          </a:p>
+        </p:txBody>
+      </p:sp>
+      <p:sp>
+        <p:nvSpPr>
+          <p:cNvPr id="31" name="Rectangle 30">
+            <a:extLst>
+              <a:ext uri="{FF2B5EF4-FFF2-40B4-BE49-F238E27FC236}">
+                <a16:creationId xmlns:a16="http://schemas.microsoft.com/office/drawing/2014/main" id="{94A9E63B-94B3-C649-8414-956C861587AF}"/>
               </a:ext>
             </a:extLst>
           </p:cNvPr>
@@ -21596,10 +22045,10 @@
         </p:nvSpPr>
         <p:spPr>
           <a:xfrm>
-            <a:off x="6176433" y="2529173"/>
-            <a:ext cx="5372100" cy="631122"/>
-          </a:xfrm>
-          <a:prstGeom prst="frame">
+            <a:off x="117868" y="159558"/>
+            <a:ext cx="4293712" cy="6643077"/>
+          </a:xfrm>
+          <a:prstGeom prst="rect">
             <a:avLst/>
           </a:prstGeom>
         </p:spPr>
@@ -21624,20 +22073,718 @@
           <a:lstStyle/>
           <a:p>
             <a:pPr algn="ctr"/>
-            <a:endParaRPr lang="en-US">
+            <a:endParaRPr lang="en-US"/>
+          </a:p>
+        </p:txBody>
+      </p:sp>
+      <p:sp>
+        <p:nvSpPr>
+          <p:cNvPr id="32" name="TextBox 31">
+            <a:extLst>
+              <a:ext uri="{FF2B5EF4-FFF2-40B4-BE49-F238E27FC236}">
+                <a16:creationId xmlns:a16="http://schemas.microsoft.com/office/drawing/2014/main" id="{32558356-04FF-0040-9393-B046A1E1E249}"/>
+              </a:ext>
+            </a:extLst>
+          </p:cNvPr>
+          <p:cNvSpPr txBox="1"/>
+          <p:nvPr/>
+        </p:nvSpPr>
+        <p:spPr>
+          <a:xfrm>
+            <a:off x="6215517" y="1470901"/>
+            <a:ext cx="340158" cy="461665"/>
+          </a:xfrm>
+          <a:prstGeom prst="rect">
+            <a:avLst/>
+          </a:prstGeom>
+          <a:noFill/>
+        </p:spPr>
+        <p:txBody>
+          <a:bodyPr wrap="none" rtlCol="0">
+            <a:spAutoFit/>
+          </a:bodyPr>
+          <a:lstStyle/>
+          <a:p>
+            <a:r>
+              <a:rPr lang="en-US" sz="2400" dirty="0">
+                <a:solidFill>
+                  <a:schemeClr val="bg1">
+                    <a:lumMod val="95000"/>
+                    <a:lumOff val="5000"/>
+                  </a:schemeClr>
+                </a:solidFill>
+              </a:rPr>
+              <a:t>1</a:t>
+            </a:r>
+          </a:p>
+        </p:txBody>
+      </p:sp>
+      <p:sp>
+        <p:nvSpPr>
+          <p:cNvPr id="33" name="TextBox 32">
+            <a:extLst>
+              <a:ext uri="{FF2B5EF4-FFF2-40B4-BE49-F238E27FC236}">
+                <a16:creationId xmlns:a16="http://schemas.microsoft.com/office/drawing/2014/main" id="{9A061A63-E06D-BF49-B2D9-E3AF9186247C}"/>
+              </a:ext>
+            </a:extLst>
+          </p:cNvPr>
+          <p:cNvSpPr txBox="1"/>
+          <p:nvPr/>
+        </p:nvSpPr>
+        <p:spPr>
+          <a:xfrm>
+            <a:off x="7316834" y="1756036"/>
+            <a:ext cx="434734" cy="461665"/>
+          </a:xfrm>
+          <a:prstGeom prst="rect">
+            <a:avLst/>
+          </a:prstGeom>
+          <a:noFill/>
+        </p:spPr>
+        <p:txBody>
+          <a:bodyPr wrap="none" rtlCol="0">
+            <a:spAutoFit/>
+          </a:bodyPr>
+          <a:lstStyle/>
+          <a:p>
+            <a:r>
+              <a:rPr lang="en-US" sz="2400" dirty="0">
+                <a:solidFill>
+                  <a:schemeClr val="bg1">
+                    <a:lumMod val="95000"/>
+                    <a:lumOff val="5000"/>
+                  </a:schemeClr>
+                </a:solidFill>
+              </a:rPr>
+              <a:t>-2</a:t>
+            </a:r>
+          </a:p>
+        </p:txBody>
+      </p:sp>
+      <p:sp>
+        <p:nvSpPr>
+          <p:cNvPr id="34" name="TextBox 33">
+            <a:extLst>
+              <a:ext uri="{FF2B5EF4-FFF2-40B4-BE49-F238E27FC236}">
+                <a16:creationId xmlns:a16="http://schemas.microsoft.com/office/drawing/2014/main" id="{8BCFC987-74AD-BD43-8F7E-2E0A7D07FA4B}"/>
+              </a:ext>
+            </a:extLst>
+          </p:cNvPr>
+          <p:cNvSpPr txBox="1"/>
+          <p:nvPr/>
+        </p:nvSpPr>
+        <p:spPr>
+          <a:xfrm>
+            <a:off x="6385596" y="3693879"/>
+            <a:ext cx="340158" cy="461665"/>
+          </a:xfrm>
+          <a:prstGeom prst="rect">
+            <a:avLst/>
+          </a:prstGeom>
+          <a:noFill/>
+        </p:spPr>
+        <p:txBody>
+          <a:bodyPr wrap="none" rtlCol="0">
+            <a:spAutoFit/>
+          </a:bodyPr>
+          <a:lstStyle/>
+          <a:p>
+            <a:r>
+              <a:rPr lang="en-US" sz="2400" dirty="0">
+                <a:solidFill>
+                  <a:schemeClr val="bg1">
+                    <a:lumMod val="95000"/>
+                    <a:lumOff val="5000"/>
+                  </a:schemeClr>
+                </a:solidFill>
+              </a:rPr>
+              <a:t>3</a:t>
+            </a:r>
+          </a:p>
+        </p:txBody>
+      </p:sp>
+      <p:sp>
+        <p:nvSpPr>
+          <p:cNvPr id="35" name="TextBox 34">
+            <a:extLst>
+              <a:ext uri="{FF2B5EF4-FFF2-40B4-BE49-F238E27FC236}">
+                <a16:creationId xmlns:a16="http://schemas.microsoft.com/office/drawing/2014/main" id="{4A176F26-3777-BE43-9988-297370404D0C}"/>
+              </a:ext>
+            </a:extLst>
+          </p:cNvPr>
+          <p:cNvSpPr txBox="1"/>
+          <p:nvPr/>
+        </p:nvSpPr>
+        <p:spPr>
+          <a:xfrm flipH="1">
+            <a:off x="9016747" y="3596832"/>
+            <a:ext cx="1633653" cy="461665"/>
+          </a:xfrm>
+          <a:prstGeom prst="rect">
+            <a:avLst/>
+          </a:prstGeom>
+          <a:noFill/>
+        </p:spPr>
+        <p:txBody>
+          <a:bodyPr wrap="square" rtlCol="0">
+            <a:spAutoFit/>
+          </a:bodyPr>
+          <a:lstStyle/>
+          <a:p>
+            <a:r>
+              <a:rPr lang="en-US" sz="2400" dirty="0">
+                <a:solidFill>
+                  <a:schemeClr val="bg1">
+                    <a:lumMod val="95000"/>
+                    <a:lumOff val="5000"/>
+                  </a:schemeClr>
+                </a:solidFill>
+              </a:rPr>
+              <a:t>1</a:t>
+            </a:r>
+          </a:p>
+        </p:txBody>
+      </p:sp>
+      <p:sp>
+        <p:nvSpPr>
+          <p:cNvPr id="36" name="TextBox 35">
+            <a:extLst>
+              <a:ext uri="{FF2B5EF4-FFF2-40B4-BE49-F238E27FC236}">
+                <a16:creationId xmlns:a16="http://schemas.microsoft.com/office/drawing/2014/main" id="{20D99964-20CB-4A48-86AB-A64BFBE8E211}"/>
+              </a:ext>
+            </a:extLst>
+          </p:cNvPr>
+          <p:cNvSpPr txBox="1"/>
+          <p:nvPr/>
+        </p:nvSpPr>
+        <p:spPr>
+          <a:xfrm flipH="1">
+            <a:off x="10411377" y="3743166"/>
+            <a:ext cx="1633653" cy="461665"/>
+          </a:xfrm>
+          <a:prstGeom prst="rect">
+            <a:avLst/>
+          </a:prstGeom>
+          <a:noFill/>
+        </p:spPr>
+        <p:txBody>
+          <a:bodyPr wrap="square" rtlCol="0">
+            <a:spAutoFit/>
+          </a:bodyPr>
+          <a:lstStyle/>
+          <a:p>
+            <a:r>
+              <a:rPr lang="en-US" sz="2400" dirty="0">
+                <a:solidFill>
+                  <a:schemeClr val="bg1">
+                    <a:lumMod val="95000"/>
+                    <a:lumOff val="5000"/>
+                  </a:schemeClr>
+                </a:solidFill>
+              </a:rPr>
+              <a:t>0.5</a:t>
+            </a:r>
+          </a:p>
+        </p:txBody>
+      </p:sp>
+      <p:sp>
+        <p:nvSpPr>
+          <p:cNvPr id="37" name="TextBox 36">
+            <a:extLst>
+              <a:ext uri="{FF2B5EF4-FFF2-40B4-BE49-F238E27FC236}">
+                <a16:creationId xmlns:a16="http://schemas.microsoft.com/office/drawing/2014/main" id="{07269EA3-89FF-3E48-BEA5-3512CC8EBC8F}"/>
+              </a:ext>
+            </a:extLst>
+          </p:cNvPr>
+          <p:cNvSpPr txBox="1"/>
+          <p:nvPr/>
+        </p:nvSpPr>
+        <p:spPr>
+          <a:xfrm flipH="1">
+            <a:off x="8583611" y="969820"/>
+            <a:ext cx="433136" cy="461665"/>
+          </a:xfrm>
+          <a:prstGeom prst="rect">
+            <a:avLst/>
+          </a:prstGeom>
+          <a:noFill/>
+        </p:spPr>
+        <p:txBody>
+          <a:bodyPr wrap="square" rtlCol="0">
+            <a:spAutoFit/>
+          </a:bodyPr>
+          <a:lstStyle/>
+          <a:p>
+            <a:r>
+              <a:rPr lang="en-US" sz="2400" dirty="0">
+                <a:solidFill>
+                  <a:schemeClr val="bg1">
+                    <a:lumMod val="95000"/>
+                    <a:lumOff val="5000"/>
+                  </a:schemeClr>
+                </a:solidFill>
+              </a:rPr>
+              <a:t>1</a:t>
+            </a:r>
+          </a:p>
+        </p:txBody>
+      </p:sp>
+      <p:sp>
+        <p:nvSpPr>
+          <p:cNvPr id="38" name="TextBox 37">
+            <a:extLst>
+              <a:ext uri="{FF2B5EF4-FFF2-40B4-BE49-F238E27FC236}">
+                <a16:creationId xmlns:a16="http://schemas.microsoft.com/office/drawing/2014/main" id="{D603CA6A-60E7-DB4E-B892-FCD05E7367DB}"/>
+              </a:ext>
+            </a:extLst>
+          </p:cNvPr>
+          <p:cNvSpPr txBox="1"/>
+          <p:nvPr/>
+        </p:nvSpPr>
+        <p:spPr>
+          <a:xfrm flipH="1">
+            <a:off x="10433832" y="1583495"/>
+            <a:ext cx="433136" cy="461665"/>
+          </a:xfrm>
+          <a:prstGeom prst="rect">
+            <a:avLst/>
+          </a:prstGeom>
+          <a:noFill/>
+        </p:spPr>
+        <p:txBody>
+          <a:bodyPr wrap="square" rtlCol="0">
+            <a:spAutoFit/>
+          </a:bodyPr>
+          <a:lstStyle/>
+          <a:p>
+            <a:r>
+              <a:rPr lang="en-US" sz="2400" dirty="0">
+                <a:solidFill>
+                  <a:schemeClr val="bg1">
+                    <a:lumMod val="95000"/>
+                    <a:lumOff val="5000"/>
+                  </a:schemeClr>
+                </a:solidFill>
+              </a:rPr>
+              <a:t>2</a:t>
+            </a:r>
+          </a:p>
+        </p:txBody>
+      </p:sp>
+      <p:sp>
+        <p:nvSpPr>
+          <p:cNvPr id="40" name="TextBox 39">
+            <a:extLst>
+              <a:ext uri="{FF2B5EF4-FFF2-40B4-BE49-F238E27FC236}">
+                <a16:creationId xmlns:a16="http://schemas.microsoft.com/office/drawing/2014/main" id="{B740CA94-2332-7748-8B66-C64EC03CE2FD}"/>
+              </a:ext>
+            </a:extLst>
+          </p:cNvPr>
+          <p:cNvSpPr txBox="1"/>
+          <p:nvPr/>
+        </p:nvSpPr>
+        <p:spPr>
+          <a:xfrm>
+            <a:off x="5286200" y="5616050"/>
+            <a:ext cx="6742167" cy="369332"/>
+          </a:xfrm>
+          <a:prstGeom prst="rect">
+            <a:avLst/>
+          </a:prstGeom>
+          <a:noFill/>
+        </p:spPr>
+        <p:txBody>
+          <a:bodyPr wrap="none" rtlCol="0">
+            <a:spAutoFit/>
+          </a:bodyPr>
+          <a:lstStyle/>
+          <a:p>
+            <a:r>
+              <a:rPr lang="en-US" dirty="0"/>
+              <a:t>See also 1:09:00 in </a:t>
+            </a:r>
+            <a:r>
+              <a:rPr lang="en-US" dirty="0">
+                <a:hlinkClick r:id="rId5">
+                  <a:extLst>
+                    <a:ext uri="{A12FA001-AC4F-418D-AE19-62706E023703}">
+                      <ahyp:hlinkClr xmlns:ahyp="http://schemas.microsoft.com/office/drawing/2018/hyperlinkcolor" val="tx"/>
+                    </a:ext>
+                  </a:extLst>
+                </a:hlinkClick>
+              </a:rPr>
+              <a:t>https://www.youtube.com/watch?v=zvrcyqcN9Wo</a:t>
+            </a:r>
+            <a:endParaRPr lang="en-US" dirty="0"/>
+          </a:p>
+        </p:txBody>
+      </p:sp>
+      <p:sp>
+        <p:nvSpPr>
+          <p:cNvPr id="42" name="TextBox 41">
+            <a:extLst>
+              <a:ext uri="{FF2B5EF4-FFF2-40B4-BE49-F238E27FC236}">
+                <a16:creationId xmlns:a16="http://schemas.microsoft.com/office/drawing/2014/main" id="{A165393C-BA00-144C-9E8C-86CDF0D059BF}"/>
+              </a:ext>
+            </a:extLst>
+          </p:cNvPr>
+          <p:cNvSpPr txBox="1"/>
+          <p:nvPr/>
+        </p:nvSpPr>
+        <p:spPr>
+          <a:xfrm>
+            <a:off x="7835788" y="1518271"/>
+            <a:ext cx="2340000" cy="830997"/>
+          </a:xfrm>
+          <a:prstGeom prst="rect">
+            <a:avLst/>
+          </a:prstGeom>
+          <a:noFill/>
+        </p:spPr>
+        <p:txBody>
+          <a:bodyPr wrap="none" rtlCol="0">
+            <a:spAutoFit/>
+          </a:bodyPr>
+          <a:lstStyle/>
+          <a:p>
+            <a:r>
+              <a:rPr lang="en-US" sz="2400" dirty="0">
+                <a:solidFill>
+                  <a:schemeClr val="bg1"/>
+                </a:solidFill>
+              </a:rPr>
+              <a:t>X &gt; Y: (-2 * -1 = 2)</a:t>
+            </a:r>
+          </a:p>
+          <a:p>
+            <a:endParaRPr lang="en-US" sz="2400" dirty="0">
               <a:solidFill>
-                <a:schemeClr val="tx1"/>
+                <a:schemeClr val="bg1"/>
               </a:solidFill>
             </a:endParaRPr>
           </a:p>
         </p:txBody>
       </p:sp>
-      <p:sp>
-        <p:nvSpPr>
-          <p:cNvPr id="14" name="Frame 13">
-            <a:extLst>
-              <a:ext uri="{FF2B5EF4-FFF2-40B4-BE49-F238E27FC236}">
-                <a16:creationId xmlns:a16="http://schemas.microsoft.com/office/drawing/2014/main" id="{D99A5A7E-B015-F74E-8848-92082581B792}"/>
+      <p:pic>
+        <p:nvPicPr>
+          <p:cNvPr id="43" name="Picture 42">
+            <a:extLst>
+              <a:ext uri="{FF2B5EF4-FFF2-40B4-BE49-F238E27FC236}">
+                <a16:creationId xmlns:a16="http://schemas.microsoft.com/office/drawing/2014/main" id="{AFA1F8F3-E44B-6C4D-A45C-C15F1620CFC0}"/>
+              </a:ext>
+            </a:extLst>
+          </p:cNvPr>
+          <p:cNvPicPr>
+            <a:picLocks noChangeAspect="1"/>
+          </p:cNvPicPr>
+          <p:nvPr/>
+        </p:nvPicPr>
+        <p:blipFill>
+          <a:blip r:embed="rId6"/>
+          <a:stretch>
+            <a:fillRect/>
+          </a:stretch>
+        </p:blipFill>
+        <p:spPr>
+          <a:xfrm>
+            <a:off x="874993" y="596314"/>
+            <a:ext cx="2808738" cy="5833533"/>
+          </a:xfrm>
+          <a:prstGeom prst="rect">
+            <a:avLst/>
+          </a:prstGeom>
+        </p:spPr>
+      </p:pic>
+    </p:spTree>
+    <p:extLst>
+      <p:ext uri="{BB962C8B-B14F-4D97-AF65-F5344CB8AC3E}">
+        <p14:creationId xmlns:p14="http://schemas.microsoft.com/office/powerpoint/2010/main" val="1290152532"/>
+      </p:ext>
+    </p:extLst>
+  </p:cSld>
+  <p:clrMapOvr>
+    <a:overrideClrMapping bg1="dk1" tx1="lt1" bg2="dk2" tx2="lt2" accent1="accent1" accent2="accent2" accent3="accent3" accent4="accent4" accent5="accent5" accent6="accent6" hlink="hlink" folHlink="folHlink"/>
+  </p:clrMapOvr>
+</p:sld>
+</file>
+
+<file path=ppt/slides/slide8.xml><?xml version="1.0" encoding="utf-8"?>
+<p:sld xmlns:a="http://schemas.openxmlformats.org/drawingml/2006/main" xmlns:r="http://schemas.openxmlformats.org/officeDocument/2006/relationships" xmlns:p="http://schemas.openxmlformats.org/presentationml/2006/main">
+  <p:cSld>
+    <p:spTree>
+      <p:nvGrpSpPr>
+        <p:cNvPr id="1" name=""/>
+        <p:cNvGrpSpPr/>
+        <p:nvPr/>
+      </p:nvGrpSpPr>
+      <p:grpSpPr>
+        <a:xfrm>
+          <a:off x="0" y="0"/>
+          <a:ext cx="0" cy="0"/>
+          <a:chOff x="0" y="0"/>
+          <a:chExt cx="0" cy="0"/>
+        </a:xfrm>
+      </p:grpSpPr>
+      <p:pic>
+        <p:nvPicPr>
+          <p:cNvPr id="13" name="Picture 12">
+            <a:extLst>
+              <a:ext uri="{FF2B5EF4-FFF2-40B4-BE49-F238E27FC236}">
+                <a16:creationId xmlns:a16="http://schemas.microsoft.com/office/drawing/2014/main" id="{3903469C-A7FD-6746-8B47-D154D4285473}"/>
+              </a:ext>
+            </a:extLst>
+          </p:cNvPr>
+          <p:cNvPicPr>
+            <a:picLocks noChangeAspect="1"/>
+          </p:cNvPicPr>
+          <p:nvPr/>
+        </p:nvPicPr>
+        <p:blipFill>
+          <a:blip r:embed="rId2"/>
+          <a:stretch>
+            <a:fillRect/>
+          </a:stretch>
+        </p:blipFill>
+        <p:spPr>
+          <a:xfrm>
+            <a:off x="1031102" y="1260388"/>
+            <a:ext cx="10129796" cy="4596714"/>
+          </a:xfrm>
+          <a:prstGeom prst="rect">
+            <a:avLst/>
+          </a:prstGeom>
+        </p:spPr>
+      </p:pic>
+      <p:sp>
+        <p:nvSpPr>
+          <p:cNvPr id="15" name="TextBox 14">
+            <a:extLst>
+              <a:ext uri="{FF2B5EF4-FFF2-40B4-BE49-F238E27FC236}">
+                <a16:creationId xmlns:a16="http://schemas.microsoft.com/office/drawing/2014/main" id="{E746A374-0141-0947-BE0F-1F618FADE58E}"/>
+              </a:ext>
+            </a:extLst>
+          </p:cNvPr>
+          <p:cNvSpPr txBox="1"/>
+          <p:nvPr/>
+        </p:nvSpPr>
+        <p:spPr>
+          <a:xfrm>
+            <a:off x="6820784" y="2734056"/>
+            <a:ext cx="5157216" cy="4123944"/>
+          </a:xfrm>
+          <a:prstGeom prst="rect">
+            <a:avLst/>
+          </a:prstGeom>
+        </p:spPr>
+        <p:txBody>
+          <a:bodyPr vert="horz" lIns="91440" tIns="45720" rIns="91440" bIns="45720" rtlCol="0" anchor="t">
+            <a:normAutofit/>
+          </a:bodyPr>
+          <a:lstStyle/>
+          <a:p>
+            <a:pPr>
+              <a:lnSpc>
+                <a:spcPct val="90000"/>
+              </a:lnSpc>
+              <a:spcAft>
+                <a:spcPts val="600"/>
+              </a:spcAft>
+            </a:pPr>
+            <a:r>
+              <a:rPr lang="en-US" dirty="0"/>
+              <a:t>Example taken from:</a:t>
+            </a:r>
+          </a:p>
+          <a:p>
+            <a:pPr>
+              <a:lnSpc>
+                <a:spcPct val="90000"/>
+              </a:lnSpc>
+              <a:spcAft>
+                <a:spcPts val="600"/>
+              </a:spcAft>
+            </a:pPr>
+            <a:r>
+              <a:rPr lang="en-US" dirty="0"/>
+              <a:t>Peters, J., </a:t>
+            </a:r>
+            <a:r>
+              <a:rPr lang="en-US" dirty="0" err="1"/>
+              <a:t>Janzing</a:t>
+            </a:r>
+            <a:r>
+              <a:rPr lang="en-US" dirty="0"/>
+              <a:t>, D., </a:t>
+            </a:r>
+            <a:r>
+              <a:rPr lang="en-US" dirty="0" err="1"/>
+              <a:t>Scholkopf</a:t>
+            </a:r>
+            <a:r>
+              <a:rPr lang="en-US" dirty="0"/>
+              <a:t>, B. (2017) </a:t>
+            </a:r>
+          </a:p>
+          <a:p>
+            <a:pPr>
+              <a:lnSpc>
+                <a:spcPct val="90000"/>
+              </a:lnSpc>
+              <a:spcAft>
+                <a:spcPts val="600"/>
+              </a:spcAft>
+            </a:pPr>
+            <a:r>
+              <a:rPr lang="en-US" dirty="0"/>
+              <a:t>Elements of Causal Inference: Foundations </a:t>
+            </a:r>
+          </a:p>
+          <a:p>
+            <a:pPr>
+              <a:lnSpc>
+                <a:spcPct val="90000"/>
+              </a:lnSpc>
+              <a:spcAft>
+                <a:spcPts val="600"/>
+              </a:spcAft>
+            </a:pPr>
+            <a:r>
+              <a:rPr lang="en-US" dirty="0"/>
+              <a:t>and Learning Algorithms</a:t>
+            </a:r>
+          </a:p>
+          <a:p>
+            <a:pPr>
+              <a:lnSpc>
+                <a:spcPct val="90000"/>
+              </a:lnSpc>
+              <a:spcAft>
+                <a:spcPts val="600"/>
+              </a:spcAft>
+            </a:pPr>
+            <a:r>
+              <a:rPr lang="en-US" dirty="0"/>
+              <a:t>MIT Press, Cambridge, MA.</a:t>
+            </a:r>
+          </a:p>
+          <a:p>
+            <a:pPr>
+              <a:lnSpc>
+                <a:spcPct val="90000"/>
+              </a:lnSpc>
+              <a:spcAft>
+                <a:spcPts val="600"/>
+              </a:spcAft>
+            </a:pPr>
+            <a:r>
+              <a:rPr lang="en-US" dirty="0"/>
+              <a:t>Pp. 117</a:t>
+            </a:r>
+          </a:p>
+        </p:txBody>
+      </p:sp>
+    </p:spTree>
+    <p:extLst>
+      <p:ext uri="{BB962C8B-B14F-4D97-AF65-F5344CB8AC3E}">
+        <p14:creationId xmlns:p14="http://schemas.microsoft.com/office/powerpoint/2010/main" val="4174223555"/>
+      </p:ext>
+    </p:extLst>
+  </p:cSld>
+  <p:clrMapOvr>
+    <a:masterClrMapping/>
+  </p:clrMapOvr>
+</p:sld>
+</file>
+
+<file path=ppt/slides/slide9.xml><?xml version="1.0" encoding="utf-8"?>
+<p:sld xmlns:a="http://schemas.openxmlformats.org/drawingml/2006/main" xmlns:r="http://schemas.openxmlformats.org/officeDocument/2006/relationships" xmlns:p="http://schemas.openxmlformats.org/presentationml/2006/main">
+  <p:cSld>
+    <p:bg>
+      <p:bgPr>
+        <a:solidFill>
+          <a:schemeClr val="bg1">
+            <a:tint val="95000"/>
+            <a:satMod val="170000"/>
+          </a:schemeClr>
+        </a:solidFill>
+        <a:effectLst/>
+      </p:bgPr>
+    </p:bg>
+    <p:spTree>
+      <p:nvGrpSpPr>
+        <p:cNvPr id="1" name=""/>
+        <p:cNvGrpSpPr/>
+        <p:nvPr/>
+      </p:nvGrpSpPr>
+      <p:grpSpPr>
+        <a:xfrm>
+          <a:off x="0" y="0"/>
+          <a:ext cx="0" cy="0"/>
+          <a:chOff x="0" y="0"/>
+          <a:chExt cx="0" cy="0"/>
+        </a:xfrm>
+      </p:grpSpPr>
+      <p:cxnSp>
+        <p:nvCxnSpPr>
+          <p:cNvPr id="20" name="Straight Connector 15">
+            <a:extLst>
+              <a:ext uri="{FF2B5EF4-FFF2-40B4-BE49-F238E27FC236}">
+                <a16:creationId xmlns:a16="http://schemas.microsoft.com/office/drawing/2014/main" id="{CC58BC5E-E27D-44A1-8C74-503792DD1430}"/>
+              </a:ext>
+              <a:ext uri="{C183D7F6-B498-43B3-948B-1728B52AA6E4}">
+                <adec:decorative xmlns:adec="http://schemas.microsoft.com/office/drawing/2017/decorative" val="1"/>
+              </a:ext>
+            </a:extLst>
+          </p:cNvPr>
+          <p:cNvCxnSpPr>
+            <a:cxnSpLocks noGrp="1" noRot="1" noChangeAspect="1" noMove="1" noResize="1" noEditPoints="1" noAdjustHandles="1" noChangeArrowheads="1" noChangeShapeType="1"/>
+          </p:cNvCxnSpPr>
+          <p:nvPr>
+            <p:extLst>
+              <p:ext uri="{386F3935-93C4-4BCD-93E2-E3B085C9AB24}">
+                <p16:designElem xmlns:p16="http://schemas.microsoft.com/office/powerpoint/2015/main" val="1"/>
+              </p:ext>
+            </p:extLst>
+          </p:nvPr>
+        </p:nvCxnSpPr>
+        <p:spPr>
+          <a:xfrm>
+            <a:off x="413224" y="1143000"/>
+            <a:ext cx="0" cy="4572000"/>
+          </a:xfrm>
+          <a:prstGeom prst="line">
+            <a:avLst/>
+          </a:prstGeom>
+          <a:ln w="19050">
+            <a:solidFill>
+              <a:schemeClr val="tx1">
+                <a:lumMod val="85000"/>
+                <a:lumOff val="15000"/>
+              </a:schemeClr>
+            </a:solidFill>
+          </a:ln>
+        </p:spPr>
+        <p:style>
+          <a:lnRef idx="1">
+            <a:schemeClr val="accent1"/>
+          </a:lnRef>
+          <a:fillRef idx="0">
+            <a:schemeClr val="accent1"/>
+          </a:fillRef>
+          <a:effectRef idx="0">
+            <a:schemeClr val="accent1"/>
+          </a:effectRef>
+          <a:fontRef idx="minor">
+            <a:schemeClr val="tx1"/>
+          </a:fontRef>
+        </p:style>
+      </p:cxnSp>
+      <p:sp>
+        <p:nvSpPr>
+          <p:cNvPr id="15" name="Rectangle 14">
+            <a:extLst>
+              <a:ext uri="{FF2B5EF4-FFF2-40B4-BE49-F238E27FC236}">
+                <a16:creationId xmlns:a16="http://schemas.microsoft.com/office/drawing/2014/main" id="{43D36286-B693-1A42-9D53-ABFCBEC12F23}"/>
               </a:ext>
             </a:extLst>
           </p:cNvPr>
@@ -21646,10 +22793,10 @@
         </p:nvSpPr>
         <p:spPr>
           <a:xfrm>
-            <a:off x="3185136" y="2891588"/>
-            <a:ext cx="1042515" cy="1074821"/>
-          </a:xfrm>
-          <a:prstGeom prst="frame">
+            <a:off x="117868" y="159558"/>
+            <a:ext cx="4293712" cy="6643077"/>
+          </a:xfrm>
+          <a:prstGeom prst="rect">
             <a:avLst/>
           </a:prstGeom>
         </p:spPr>
@@ -21674,223 +22821,548 @@
           <a:lstStyle/>
           <a:p>
             <a:pPr algn="ctr"/>
-            <a:endParaRPr lang="en-US">
-              <a:solidFill>
-                <a:schemeClr val="tx1"/>
-              </a:solidFill>
-            </a:endParaRPr>
-          </a:p>
-        </p:txBody>
-      </p:sp>
-      <p:sp>
-        <p:nvSpPr>
-          <p:cNvPr id="15" name="Frame 14">
-            <a:extLst>
-              <a:ext uri="{FF2B5EF4-FFF2-40B4-BE49-F238E27FC236}">
-                <a16:creationId xmlns:a16="http://schemas.microsoft.com/office/drawing/2014/main" id="{EA722E11-8DB7-5843-8F19-247DF08F694E}"/>
-              </a:ext>
-            </a:extLst>
-          </p:cNvPr>
-          <p:cNvSpPr/>
+            <a:endParaRPr lang="en-US"/>
+          </a:p>
+        </p:txBody>
+      </p:sp>
+      <p:pic>
+        <p:nvPicPr>
+          <p:cNvPr id="19" name="Picture 18">
+            <a:extLst>
+              <a:ext uri="{FF2B5EF4-FFF2-40B4-BE49-F238E27FC236}">
+                <a16:creationId xmlns:a16="http://schemas.microsoft.com/office/drawing/2014/main" id="{3B6FB968-6FD7-4544-8226-1E55DDADED4E}"/>
+              </a:ext>
+            </a:extLst>
+          </p:cNvPr>
+          <p:cNvPicPr>
+            <a:picLocks noChangeAspect="1"/>
+          </p:cNvPicPr>
           <p:nvPr/>
-        </p:nvSpPr>
+        </p:nvPicPr>
+        <p:blipFill>
+          <a:blip r:embed="rId3"/>
+          <a:stretch>
+            <a:fillRect/>
+          </a:stretch>
+        </p:blipFill>
         <p:spPr>
           <a:xfrm>
-            <a:off x="6160391" y="3122731"/>
-            <a:ext cx="5372100" cy="631122"/>
-          </a:xfrm>
-          <a:prstGeom prst="frame">
+            <a:off x="5272896" y="858252"/>
+            <a:ext cx="6375794" cy="5141495"/>
+          </a:xfrm>
+          <a:prstGeom prst="rect">
             <a:avLst/>
           </a:prstGeom>
         </p:spPr>
-        <p:style>
-          <a:lnRef idx="2">
-            <a:schemeClr val="accent1">
-              <a:shade val="50000"/>
-            </a:schemeClr>
-          </a:lnRef>
-          <a:fillRef idx="1">
-            <a:schemeClr val="accent1"/>
-          </a:fillRef>
-          <a:effectRef idx="0">
-            <a:schemeClr val="accent1"/>
-          </a:effectRef>
-          <a:fontRef idx="minor">
-            <a:schemeClr val="lt1"/>
-          </a:fontRef>
-        </p:style>
-        <p:txBody>
-          <a:bodyPr rtlCol="0" anchor="ctr"/>
-          <a:lstStyle/>
-          <a:p>
-            <a:pPr algn="ctr"/>
-            <a:endParaRPr lang="en-US">
-              <a:solidFill>
-                <a:schemeClr val="tx1"/>
-              </a:solidFill>
-            </a:endParaRPr>
-          </a:p>
-        </p:txBody>
-      </p:sp>
-      <p:sp>
-        <p:nvSpPr>
-          <p:cNvPr id="17" name="Frame 16">
-            <a:extLst>
-              <a:ext uri="{FF2B5EF4-FFF2-40B4-BE49-F238E27FC236}">
-                <a16:creationId xmlns:a16="http://schemas.microsoft.com/office/drawing/2014/main" id="{72087D7E-0B71-0A41-AF26-C2FD4459AD67}"/>
-              </a:ext>
-            </a:extLst>
-          </p:cNvPr>
-          <p:cNvSpPr/>
+      </p:pic>
+      <p:sp>
+        <p:nvSpPr>
+          <p:cNvPr id="21" name="TextBox 20">
+            <a:extLst>
+              <a:ext uri="{FF2B5EF4-FFF2-40B4-BE49-F238E27FC236}">
+                <a16:creationId xmlns:a16="http://schemas.microsoft.com/office/drawing/2014/main" id="{92BFE29C-20DA-024C-878D-F0FE1005A65A}"/>
+              </a:ext>
+            </a:extLst>
+          </p:cNvPr>
+          <p:cNvSpPr txBox="1"/>
           <p:nvPr/>
         </p:nvSpPr>
         <p:spPr>
           <a:xfrm>
-            <a:off x="2327883" y="1144215"/>
-            <a:ext cx="1042515" cy="1074821"/>
-          </a:xfrm>
-          <a:prstGeom prst="frame">
+            <a:off x="5905896" y="6433304"/>
+            <a:ext cx="6221703" cy="369332"/>
+          </a:xfrm>
+          <a:prstGeom prst="rect">
+            <a:avLst/>
+          </a:prstGeom>
+          <a:noFill/>
+        </p:spPr>
+        <p:txBody>
+          <a:bodyPr wrap="none" rtlCol="0">
+            <a:spAutoFit/>
+          </a:bodyPr>
+          <a:lstStyle/>
+          <a:p>
+            <a:pPr>
+              <a:spcAft>
+                <a:spcPts val="600"/>
+              </a:spcAft>
+            </a:pPr>
+            <a:r>
+              <a:rPr lang="en-US" dirty="0">
+                <a:hlinkClick r:id="rId4">
+                  <a:extLst>
+                    <a:ext uri="{A12FA001-AC4F-418D-AE19-62706E023703}">
+                      <ahyp:hlinkClr xmlns:ahyp="http://schemas.microsoft.com/office/drawing/2018/hyperlinkcolor" val="tx"/>
+                    </a:ext>
+                  </a:extLst>
+                </a:hlinkClick>
+              </a:rPr>
+              <a:t>http://web.math.ku.dk/~peters/jonas_files/mitTutorialJonas.pdf</a:t>
+            </a:r>
+            <a:endParaRPr lang="en-US" dirty="0"/>
+          </a:p>
+        </p:txBody>
+      </p:sp>
+      <p:sp>
+        <p:nvSpPr>
+          <p:cNvPr id="22" name="TextBox 21">
+            <a:extLst>
+              <a:ext uri="{FF2B5EF4-FFF2-40B4-BE49-F238E27FC236}">
+                <a16:creationId xmlns:a16="http://schemas.microsoft.com/office/drawing/2014/main" id="{DE912028-64F1-4744-A300-E09A5FFA0B8B}"/>
+              </a:ext>
+            </a:extLst>
+          </p:cNvPr>
+          <p:cNvSpPr txBox="1"/>
+          <p:nvPr/>
+        </p:nvSpPr>
+        <p:spPr>
+          <a:xfrm>
+            <a:off x="7654710" y="6008607"/>
+            <a:ext cx="3893823" cy="369332"/>
+          </a:xfrm>
+          <a:prstGeom prst="rect">
+            <a:avLst/>
+          </a:prstGeom>
+          <a:noFill/>
+        </p:spPr>
+        <p:txBody>
+          <a:bodyPr wrap="none" rtlCol="0">
+            <a:spAutoFit/>
+          </a:bodyPr>
+          <a:lstStyle/>
+          <a:p>
+            <a:pPr>
+              <a:spcAft>
+                <a:spcPts val="600"/>
+              </a:spcAft>
+            </a:pPr>
+            <a:r>
+              <a:rPr lang="en-US" dirty="0"/>
+              <a:t>Peters, J. (2017) Causality, lecture slides</a:t>
+            </a:r>
+          </a:p>
+        </p:txBody>
+      </p:sp>
+      <p:sp>
+        <p:nvSpPr>
+          <p:cNvPr id="23" name="TextBox 22">
+            <a:extLst>
+              <a:ext uri="{FF2B5EF4-FFF2-40B4-BE49-F238E27FC236}">
+                <a16:creationId xmlns:a16="http://schemas.microsoft.com/office/drawing/2014/main" id="{F0FFCEF0-246E-B94A-B98A-4F7A26DACC0C}"/>
+              </a:ext>
+            </a:extLst>
+          </p:cNvPr>
+          <p:cNvSpPr txBox="1"/>
+          <p:nvPr/>
+        </p:nvSpPr>
+        <p:spPr>
+          <a:xfrm>
+            <a:off x="10628088" y="488920"/>
+            <a:ext cx="920445" cy="369332"/>
+          </a:xfrm>
+          <a:prstGeom prst="rect">
+            <a:avLst/>
+          </a:prstGeom>
+          <a:noFill/>
+        </p:spPr>
+        <p:txBody>
+          <a:bodyPr wrap="none" rtlCol="0">
+            <a:spAutoFit/>
+          </a:bodyPr>
+          <a:lstStyle/>
+          <a:p>
+            <a:r>
+              <a:rPr lang="en-US" dirty="0"/>
+              <a:t>Slide 52</a:t>
+            </a:r>
+          </a:p>
+        </p:txBody>
+      </p:sp>
+      <p:sp>
+        <p:nvSpPr>
+          <p:cNvPr id="28" name="TextBox 27">
+            <a:extLst>
+              <a:ext uri="{FF2B5EF4-FFF2-40B4-BE49-F238E27FC236}">
+                <a16:creationId xmlns:a16="http://schemas.microsoft.com/office/drawing/2014/main" id="{95AD8467-396A-CE41-ACF2-E38F7FDC75CA}"/>
+              </a:ext>
+            </a:extLst>
+          </p:cNvPr>
+          <p:cNvSpPr txBox="1"/>
+          <p:nvPr/>
+        </p:nvSpPr>
+        <p:spPr>
+          <a:xfrm>
+            <a:off x="6432884" y="1925053"/>
+            <a:ext cx="340158" cy="461665"/>
+          </a:xfrm>
+          <a:prstGeom prst="rect">
+            <a:avLst/>
+          </a:prstGeom>
+          <a:noFill/>
+        </p:spPr>
+        <p:txBody>
+          <a:bodyPr wrap="none" rtlCol="0">
+            <a:spAutoFit/>
+          </a:bodyPr>
+          <a:lstStyle/>
+          <a:p>
+            <a:r>
+              <a:rPr lang="en-US" sz="2400" dirty="0">
+                <a:solidFill>
+                  <a:schemeClr val="bg1">
+                    <a:lumMod val="95000"/>
+                    <a:lumOff val="5000"/>
+                  </a:schemeClr>
+                </a:solidFill>
+              </a:rPr>
+              <a:t>1</a:t>
+            </a:r>
+          </a:p>
+        </p:txBody>
+      </p:sp>
+      <p:sp>
+        <p:nvSpPr>
+          <p:cNvPr id="30" name="TextBox 29">
+            <a:extLst>
+              <a:ext uri="{FF2B5EF4-FFF2-40B4-BE49-F238E27FC236}">
+                <a16:creationId xmlns:a16="http://schemas.microsoft.com/office/drawing/2014/main" id="{8BCF0123-3546-4244-A22C-945418F451E7}"/>
+              </a:ext>
+            </a:extLst>
+          </p:cNvPr>
+          <p:cNvSpPr txBox="1"/>
+          <p:nvPr/>
+        </p:nvSpPr>
+        <p:spPr>
+          <a:xfrm>
+            <a:off x="7613770" y="2109719"/>
+            <a:ext cx="434734" cy="461665"/>
+          </a:xfrm>
+          <a:prstGeom prst="rect">
+            <a:avLst/>
+          </a:prstGeom>
+          <a:noFill/>
+        </p:spPr>
+        <p:txBody>
+          <a:bodyPr wrap="none" rtlCol="0">
+            <a:spAutoFit/>
+          </a:bodyPr>
+          <a:lstStyle/>
+          <a:p>
+            <a:r>
+              <a:rPr lang="en-US" sz="2400" dirty="0">
+                <a:solidFill>
+                  <a:schemeClr val="bg1">
+                    <a:lumMod val="95000"/>
+                    <a:lumOff val="5000"/>
+                  </a:schemeClr>
+                </a:solidFill>
+              </a:rPr>
+              <a:t>-2</a:t>
+            </a:r>
+          </a:p>
+        </p:txBody>
+      </p:sp>
+      <p:sp>
+        <p:nvSpPr>
+          <p:cNvPr id="31" name="TextBox 30">
+            <a:extLst>
+              <a:ext uri="{FF2B5EF4-FFF2-40B4-BE49-F238E27FC236}">
+                <a16:creationId xmlns:a16="http://schemas.microsoft.com/office/drawing/2014/main" id="{56B58BDD-8A73-8742-B381-A248738A5165}"/>
+              </a:ext>
+            </a:extLst>
+          </p:cNvPr>
+          <p:cNvSpPr txBox="1"/>
+          <p:nvPr/>
+        </p:nvSpPr>
+        <p:spPr>
+          <a:xfrm>
+            <a:off x="6464968" y="4194284"/>
+            <a:ext cx="340158" cy="461665"/>
+          </a:xfrm>
+          <a:prstGeom prst="rect">
+            <a:avLst/>
+          </a:prstGeom>
+          <a:noFill/>
+        </p:spPr>
+        <p:txBody>
+          <a:bodyPr wrap="none" rtlCol="0">
+            <a:spAutoFit/>
+          </a:bodyPr>
+          <a:lstStyle/>
+          <a:p>
+            <a:r>
+              <a:rPr lang="en-US" sz="2400" dirty="0">
+                <a:solidFill>
+                  <a:schemeClr val="bg1">
+                    <a:lumMod val="95000"/>
+                    <a:lumOff val="5000"/>
+                  </a:schemeClr>
+                </a:solidFill>
+              </a:rPr>
+              <a:t>3</a:t>
+            </a:r>
+          </a:p>
+        </p:txBody>
+      </p:sp>
+      <p:sp>
+        <p:nvSpPr>
+          <p:cNvPr id="32" name="TextBox 31">
+            <a:extLst>
+              <a:ext uri="{FF2B5EF4-FFF2-40B4-BE49-F238E27FC236}">
+                <a16:creationId xmlns:a16="http://schemas.microsoft.com/office/drawing/2014/main" id="{A72559F1-7D8E-2F4C-97D5-2AC4684AA608}"/>
+              </a:ext>
+            </a:extLst>
+          </p:cNvPr>
+          <p:cNvSpPr txBox="1"/>
+          <p:nvPr/>
+        </p:nvSpPr>
+        <p:spPr>
+          <a:xfrm flipH="1">
+            <a:off x="9016747" y="4194284"/>
+            <a:ext cx="1633653" cy="461665"/>
+          </a:xfrm>
+          <a:prstGeom prst="rect">
+            <a:avLst/>
+          </a:prstGeom>
+          <a:noFill/>
+        </p:spPr>
+        <p:txBody>
+          <a:bodyPr wrap="square" rtlCol="0">
+            <a:spAutoFit/>
+          </a:bodyPr>
+          <a:lstStyle/>
+          <a:p>
+            <a:r>
+              <a:rPr lang="en-US" sz="2400" dirty="0">
+                <a:solidFill>
+                  <a:schemeClr val="bg1">
+                    <a:lumMod val="95000"/>
+                    <a:lumOff val="5000"/>
+                  </a:schemeClr>
+                </a:solidFill>
+              </a:rPr>
+              <a:t>1</a:t>
+            </a:r>
+          </a:p>
+        </p:txBody>
+      </p:sp>
+      <p:sp>
+        <p:nvSpPr>
+          <p:cNvPr id="33" name="TextBox 32">
+            <a:extLst>
+              <a:ext uri="{FF2B5EF4-FFF2-40B4-BE49-F238E27FC236}">
+                <a16:creationId xmlns:a16="http://schemas.microsoft.com/office/drawing/2014/main" id="{B2CBD068-D31F-0449-B646-9EEEF9CDE7BF}"/>
+              </a:ext>
+            </a:extLst>
+          </p:cNvPr>
+          <p:cNvSpPr txBox="1"/>
+          <p:nvPr/>
+        </p:nvSpPr>
+        <p:spPr>
+          <a:xfrm flipH="1">
+            <a:off x="10572832" y="4210326"/>
+            <a:ext cx="1633653" cy="461665"/>
+          </a:xfrm>
+          <a:prstGeom prst="rect">
+            <a:avLst/>
+          </a:prstGeom>
+          <a:noFill/>
+        </p:spPr>
+        <p:txBody>
+          <a:bodyPr wrap="square" rtlCol="0">
+            <a:spAutoFit/>
+          </a:bodyPr>
+          <a:lstStyle/>
+          <a:p>
+            <a:r>
+              <a:rPr lang="en-US" sz="2400" dirty="0">
+                <a:solidFill>
+                  <a:schemeClr val="bg1">
+                    <a:lumMod val="95000"/>
+                    <a:lumOff val="5000"/>
+                  </a:schemeClr>
+                </a:solidFill>
+              </a:rPr>
+              <a:t>0.5</a:t>
+            </a:r>
+          </a:p>
+        </p:txBody>
+      </p:sp>
+      <p:sp>
+        <p:nvSpPr>
+          <p:cNvPr id="34" name="TextBox 33">
+            <a:extLst>
+              <a:ext uri="{FF2B5EF4-FFF2-40B4-BE49-F238E27FC236}">
+                <a16:creationId xmlns:a16="http://schemas.microsoft.com/office/drawing/2014/main" id="{120870FC-60E3-D949-BC69-D47367D10960}"/>
+              </a:ext>
+            </a:extLst>
+          </p:cNvPr>
+          <p:cNvSpPr txBox="1"/>
+          <p:nvPr/>
+        </p:nvSpPr>
+        <p:spPr>
+          <a:xfrm flipH="1">
+            <a:off x="8583611" y="969820"/>
+            <a:ext cx="433136" cy="461665"/>
+          </a:xfrm>
+          <a:prstGeom prst="rect">
+            <a:avLst/>
+          </a:prstGeom>
+          <a:noFill/>
+        </p:spPr>
+        <p:txBody>
+          <a:bodyPr wrap="square" rtlCol="0">
+            <a:spAutoFit/>
+          </a:bodyPr>
+          <a:lstStyle/>
+          <a:p>
+            <a:r>
+              <a:rPr lang="en-US" sz="2400" dirty="0">
+                <a:solidFill>
+                  <a:schemeClr val="bg1">
+                    <a:lumMod val="95000"/>
+                    <a:lumOff val="5000"/>
+                  </a:schemeClr>
+                </a:solidFill>
+              </a:rPr>
+              <a:t>1</a:t>
+            </a:r>
+          </a:p>
+        </p:txBody>
+      </p:sp>
+      <p:sp>
+        <p:nvSpPr>
+          <p:cNvPr id="35" name="TextBox 34">
+            <a:extLst>
+              <a:ext uri="{FF2B5EF4-FFF2-40B4-BE49-F238E27FC236}">
+                <a16:creationId xmlns:a16="http://schemas.microsoft.com/office/drawing/2014/main" id="{C2727F86-195B-7245-942A-9419EE48F4F4}"/>
+              </a:ext>
+            </a:extLst>
+          </p:cNvPr>
+          <p:cNvSpPr txBox="1"/>
+          <p:nvPr/>
+        </p:nvSpPr>
+        <p:spPr>
+          <a:xfrm flipH="1">
+            <a:off x="10604916" y="1852136"/>
+            <a:ext cx="433136" cy="461665"/>
+          </a:xfrm>
+          <a:prstGeom prst="rect">
+            <a:avLst/>
+          </a:prstGeom>
+          <a:noFill/>
+        </p:spPr>
+        <p:txBody>
+          <a:bodyPr wrap="square" rtlCol="0">
+            <a:spAutoFit/>
+          </a:bodyPr>
+          <a:lstStyle/>
+          <a:p>
+            <a:r>
+              <a:rPr lang="en-US" sz="2400" dirty="0">
+                <a:solidFill>
+                  <a:schemeClr val="bg1">
+                    <a:lumMod val="95000"/>
+                    <a:lumOff val="5000"/>
+                  </a:schemeClr>
+                </a:solidFill>
+              </a:rPr>
+              <a:t>2</a:t>
+            </a:r>
+          </a:p>
+        </p:txBody>
+      </p:sp>
+      <mc:AlternateContent xmlns:mc="http://schemas.openxmlformats.org/markup-compatibility/2006">
+        <mc:Choice xmlns:p14="http://schemas.microsoft.com/office/powerpoint/2010/main" Requires="p14">
+          <p:contentPart p14:bwMode="auto" r:id="rId5">
+            <p14:nvContentPartPr>
+              <p14:cNvPr id="3" name="Ink 2">
+                <a:extLst>
+                  <a:ext uri="{FF2B5EF4-FFF2-40B4-BE49-F238E27FC236}">
+                    <a16:creationId xmlns:a16="http://schemas.microsoft.com/office/drawing/2014/main" id="{986E0C9F-CFC1-B64B-9C18-0D8C09B36548}"/>
+                  </a:ext>
+                </a:extLst>
+              </p14:cNvPr>
+              <p14:cNvContentPartPr/>
+              <p14:nvPr/>
+            </p14:nvContentPartPr>
+            <p14:xfrm>
+              <a:off x="6194122" y="2513545"/>
+              <a:ext cx="3385080" cy="1633680"/>
+            </p14:xfrm>
+          </p:contentPart>
+        </mc:Choice>
+        <mc:Fallback>
+          <p:pic>
+            <p:nvPicPr>
+              <p:cNvPr id="3" name="Ink 2">
+                <a:extLst>
+                  <a:ext uri="{FF2B5EF4-FFF2-40B4-BE49-F238E27FC236}">
+                    <a16:creationId xmlns:a16="http://schemas.microsoft.com/office/drawing/2014/main" id="{986E0C9F-CFC1-B64B-9C18-0D8C09B36548}"/>
+                  </a:ext>
+                </a:extLst>
+              </p:cNvPr>
+              <p:cNvPicPr/>
+              <p:nvPr/>
+            </p:nvPicPr>
+            <p:blipFill>
+              <a:blip r:embed="rId6"/>
+              <a:stretch>
+                <a:fillRect/>
+              </a:stretch>
+            </p:blipFill>
+            <p:spPr>
+              <a:xfrm>
+                <a:off x="6158122" y="2477905"/>
+                <a:ext cx="3456720" cy="1705320"/>
+              </a:xfrm>
+              <a:prstGeom prst="rect">
+                <a:avLst/>
+              </a:prstGeom>
+            </p:spPr>
+          </p:pic>
+        </mc:Fallback>
+      </mc:AlternateContent>
+      <p:pic>
+        <p:nvPicPr>
+          <p:cNvPr id="36" name="Picture 35">
+            <a:extLst>
+              <a:ext uri="{FF2B5EF4-FFF2-40B4-BE49-F238E27FC236}">
+                <a16:creationId xmlns:a16="http://schemas.microsoft.com/office/drawing/2014/main" id="{4ECA6702-D89E-2141-ABA9-3262F703A0EF}"/>
+              </a:ext>
+            </a:extLst>
+          </p:cNvPr>
+          <p:cNvPicPr>
+            <a:picLocks noChangeAspect="1"/>
+          </p:cNvPicPr>
+          <p:nvPr/>
+        </p:nvPicPr>
+        <p:blipFill>
+          <a:blip r:embed="rId7"/>
+          <a:stretch>
+            <a:fillRect/>
+          </a:stretch>
+        </p:blipFill>
+        <p:spPr>
+          <a:xfrm>
+            <a:off x="965716" y="477739"/>
+            <a:ext cx="2867494" cy="5955565"/>
+          </a:xfrm>
+          <a:prstGeom prst="rect">
             <a:avLst/>
           </a:prstGeom>
         </p:spPr>
-        <p:style>
-          <a:lnRef idx="2">
-            <a:schemeClr val="accent1">
-              <a:shade val="50000"/>
-            </a:schemeClr>
-          </a:lnRef>
-          <a:fillRef idx="1">
-            <a:schemeClr val="accent1"/>
-          </a:fillRef>
-          <a:effectRef idx="0">
-            <a:schemeClr val="accent1"/>
-          </a:effectRef>
-          <a:fontRef idx="minor">
-            <a:schemeClr val="lt1"/>
-          </a:fontRef>
-        </p:style>
-        <p:txBody>
-          <a:bodyPr rtlCol="0" anchor="ctr"/>
-          <a:lstStyle/>
-          <a:p>
-            <a:pPr algn="ctr"/>
-            <a:endParaRPr lang="en-US">
-              <a:solidFill>
-                <a:schemeClr val="tx1"/>
-              </a:solidFill>
-            </a:endParaRPr>
-          </a:p>
-        </p:txBody>
-      </p:sp>
-      <p:sp>
-        <p:nvSpPr>
-          <p:cNvPr id="19" name="Frame 18">
-            <a:extLst>
-              <a:ext uri="{FF2B5EF4-FFF2-40B4-BE49-F238E27FC236}">
-                <a16:creationId xmlns:a16="http://schemas.microsoft.com/office/drawing/2014/main" id="{A3886A08-4D59-6642-B741-2E0801231B16}"/>
-              </a:ext>
-            </a:extLst>
-          </p:cNvPr>
-          <p:cNvSpPr/>
-          <p:nvPr/>
-        </p:nvSpPr>
-        <p:spPr>
-          <a:xfrm>
-            <a:off x="6160391" y="3726538"/>
-            <a:ext cx="5372100" cy="583309"/>
-          </a:xfrm>
-          <a:prstGeom prst="frame">
-            <a:avLst/>
-          </a:prstGeom>
-        </p:spPr>
-        <p:style>
-          <a:lnRef idx="2">
-            <a:schemeClr val="accent1">
-              <a:shade val="50000"/>
-            </a:schemeClr>
-          </a:lnRef>
-          <a:fillRef idx="1">
-            <a:schemeClr val="accent1"/>
-          </a:fillRef>
-          <a:effectRef idx="0">
-            <a:schemeClr val="accent1"/>
-          </a:effectRef>
-          <a:fontRef idx="minor">
-            <a:schemeClr val="lt1"/>
-          </a:fontRef>
-        </p:style>
-        <p:txBody>
-          <a:bodyPr rtlCol="0" anchor="ctr"/>
-          <a:lstStyle/>
-          <a:p>
-            <a:pPr algn="ctr"/>
-            <a:endParaRPr lang="en-US">
-              <a:solidFill>
-                <a:schemeClr val="tx1"/>
-              </a:solidFill>
-            </a:endParaRPr>
-          </a:p>
-        </p:txBody>
-      </p:sp>
-      <p:sp>
-        <p:nvSpPr>
-          <p:cNvPr id="20" name="Frame 19">
-            <a:extLst>
-              <a:ext uri="{FF2B5EF4-FFF2-40B4-BE49-F238E27FC236}">
-                <a16:creationId xmlns:a16="http://schemas.microsoft.com/office/drawing/2014/main" id="{D2F8A30E-0789-AD4A-9E6F-F29534D9627F}"/>
-              </a:ext>
-            </a:extLst>
-          </p:cNvPr>
-          <p:cNvSpPr/>
-          <p:nvPr/>
-        </p:nvSpPr>
-        <p:spPr>
-          <a:xfrm>
-            <a:off x="1477651" y="2973016"/>
-            <a:ext cx="1042515" cy="993394"/>
-          </a:xfrm>
-          <a:prstGeom prst="frame">
-            <a:avLst/>
-          </a:prstGeom>
-        </p:spPr>
-        <p:style>
-          <a:lnRef idx="2">
-            <a:schemeClr val="accent1">
-              <a:shade val="50000"/>
-            </a:schemeClr>
-          </a:lnRef>
-          <a:fillRef idx="1">
-            <a:schemeClr val="accent1"/>
-          </a:fillRef>
-          <a:effectRef idx="0">
-            <a:schemeClr val="accent1"/>
-          </a:effectRef>
-          <a:fontRef idx="minor">
-            <a:schemeClr val="lt1"/>
-          </a:fontRef>
-        </p:style>
-        <p:txBody>
-          <a:bodyPr rtlCol="0" anchor="ctr"/>
-          <a:lstStyle/>
-          <a:p>
-            <a:pPr algn="ctr"/>
-            <a:endParaRPr lang="en-US">
-              <a:solidFill>
-                <a:schemeClr val="tx1"/>
-              </a:solidFill>
-            </a:endParaRPr>
-          </a:p>
-        </p:txBody>
-      </p:sp>
+      </p:pic>
     </p:spTree>
     <p:extLst>
       <p:ext uri="{BB962C8B-B14F-4D97-AF65-F5344CB8AC3E}">
-        <p14:creationId xmlns:p14="http://schemas.microsoft.com/office/powerpoint/2010/main" val="3099216947"/>
+        <p14:creationId xmlns:p14="http://schemas.microsoft.com/office/powerpoint/2010/main" val="2615522544"/>
       </p:ext>
     </p:extLst>
   </p:cSld>
   <p:clrMapOvr>
-    <a:masterClrMapping/>
+    <a:overrideClrMapping bg1="dk1" tx1="lt1" bg2="dk2" tx2="lt2" accent1="accent1" accent2="accent2" accent3="accent3" accent4="accent4" accent5="accent5" accent6="accent6" hlink="hlink" folHlink="folHlink"/>
   </p:clrMapOvr>
   <p:timing>
     <p:tnLst>
@@ -21913,7 +23385,7 @@
                             </p:stCondLst>
                             <p:childTnLst>
                               <p:par>
-                                <p:cTn id="5" presetID="1" presetClass="entr" presetSubtype="0" fill="hold" grpId="0" nodeType="clickEffect">
+                                <p:cTn id="5" presetID="1" presetClass="entr" presetSubtype="0" fill="hold" nodeType="clickEffect">
                                   <p:stCondLst>
                                     <p:cond delay="0"/>
                                   </p:stCondLst>
@@ -21926,7 +23398,7 @@
                                           </p:stCondLst>
                                         </p:cTn>
                                         <p:tgtEl>
-                                          <p:spTgt spid="14"/>
+                                          <p:spTgt spid="3"/>
                                         </p:tgtEl>
                                         <p:attrNameLst>
                                           <p:attrName>style.visibility</p:attrName>
@@ -21934,441 +23406,6 @@
                                       </p:cBhvr>
                                       <p:to>
                                         <p:strVal val="visible"/>
-                                      </p:to>
-                                    </p:set>
-                                  </p:childTnLst>
-                                </p:cTn>
-                              </p:par>
-                              <p:par>
-                                <p:cTn id="7" presetID="1" presetClass="entr" presetSubtype="0" fill="hold" grpId="0" nodeType="withEffect">
-                                  <p:stCondLst>
-                                    <p:cond delay="0"/>
-                                  </p:stCondLst>
-                                  <p:childTnLst>
-                                    <p:set>
-                                      <p:cBhvr>
-                                        <p:cTn id="8" dur="1" fill="hold">
-                                          <p:stCondLst>
-                                            <p:cond delay="0"/>
-                                          </p:stCondLst>
-                                        </p:cTn>
-                                        <p:tgtEl>
-                                          <p:spTgt spid="7"/>
-                                        </p:tgtEl>
-                                        <p:attrNameLst>
-                                          <p:attrName>style.visibility</p:attrName>
-                                        </p:attrNameLst>
-                                      </p:cBhvr>
-                                      <p:to>
-                                        <p:strVal val="visible"/>
-                                      </p:to>
-                                    </p:set>
-                                  </p:childTnLst>
-                                </p:cTn>
-                              </p:par>
-                            </p:childTnLst>
-                          </p:cTn>
-                        </p:par>
-                      </p:childTnLst>
-                    </p:cTn>
-                  </p:par>
-                  <p:par>
-                    <p:cTn id="9" fill="hold">
-                      <p:stCondLst>
-                        <p:cond delay="indefinite"/>
-                      </p:stCondLst>
-                      <p:childTnLst>
-                        <p:par>
-                          <p:cTn id="10" fill="hold">
-                            <p:stCondLst>
-                              <p:cond delay="0"/>
-                            </p:stCondLst>
-                            <p:childTnLst>
-                              <p:par>
-                                <p:cTn id="11" presetID="9" presetClass="exit" presetSubtype="0" fill="hold" grpId="1" nodeType="clickEffect">
-                                  <p:stCondLst>
-                                    <p:cond delay="0"/>
-                                  </p:stCondLst>
-                                  <p:childTnLst>
-                                    <p:animEffect transition="out" filter="dissolve">
-                                      <p:cBhvr>
-                                        <p:cTn id="12" dur="500"/>
-                                        <p:tgtEl>
-                                          <p:spTgt spid="7"/>
-                                        </p:tgtEl>
-                                      </p:cBhvr>
-                                    </p:animEffect>
-                                    <p:set>
-                                      <p:cBhvr>
-                                        <p:cTn id="13" dur="1" fill="hold">
-                                          <p:stCondLst>
-                                            <p:cond delay="499"/>
-                                          </p:stCondLst>
-                                        </p:cTn>
-                                        <p:tgtEl>
-                                          <p:spTgt spid="7"/>
-                                        </p:tgtEl>
-                                        <p:attrNameLst>
-                                          <p:attrName>style.visibility</p:attrName>
-                                        </p:attrNameLst>
-                                      </p:cBhvr>
-                                      <p:to>
-                                        <p:strVal val="hidden"/>
-                                      </p:to>
-                                    </p:set>
-                                  </p:childTnLst>
-                                </p:cTn>
-                              </p:par>
-                              <p:par>
-                                <p:cTn id="14" presetID="9" presetClass="exit" presetSubtype="0" fill="hold" grpId="1" nodeType="withEffect">
-                                  <p:stCondLst>
-                                    <p:cond delay="0"/>
-                                  </p:stCondLst>
-                                  <p:childTnLst>
-                                    <p:animEffect transition="out" filter="dissolve">
-                                      <p:cBhvr>
-                                        <p:cTn id="15" dur="500"/>
-                                        <p:tgtEl>
-                                          <p:spTgt spid="14"/>
-                                        </p:tgtEl>
-                                      </p:cBhvr>
-                                    </p:animEffect>
-                                    <p:set>
-                                      <p:cBhvr>
-                                        <p:cTn id="16" dur="1" fill="hold">
-                                          <p:stCondLst>
-                                            <p:cond delay="499"/>
-                                          </p:stCondLst>
-                                        </p:cTn>
-                                        <p:tgtEl>
-                                          <p:spTgt spid="14"/>
-                                        </p:tgtEl>
-                                        <p:attrNameLst>
-                                          <p:attrName>style.visibility</p:attrName>
-                                        </p:attrNameLst>
-                                      </p:cBhvr>
-                                      <p:to>
-                                        <p:strVal val="hidden"/>
-                                      </p:to>
-                                    </p:set>
-                                  </p:childTnLst>
-                                </p:cTn>
-                              </p:par>
-                            </p:childTnLst>
-                          </p:cTn>
-                        </p:par>
-                      </p:childTnLst>
-                    </p:cTn>
-                  </p:par>
-                  <p:par>
-                    <p:cTn id="17" fill="hold">
-                      <p:stCondLst>
-                        <p:cond delay="indefinite"/>
-                      </p:stCondLst>
-                      <p:childTnLst>
-                        <p:par>
-                          <p:cTn id="18" fill="hold">
-                            <p:stCondLst>
-                              <p:cond delay="0"/>
-                            </p:stCondLst>
-                            <p:childTnLst>
-                              <p:par>
-                                <p:cTn id="19" presetID="1" presetClass="entr" presetSubtype="0" fill="hold" grpId="0" nodeType="clickEffect">
-                                  <p:stCondLst>
-                                    <p:cond delay="0"/>
-                                  </p:stCondLst>
-                                  <p:childTnLst>
-                                    <p:set>
-                                      <p:cBhvr>
-                                        <p:cTn id="20" dur="1" fill="hold">
-                                          <p:stCondLst>
-                                            <p:cond delay="0"/>
-                                          </p:stCondLst>
-                                        </p:cTn>
-                                        <p:tgtEl>
-                                          <p:spTgt spid="17"/>
-                                        </p:tgtEl>
-                                        <p:attrNameLst>
-                                          <p:attrName>style.visibility</p:attrName>
-                                        </p:attrNameLst>
-                                      </p:cBhvr>
-                                      <p:to>
-                                        <p:strVal val="visible"/>
-                                      </p:to>
-                                    </p:set>
-                                  </p:childTnLst>
-                                </p:cTn>
-                              </p:par>
-                              <p:par>
-                                <p:cTn id="21" presetID="1" presetClass="entr" presetSubtype="0" fill="hold" grpId="0" nodeType="withEffect">
-                                  <p:stCondLst>
-                                    <p:cond delay="0"/>
-                                  </p:stCondLst>
-                                  <p:childTnLst>
-                                    <p:set>
-                                      <p:cBhvr>
-                                        <p:cTn id="22" dur="1" fill="hold">
-                                          <p:stCondLst>
-                                            <p:cond delay="0"/>
-                                          </p:stCondLst>
-                                        </p:cTn>
-                                        <p:tgtEl>
-                                          <p:spTgt spid="15"/>
-                                        </p:tgtEl>
-                                        <p:attrNameLst>
-                                          <p:attrName>style.visibility</p:attrName>
-                                        </p:attrNameLst>
-                                      </p:cBhvr>
-                                      <p:to>
-                                        <p:strVal val="visible"/>
-                                      </p:to>
-                                    </p:set>
-                                  </p:childTnLst>
-                                </p:cTn>
-                              </p:par>
-                            </p:childTnLst>
-                          </p:cTn>
-                        </p:par>
-                      </p:childTnLst>
-                    </p:cTn>
-                  </p:par>
-                  <p:par>
-                    <p:cTn id="23" fill="hold">
-                      <p:stCondLst>
-                        <p:cond delay="indefinite"/>
-                      </p:stCondLst>
-                      <p:childTnLst>
-                        <p:par>
-                          <p:cTn id="24" fill="hold">
-                            <p:stCondLst>
-                              <p:cond delay="0"/>
-                            </p:stCondLst>
-                            <p:childTnLst>
-                              <p:par>
-                                <p:cTn id="25" presetID="9" presetClass="exit" presetSubtype="0" fill="hold" grpId="1" nodeType="clickEffect">
-                                  <p:stCondLst>
-                                    <p:cond delay="0"/>
-                                  </p:stCondLst>
-                                  <p:childTnLst>
-                                    <p:animEffect transition="out" filter="dissolve">
-                                      <p:cBhvr>
-                                        <p:cTn id="26" dur="500"/>
-                                        <p:tgtEl>
-                                          <p:spTgt spid="15"/>
-                                        </p:tgtEl>
-                                      </p:cBhvr>
-                                    </p:animEffect>
-                                    <p:set>
-                                      <p:cBhvr>
-                                        <p:cTn id="27" dur="1" fill="hold">
-                                          <p:stCondLst>
-                                            <p:cond delay="499"/>
-                                          </p:stCondLst>
-                                        </p:cTn>
-                                        <p:tgtEl>
-                                          <p:spTgt spid="15"/>
-                                        </p:tgtEl>
-                                        <p:attrNameLst>
-                                          <p:attrName>style.visibility</p:attrName>
-                                        </p:attrNameLst>
-                                      </p:cBhvr>
-                                      <p:to>
-                                        <p:strVal val="hidden"/>
-                                      </p:to>
-                                    </p:set>
-                                  </p:childTnLst>
-                                </p:cTn>
-                              </p:par>
-                              <p:par>
-                                <p:cTn id="28" presetID="9" presetClass="exit" presetSubtype="0" fill="hold" grpId="1" nodeType="withEffect">
-                                  <p:stCondLst>
-                                    <p:cond delay="0"/>
-                                  </p:stCondLst>
-                                  <p:childTnLst>
-                                    <p:animEffect transition="out" filter="dissolve">
-                                      <p:cBhvr>
-                                        <p:cTn id="29" dur="500"/>
-                                        <p:tgtEl>
-                                          <p:spTgt spid="17"/>
-                                        </p:tgtEl>
-                                      </p:cBhvr>
-                                    </p:animEffect>
-                                    <p:set>
-                                      <p:cBhvr>
-                                        <p:cTn id="30" dur="1" fill="hold">
-                                          <p:stCondLst>
-                                            <p:cond delay="499"/>
-                                          </p:stCondLst>
-                                        </p:cTn>
-                                        <p:tgtEl>
-                                          <p:spTgt spid="17"/>
-                                        </p:tgtEl>
-                                        <p:attrNameLst>
-                                          <p:attrName>style.visibility</p:attrName>
-                                        </p:attrNameLst>
-                                      </p:cBhvr>
-                                      <p:to>
-                                        <p:strVal val="hidden"/>
-                                      </p:to>
-                                    </p:set>
-                                  </p:childTnLst>
-                                </p:cTn>
-                              </p:par>
-                            </p:childTnLst>
-                          </p:cTn>
-                        </p:par>
-                      </p:childTnLst>
-                    </p:cTn>
-                  </p:par>
-                  <p:par>
-                    <p:cTn id="31" fill="hold">
-                      <p:stCondLst>
-                        <p:cond delay="indefinite"/>
-                      </p:stCondLst>
-                      <p:childTnLst>
-                        <p:par>
-                          <p:cTn id="32" fill="hold">
-                            <p:stCondLst>
-                              <p:cond delay="0"/>
-                            </p:stCondLst>
-                            <p:childTnLst>
-                              <p:par>
-                                <p:cTn id="33" presetID="1" presetClass="entr" presetSubtype="0" fill="hold" grpId="0" nodeType="clickEffect">
-                                  <p:stCondLst>
-                                    <p:cond delay="0"/>
-                                  </p:stCondLst>
-                                  <p:childTnLst>
-                                    <p:set>
-                                      <p:cBhvr>
-                                        <p:cTn id="34" dur="1" fill="hold">
-                                          <p:stCondLst>
-                                            <p:cond delay="0"/>
-                                          </p:stCondLst>
-                                        </p:cTn>
-                                        <p:tgtEl>
-                                          <p:spTgt spid="20"/>
-                                        </p:tgtEl>
-                                        <p:attrNameLst>
-                                          <p:attrName>style.visibility</p:attrName>
-                                        </p:attrNameLst>
-                                      </p:cBhvr>
-                                      <p:to>
-                                        <p:strVal val="visible"/>
-                                      </p:to>
-                                    </p:set>
-                                  </p:childTnLst>
-                                </p:cTn>
-                              </p:par>
-                              <p:par>
-                                <p:cTn id="35" presetID="1" presetClass="entr" presetSubtype="0" fill="hold" grpId="0" nodeType="withEffect">
-                                  <p:stCondLst>
-                                    <p:cond delay="0"/>
-                                  </p:stCondLst>
-                                  <p:childTnLst>
-                                    <p:set>
-                                      <p:cBhvr>
-                                        <p:cTn id="36" dur="1" fill="hold">
-                                          <p:stCondLst>
-                                            <p:cond delay="0"/>
-                                          </p:stCondLst>
-                                        </p:cTn>
-                                        <p:tgtEl>
-                                          <p:spTgt spid="19"/>
-                                        </p:tgtEl>
-                                        <p:attrNameLst>
-                                          <p:attrName>style.visibility</p:attrName>
-                                        </p:attrNameLst>
-                                      </p:cBhvr>
-                                      <p:to>
-                                        <p:strVal val="visible"/>
-                                      </p:to>
-                                    </p:set>
-                                  </p:childTnLst>
-                                </p:cTn>
-                              </p:par>
-                            </p:childTnLst>
-                          </p:cTn>
-                        </p:par>
-                      </p:childTnLst>
-                    </p:cTn>
-                  </p:par>
-                  <p:par>
-                    <p:cTn id="37" fill="hold">
-                      <p:stCondLst>
-                        <p:cond delay="indefinite"/>
-                      </p:stCondLst>
-                      <p:childTnLst>
-                        <p:par>
-                          <p:cTn id="38" fill="hold">
-                            <p:stCondLst>
-                              <p:cond delay="0"/>
-                            </p:stCondLst>
-                            <p:childTnLst>
-                              <p:par>
-                                <p:cTn id="39" presetID="9" presetClass="exit" presetSubtype="0" fill="hold" grpId="1" nodeType="clickEffect">
-                                  <p:stCondLst>
-                                    <p:cond delay="0"/>
-                                  </p:stCondLst>
-                                  <p:childTnLst>
-                                    <p:animEffect transition="out" filter="dissolve">
-                                      <p:cBhvr>
-                                        <p:cTn id="40" dur="500"/>
-                                        <p:tgtEl>
-                                          <p:spTgt spid="19"/>
-                                        </p:tgtEl>
-                                      </p:cBhvr>
-                                    </p:animEffect>
-                                    <p:set>
-                                      <p:cBhvr>
-                                        <p:cTn id="41" dur="1" fill="hold">
-                                          <p:stCondLst>
-                                            <p:cond delay="499"/>
-                                          </p:stCondLst>
-                                        </p:cTn>
-                                        <p:tgtEl>
-                                          <p:spTgt spid="19"/>
-                                        </p:tgtEl>
-                                        <p:attrNameLst>
-                                          <p:attrName>style.visibility</p:attrName>
-                                        </p:attrNameLst>
-                                      </p:cBhvr>
-                                      <p:to>
-                                        <p:strVal val="hidden"/>
-                                      </p:to>
-                                    </p:set>
-                                  </p:childTnLst>
-                                </p:cTn>
-                              </p:par>
-                              <p:par>
-                                <p:cTn id="42" presetID="9" presetClass="exit" presetSubtype="0" fill="hold" grpId="1" nodeType="withEffect">
-                                  <p:stCondLst>
-                                    <p:cond delay="0"/>
-                                  </p:stCondLst>
-                                  <p:childTnLst>
-                                    <p:animEffect transition="out" filter="dissolve">
-                                      <p:cBhvr>
-                                        <p:cTn id="43" dur="500"/>
-                                        <p:tgtEl>
-                                          <p:spTgt spid="20"/>
-                                        </p:tgtEl>
-                                      </p:cBhvr>
-                                    </p:animEffect>
-                                    <p:set>
-                                      <p:cBhvr>
-                                        <p:cTn id="44" dur="1" fill="hold">
-                                          <p:stCondLst>
-                                            <p:cond delay="499"/>
-                                          </p:stCondLst>
-                                        </p:cTn>
-                                        <p:tgtEl>
-                                          <p:spTgt spid="20"/>
-                                        </p:tgtEl>
-                                        <p:attrNameLst>
-                                          <p:attrName>style.visibility</p:attrName>
-                                        </p:attrNameLst>
-                                      </p:cBhvr>
-                                      <p:to>
-                                        <p:strVal val="hidden"/>
                                       </p:to>
                                     </p:set>
                                   </p:childTnLst>
@@ -22401,1009 +23438,7 @@
         </p:cTn>
       </p:par>
     </p:tnLst>
-    <p:bldLst>
-      <p:bldP spid="7" grpId="0" animBg="1"/>
-      <p:bldP spid="7" grpId="1" animBg="1"/>
-      <p:bldP spid="14" grpId="0" animBg="1"/>
-      <p:bldP spid="14" grpId="1" animBg="1"/>
-      <p:bldP spid="15" grpId="0" animBg="1"/>
-      <p:bldP spid="15" grpId="1" animBg="1"/>
-      <p:bldP spid="17" grpId="0" animBg="1"/>
-      <p:bldP spid="17" grpId="1" animBg="1"/>
-      <p:bldP spid="19" grpId="0" animBg="1"/>
-      <p:bldP spid="19" grpId="1" animBg="1"/>
-      <p:bldP spid="20" grpId="0" animBg="1"/>
-      <p:bldP spid="20" grpId="1" animBg="1"/>
-    </p:bldLst>
   </p:timing>
-</p:sld>
-</file>
-
-<file path=ppt/slides/slide8.xml><?xml version="1.0" encoding="utf-8"?>
-<p:sld xmlns:a="http://schemas.openxmlformats.org/drawingml/2006/main" xmlns:r="http://schemas.openxmlformats.org/officeDocument/2006/relationships" xmlns:p="http://schemas.openxmlformats.org/presentationml/2006/main">
-  <p:cSld>
-    <p:bg>
-      <p:bgPr>
-        <a:solidFill>
-          <a:schemeClr val="bg1">
-            <a:tint val="95000"/>
-            <a:satMod val="170000"/>
-          </a:schemeClr>
-        </a:solidFill>
-        <a:effectLst/>
-      </p:bgPr>
-    </p:bg>
-    <p:spTree>
-      <p:nvGrpSpPr>
-        <p:cNvPr id="1" name=""/>
-        <p:cNvGrpSpPr/>
-        <p:nvPr/>
-      </p:nvGrpSpPr>
-      <p:grpSpPr>
-        <a:xfrm>
-          <a:off x="0" y="0"/>
-          <a:ext cx="0" cy="0"/>
-          <a:chOff x="0" y="0"/>
-          <a:chExt cx="0" cy="0"/>
-        </a:xfrm>
-      </p:grpSpPr>
-      <p:sp useBgFill="1">
-        <p:nvSpPr>
-          <p:cNvPr id="16" name="Rectangle 15">
-            <a:extLst>
-              <a:ext uri="{FF2B5EF4-FFF2-40B4-BE49-F238E27FC236}">
-                <a16:creationId xmlns:a16="http://schemas.microsoft.com/office/drawing/2014/main" id="{8537B233-9CDD-4A90-AABB-A8963DEE4FBC}"/>
-              </a:ext>
-              <a:ext uri="{C183D7F6-B498-43B3-948B-1728B52AA6E4}">
-                <adec:decorative xmlns:adec="http://schemas.microsoft.com/office/drawing/2017/decorative" val="1"/>
-              </a:ext>
-            </a:extLst>
-          </p:cNvPr>
-          <p:cNvSpPr>
-            <a:spLocks noGrp="1" noRot="1" noChangeAspect="1" noMove="1" noResize="1" noEditPoints="1" noAdjustHandles="1" noChangeArrowheads="1" noChangeShapeType="1" noTextEdit="1"/>
-          </p:cNvSpPr>
-          <p:nvPr>
-            <p:extLst>
-              <p:ext uri="{386F3935-93C4-4BCD-93E2-E3B085C9AB24}">
-                <p16:designElem xmlns:p16="http://schemas.microsoft.com/office/powerpoint/2015/main" val="1"/>
-              </p:ext>
-            </p:extLst>
-          </p:nvPr>
-        </p:nvSpPr>
-        <p:spPr>
-          <a:xfrm>
-            <a:off x="0" y="1"/>
-            <a:ext cx="12192000" cy="6858000"/>
-          </a:xfrm>
-          <a:prstGeom prst="rect">
-            <a:avLst/>
-          </a:prstGeom>
-          <a:ln>
-            <a:noFill/>
-          </a:ln>
-        </p:spPr>
-        <p:style>
-          <a:lnRef idx="2">
-            <a:schemeClr val="accent1">
-              <a:shade val="50000"/>
-            </a:schemeClr>
-          </a:lnRef>
-          <a:fillRef idx="1">
-            <a:schemeClr val="accent1"/>
-          </a:fillRef>
-          <a:effectRef idx="0">
-            <a:schemeClr val="accent1"/>
-          </a:effectRef>
-          <a:fontRef idx="minor">
-            <a:schemeClr val="lt1"/>
-          </a:fontRef>
-        </p:style>
-        <p:txBody>
-          <a:bodyPr rtlCol="0" anchor="ctr"/>
-          <a:lstStyle/>
-          <a:p>
-            <a:pPr marL="0" marR="0" lvl="0" indent="0" algn="ctr" defTabSz="914400" rtl="0" eaLnBrk="1" fontAlgn="auto" latinLnBrk="0" hangingPunct="1">
-              <a:lnSpc>
-                <a:spcPct val="100000"/>
-              </a:lnSpc>
-              <a:spcBef>
-                <a:spcPts val="0"/>
-              </a:spcBef>
-              <a:spcAft>
-                <a:spcPts val="0"/>
-              </a:spcAft>
-              <a:buClrTx/>
-              <a:buSzTx/>
-              <a:buFontTx/>
-              <a:buNone/>
-              <a:tabLst/>
-              <a:defRPr/>
-            </a:pPr>
-            <a:endParaRPr kumimoji="0" lang="en-US" sz="1800" b="0" i="0" u="none" strike="noStrike" kern="1200" cap="none" spc="0" normalizeH="0" baseline="0" noProof="0">
-              <a:ln>
-                <a:noFill/>
-              </a:ln>
-              <a:solidFill>
-                <a:prstClr val="white"/>
-              </a:solidFill>
-              <a:effectLst/>
-              <a:uLnTx/>
-              <a:uFillTx/>
-              <a:latin typeface="Tw Cen MT" panose="020B0602020104020603"/>
-              <a:ea typeface="+mn-ea"/>
-              <a:cs typeface="+mn-cs"/>
-            </a:endParaRPr>
-          </a:p>
-        </p:txBody>
-      </p:sp>
-      <p:cxnSp>
-        <p:nvCxnSpPr>
-          <p:cNvPr id="18" name="Straight Connector 17">
-            <a:extLst>
-              <a:ext uri="{FF2B5EF4-FFF2-40B4-BE49-F238E27FC236}">
-                <a16:creationId xmlns:a16="http://schemas.microsoft.com/office/drawing/2014/main" id="{040575EE-C594-4566-BC00-663004E52AB5}"/>
-              </a:ext>
-              <a:ext uri="{C183D7F6-B498-43B3-948B-1728B52AA6E4}">
-                <adec:decorative xmlns:adec="http://schemas.microsoft.com/office/drawing/2017/decorative" val="1"/>
-              </a:ext>
-            </a:extLst>
-          </p:cNvPr>
-          <p:cNvCxnSpPr>
-            <a:cxnSpLocks noGrp="1" noRot="1" noChangeAspect="1" noMove="1" noResize="1" noEditPoints="1" noAdjustHandles="1" noChangeArrowheads="1" noChangeShapeType="1"/>
-          </p:cNvCxnSpPr>
-          <p:nvPr>
-            <p:extLst>
-              <p:ext uri="{386F3935-93C4-4BCD-93E2-E3B085C9AB24}">
-                <p16:designElem xmlns:p16="http://schemas.microsoft.com/office/powerpoint/2015/main" val="1"/>
-              </p:ext>
-            </p:extLst>
-          </p:nvPr>
-        </p:nvCxnSpPr>
-        <p:spPr>
-          <a:xfrm>
-            <a:off x="4763566" y="1417320"/>
-            <a:ext cx="0" cy="4023360"/>
-          </a:xfrm>
-          <a:prstGeom prst="line">
-            <a:avLst/>
-          </a:prstGeom>
-          <a:ln w="15875">
-            <a:solidFill>
-              <a:schemeClr val="tx1"/>
-            </a:solidFill>
-          </a:ln>
-        </p:spPr>
-        <p:style>
-          <a:lnRef idx="1">
-            <a:schemeClr val="accent1"/>
-          </a:lnRef>
-          <a:fillRef idx="0">
-            <a:schemeClr val="accent1"/>
-          </a:fillRef>
-          <a:effectRef idx="0">
-            <a:schemeClr val="accent1"/>
-          </a:effectRef>
-          <a:fontRef idx="minor">
-            <a:schemeClr val="tx1"/>
-          </a:fontRef>
-        </p:style>
-      </p:cxnSp>
-      <p:pic>
-        <p:nvPicPr>
-          <p:cNvPr id="24" name="Picture 23">
-            <a:extLst>
-              <a:ext uri="{FF2B5EF4-FFF2-40B4-BE49-F238E27FC236}">
-                <a16:creationId xmlns:a16="http://schemas.microsoft.com/office/drawing/2014/main" id="{9A4EBB88-E720-5949-A674-474A5299C558}"/>
-              </a:ext>
-            </a:extLst>
-          </p:cNvPr>
-          <p:cNvPicPr>
-            <a:picLocks noChangeAspect="1"/>
-          </p:cNvPicPr>
-          <p:nvPr/>
-        </p:nvPicPr>
-        <p:blipFill>
-          <a:blip r:embed="rId3"/>
-          <a:stretch>
-            <a:fillRect/>
-          </a:stretch>
-        </p:blipFill>
-        <p:spPr>
-          <a:xfrm>
-            <a:off x="5172739" y="328221"/>
-            <a:ext cx="6375794" cy="5141495"/>
-          </a:xfrm>
-          <a:prstGeom prst="rect">
-            <a:avLst/>
-          </a:prstGeom>
-        </p:spPr>
-      </p:pic>
-      <p:sp>
-        <p:nvSpPr>
-          <p:cNvPr id="25" name="TextBox 24">
-            <a:extLst>
-              <a:ext uri="{FF2B5EF4-FFF2-40B4-BE49-F238E27FC236}">
-                <a16:creationId xmlns:a16="http://schemas.microsoft.com/office/drawing/2014/main" id="{C12355FD-EE0B-764D-9EA3-6580A6810DEA}"/>
-              </a:ext>
-            </a:extLst>
-          </p:cNvPr>
-          <p:cNvSpPr txBox="1"/>
-          <p:nvPr/>
-        </p:nvSpPr>
-        <p:spPr>
-          <a:xfrm>
-            <a:off x="5905896" y="6433304"/>
-            <a:ext cx="6221703" cy="369332"/>
-          </a:xfrm>
-          <a:prstGeom prst="rect">
-            <a:avLst/>
-          </a:prstGeom>
-          <a:noFill/>
-        </p:spPr>
-        <p:txBody>
-          <a:bodyPr wrap="none" rtlCol="0">
-            <a:spAutoFit/>
-          </a:bodyPr>
-          <a:lstStyle/>
-          <a:p>
-            <a:pPr>
-              <a:spcAft>
-                <a:spcPts val="600"/>
-              </a:spcAft>
-            </a:pPr>
-            <a:r>
-              <a:rPr lang="en-US" dirty="0">
-                <a:hlinkClick r:id="rId4">
-                  <a:extLst>
-                    <a:ext uri="{A12FA001-AC4F-418D-AE19-62706E023703}">
-                      <ahyp:hlinkClr xmlns:ahyp="http://schemas.microsoft.com/office/drawing/2018/hyperlinkcolor" val="tx"/>
-                    </a:ext>
-                  </a:extLst>
-                </a:hlinkClick>
-              </a:rPr>
-              <a:t>http://web.math.ku.dk/~peters/jonas_files/mitTutorialJonas.pdf</a:t>
-            </a:r>
-            <a:endParaRPr lang="en-US" dirty="0"/>
-          </a:p>
-        </p:txBody>
-      </p:sp>
-      <p:sp>
-        <p:nvSpPr>
-          <p:cNvPr id="26" name="TextBox 25">
-            <a:extLst>
-              <a:ext uri="{FF2B5EF4-FFF2-40B4-BE49-F238E27FC236}">
-                <a16:creationId xmlns:a16="http://schemas.microsoft.com/office/drawing/2014/main" id="{377221CB-6BF8-064F-B92E-02E87662F0A9}"/>
-              </a:ext>
-            </a:extLst>
-          </p:cNvPr>
-          <p:cNvSpPr txBox="1"/>
-          <p:nvPr/>
-        </p:nvSpPr>
-        <p:spPr>
-          <a:xfrm>
-            <a:off x="7654710" y="6008607"/>
-            <a:ext cx="3893823" cy="369332"/>
-          </a:xfrm>
-          <a:prstGeom prst="rect">
-            <a:avLst/>
-          </a:prstGeom>
-          <a:noFill/>
-        </p:spPr>
-        <p:txBody>
-          <a:bodyPr wrap="none" rtlCol="0">
-            <a:spAutoFit/>
-          </a:bodyPr>
-          <a:lstStyle/>
-          <a:p>
-            <a:pPr>
-              <a:spcAft>
-                <a:spcPts val="600"/>
-              </a:spcAft>
-            </a:pPr>
-            <a:r>
-              <a:rPr lang="en-US" dirty="0"/>
-              <a:t>Peters, J. (2017) Causality, lecture slides</a:t>
-            </a:r>
-          </a:p>
-        </p:txBody>
-      </p:sp>
-      <p:sp>
-        <p:nvSpPr>
-          <p:cNvPr id="27" name="TextBox 26">
-            <a:extLst>
-              <a:ext uri="{FF2B5EF4-FFF2-40B4-BE49-F238E27FC236}">
-                <a16:creationId xmlns:a16="http://schemas.microsoft.com/office/drawing/2014/main" id="{594CC04F-F047-F745-9B9A-8C8995498FD4}"/>
-              </a:ext>
-            </a:extLst>
-          </p:cNvPr>
-          <p:cNvSpPr txBox="1"/>
-          <p:nvPr/>
-        </p:nvSpPr>
-        <p:spPr>
-          <a:xfrm>
-            <a:off x="10527931" y="-41111"/>
-            <a:ext cx="920445" cy="369332"/>
-          </a:xfrm>
-          <a:prstGeom prst="rect">
-            <a:avLst/>
-          </a:prstGeom>
-          <a:noFill/>
-        </p:spPr>
-        <p:txBody>
-          <a:bodyPr wrap="none" rtlCol="0">
-            <a:spAutoFit/>
-          </a:bodyPr>
-          <a:lstStyle/>
-          <a:p>
-            <a:r>
-              <a:rPr lang="en-US" dirty="0"/>
-              <a:t>Slide 52</a:t>
-            </a:r>
-          </a:p>
-        </p:txBody>
-      </p:sp>
-      <p:sp>
-        <p:nvSpPr>
-          <p:cNvPr id="31" name="Rectangle 30">
-            <a:extLst>
-              <a:ext uri="{FF2B5EF4-FFF2-40B4-BE49-F238E27FC236}">
-                <a16:creationId xmlns:a16="http://schemas.microsoft.com/office/drawing/2014/main" id="{94A9E63B-94B3-C649-8414-956C861587AF}"/>
-              </a:ext>
-            </a:extLst>
-          </p:cNvPr>
-          <p:cNvSpPr/>
-          <p:nvPr/>
-        </p:nvSpPr>
-        <p:spPr>
-          <a:xfrm>
-            <a:off x="117868" y="159558"/>
-            <a:ext cx="4293712" cy="6643077"/>
-          </a:xfrm>
-          <a:prstGeom prst="rect">
-            <a:avLst/>
-          </a:prstGeom>
-        </p:spPr>
-        <p:style>
-          <a:lnRef idx="2">
-            <a:schemeClr val="accent1">
-              <a:shade val="50000"/>
-            </a:schemeClr>
-          </a:lnRef>
-          <a:fillRef idx="1">
-            <a:schemeClr val="accent1"/>
-          </a:fillRef>
-          <a:effectRef idx="0">
-            <a:schemeClr val="accent1"/>
-          </a:effectRef>
-          <a:fontRef idx="minor">
-            <a:schemeClr val="lt1"/>
-          </a:fontRef>
-        </p:style>
-        <p:txBody>
-          <a:bodyPr rtlCol="0" anchor="ctr"/>
-          <a:lstStyle/>
-          <a:p>
-            <a:pPr algn="ctr"/>
-            <a:endParaRPr lang="en-US"/>
-          </a:p>
-        </p:txBody>
-      </p:sp>
-      <p:pic>
-        <p:nvPicPr>
-          <p:cNvPr id="30" name="Picture 29">
-            <a:extLst>
-              <a:ext uri="{FF2B5EF4-FFF2-40B4-BE49-F238E27FC236}">
-                <a16:creationId xmlns:a16="http://schemas.microsoft.com/office/drawing/2014/main" id="{15EA34B4-873B-044E-B2DE-92F62BEA11B7}"/>
-              </a:ext>
-            </a:extLst>
-          </p:cNvPr>
-          <p:cNvPicPr>
-            <a:picLocks noChangeAspect="1"/>
-          </p:cNvPicPr>
-          <p:nvPr/>
-        </p:nvPicPr>
-        <p:blipFill>
-          <a:blip r:embed="rId5"/>
-          <a:stretch>
-            <a:fillRect/>
-          </a:stretch>
-        </p:blipFill>
-        <p:spPr>
-          <a:xfrm>
-            <a:off x="992488" y="328221"/>
-            <a:ext cx="2985935" cy="6201557"/>
-          </a:xfrm>
-          <a:prstGeom prst="rect">
-            <a:avLst/>
-          </a:prstGeom>
-        </p:spPr>
-      </p:pic>
-      <p:sp>
-        <p:nvSpPr>
-          <p:cNvPr id="32" name="TextBox 31">
-            <a:extLst>
-              <a:ext uri="{FF2B5EF4-FFF2-40B4-BE49-F238E27FC236}">
-                <a16:creationId xmlns:a16="http://schemas.microsoft.com/office/drawing/2014/main" id="{32558356-04FF-0040-9393-B046A1E1E249}"/>
-              </a:ext>
-            </a:extLst>
-          </p:cNvPr>
-          <p:cNvSpPr txBox="1"/>
-          <p:nvPr/>
-        </p:nvSpPr>
-        <p:spPr>
-          <a:xfrm>
-            <a:off x="6215517" y="1470901"/>
-            <a:ext cx="340158" cy="461665"/>
-          </a:xfrm>
-          <a:prstGeom prst="rect">
-            <a:avLst/>
-          </a:prstGeom>
-          <a:noFill/>
-        </p:spPr>
-        <p:txBody>
-          <a:bodyPr wrap="none" rtlCol="0">
-            <a:spAutoFit/>
-          </a:bodyPr>
-          <a:lstStyle/>
-          <a:p>
-            <a:r>
-              <a:rPr lang="en-US" sz="2400" dirty="0">
-                <a:solidFill>
-                  <a:schemeClr val="bg1">
-                    <a:lumMod val="95000"/>
-                    <a:lumOff val="5000"/>
-                  </a:schemeClr>
-                </a:solidFill>
-              </a:rPr>
-              <a:t>1</a:t>
-            </a:r>
-          </a:p>
-        </p:txBody>
-      </p:sp>
-      <p:sp>
-        <p:nvSpPr>
-          <p:cNvPr id="33" name="TextBox 32">
-            <a:extLst>
-              <a:ext uri="{FF2B5EF4-FFF2-40B4-BE49-F238E27FC236}">
-                <a16:creationId xmlns:a16="http://schemas.microsoft.com/office/drawing/2014/main" id="{9A061A63-E06D-BF49-B2D9-E3AF9186247C}"/>
-              </a:ext>
-            </a:extLst>
-          </p:cNvPr>
-          <p:cNvSpPr txBox="1"/>
-          <p:nvPr/>
-        </p:nvSpPr>
-        <p:spPr>
-          <a:xfrm>
-            <a:off x="7316834" y="1756036"/>
-            <a:ext cx="434734" cy="461665"/>
-          </a:xfrm>
-          <a:prstGeom prst="rect">
-            <a:avLst/>
-          </a:prstGeom>
-          <a:noFill/>
-        </p:spPr>
-        <p:txBody>
-          <a:bodyPr wrap="none" rtlCol="0">
-            <a:spAutoFit/>
-          </a:bodyPr>
-          <a:lstStyle/>
-          <a:p>
-            <a:r>
-              <a:rPr lang="en-US" sz="2400" dirty="0">
-                <a:solidFill>
-                  <a:schemeClr val="bg1">
-                    <a:lumMod val="95000"/>
-                    <a:lumOff val="5000"/>
-                  </a:schemeClr>
-                </a:solidFill>
-              </a:rPr>
-              <a:t>-2</a:t>
-            </a:r>
-          </a:p>
-        </p:txBody>
-      </p:sp>
-      <p:sp>
-        <p:nvSpPr>
-          <p:cNvPr id="34" name="TextBox 33">
-            <a:extLst>
-              <a:ext uri="{FF2B5EF4-FFF2-40B4-BE49-F238E27FC236}">
-                <a16:creationId xmlns:a16="http://schemas.microsoft.com/office/drawing/2014/main" id="{8BCFC987-74AD-BD43-8F7E-2E0A7D07FA4B}"/>
-              </a:ext>
-            </a:extLst>
-          </p:cNvPr>
-          <p:cNvSpPr txBox="1"/>
-          <p:nvPr/>
-        </p:nvSpPr>
-        <p:spPr>
-          <a:xfrm>
-            <a:off x="6385596" y="3693879"/>
-            <a:ext cx="340158" cy="461665"/>
-          </a:xfrm>
-          <a:prstGeom prst="rect">
-            <a:avLst/>
-          </a:prstGeom>
-          <a:noFill/>
-        </p:spPr>
-        <p:txBody>
-          <a:bodyPr wrap="none" rtlCol="0">
-            <a:spAutoFit/>
-          </a:bodyPr>
-          <a:lstStyle/>
-          <a:p>
-            <a:r>
-              <a:rPr lang="en-US" sz="2400" dirty="0">
-                <a:solidFill>
-                  <a:schemeClr val="bg1">
-                    <a:lumMod val="95000"/>
-                    <a:lumOff val="5000"/>
-                  </a:schemeClr>
-                </a:solidFill>
-              </a:rPr>
-              <a:t>3</a:t>
-            </a:r>
-          </a:p>
-        </p:txBody>
-      </p:sp>
-      <p:sp>
-        <p:nvSpPr>
-          <p:cNvPr id="35" name="TextBox 34">
-            <a:extLst>
-              <a:ext uri="{FF2B5EF4-FFF2-40B4-BE49-F238E27FC236}">
-                <a16:creationId xmlns:a16="http://schemas.microsoft.com/office/drawing/2014/main" id="{4A176F26-3777-BE43-9988-297370404D0C}"/>
-              </a:ext>
-            </a:extLst>
-          </p:cNvPr>
-          <p:cNvSpPr txBox="1"/>
-          <p:nvPr/>
-        </p:nvSpPr>
-        <p:spPr>
-          <a:xfrm flipH="1">
-            <a:off x="9016747" y="3596832"/>
-            <a:ext cx="1633653" cy="461665"/>
-          </a:xfrm>
-          <a:prstGeom prst="rect">
-            <a:avLst/>
-          </a:prstGeom>
-          <a:noFill/>
-        </p:spPr>
-        <p:txBody>
-          <a:bodyPr wrap="square" rtlCol="0">
-            <a:spAutoFit/>
-          </a:bodyPr>
-          <a:lstStyle/>
-          <a:p>
-            <a:r>
-              <a:rPr lang="en-US" sz="2400" dirty="0">
-                <a:solidFill>
-                  <a:schemeClr val="bg1">
-                    <a:lumMod val="95000"/>
-                    <a:lumOff val="5000"/>
-                  </a:schemeClr>
-                </a:solidFill>
-              </a:rPr>
-              <a:t>1</a:t>
-            </a:r>
-          </a:p>
-        </p:txBody>
-      </p:sp>
-      <p:sp>
-        <p:nvSpPr>
-          <p:cNvPr id="36" name="TextBox 35">
-            <a:extLst>
-              <a:ext uri="{FF2B5EF4-FFF2-40B4-BE49-F238E27FC236}">
-                <a16:creationId xmlns:a16="http://schemas.microsoft.com/office/drawing/2014/main" id="{20D99964-20CB-4A48-86AB-A64BFBE8E211}"/>
-              </a:ext>
-            </a:extLst>
-          </p:cNvPr>
-          <p:cNvSpPr txBox="1"/>
-          <p:nvPr/>
-        </p:nvSpPr>
-        <p:spPr>
-          <a:xfrm flipH="1">
-            <a:off x="10411377" y="3743166"/>
-            <a:ext cx="1633653" cy="461665"/>
-          </a:xfrm>
-          <a:prstGeom prst="rect">
-            <a:avLst/>
-          </a:prstGeom>
-          <a:noFill/>
-        </p:spPr>
-        <p:txBody>
-          <a:bodyPr wrap="square" rtlCol="0">
-            <a:spAutoFit/>
-          </a:bodyPr>
-          <a:lstStyle/>
-          <a:p>
-            <a:r>
-              <a:rPr lang="en-US" sz="2400" dirty="0">
-                <a:solidFill>
-                  <a:schemeClr val="bg1">
-                    <a:lumMod val="95000"/>
-                    <a:lumOff val="5000"/>
-                  </a:schemeClr>
-                </a:solidFill>
-              </a:rPr>
-              <a:t>0.5</a:t>
-            </a:r>
-          </a:p>
-        </p:txBody>
-      </p:sp>
-      <p:sp>
-        <p:nvSpPr>
-          <p:cNvPr id="37" name="TextBox 36">
-            <a:extLst>
-              <a:ext uri="{FF2B5EF4-FFF2-40B4-BE49-F238E27FC236}">
-                <a16:creationId xmlns:a16="http://schemas.microsoft.com/office/drawing/2014/main" id="{07269EA3-89FF-3E48-BEA5-3512CC8EBC8F}"/>
-              </a:ext>
-            </a:extLst>
-          </p:cNvPr>
-          <p:cNvSpPr txBox="1"/>
-          <p:nvPr/>
-        </p:nvSpPr>
-        <p:spPr>
-          <a:xfrm flipH="1">
-            <a:off x="8583611" y="969820"/>
-            <a:ext cx="433136" cy="461665"/>
-          </a:xfrm>
-          <a:prstGeom prst="rect">
-            <a:avLst/>
-          </a:prstGeom>
-          <a:noFill/>
-        </p:spPr>
-        <p:txBody>
-          <a:bodyPr wrap="square" rtlCol="0">
-            <a:spAutoFit/>
-          </a:bodyPr>
-          <a:lstStyle/>
-          <a:p>
-            <a:r>
-              <a:rPr lang="en-US" sz="2400" dirty="0">
-                <a:solidFill>
-                  <a:schemeClr val="bg1">
-                    <a:lumMod val="95000"/>
-                    <a:lumOff val="5000"/>
-                  </a:schemeClr>
-                </a:solidFill>
-              </a:rPr>
-              <a:t>1</a:t>
-            </a:r>
-          </a:p>
-        </p:txBody>
-      </p:sp>
-      <p:sp>
-        <p:nvSpPr>
-          <p:cNvPr id="38" name="TextBox 37">
-            <a:extLst>
-              <a:ext uri="{FF2B5EF4-FFF2-40B4-BE49-F238E27FC236}">
-                <a16:creationId xmlns:a16="http://schemas.microsoft.com/office/drawing/2014/main" id="{D603CA6A-60E7-DB4E-B892-FCD05E7367DB}"/>
-              </a:ext>
-            </a:extLst>
-          </p:cNvPr>
-          <p:cNvSpPr txBox="1"/>
-          <p:nvPr/>
-        </p:nvSpPr>
-        <p:spPr>
-          <a:xfrm flipH="1">
-            <a:off x="10433832" y="1583495"/>
-            <a:ext cx="433136" cy="461665"/>
-          </a:xfrm>
-          <a:prstGeom prst="rect">
-            <a:avLst/>
-          </a:prstGeom>
-          <a:noFill/>
-        </p:spPr>
-        <p:txBody>
-          <a:bodyPr wrap="square" rtlCol="0">
-            <a:spAutoFit/>
-          </a:bodyPr>
-          <a:lstStyle/>
-          <a:p>
-            <a:r>
-              <a:rPr lang="en-US" sz="2400" dirty="0">
-                <a:solidFill>
-                  <a:schemeClr val="bg1">
-                    <a:lumMod val="95000"/>
-                    <a:lumOff val="5000"/>
-                  </a:schemeClr>
-                </a:solidFill>
-              </a:rPr>
-              <a:t>2</a:t>
-            </a:r>
-          </a:p>
-        </p:txBody>
-      </p:sp>
-      <p:sp>
-        <p:nvSpPr>
-          <p:cNvPr id="40" name="TextBox 39">
-            <a:extLst>
-              <a:ext uri="{FF2B5EF4-FFF2-40B4-BE49-F238E27FC236}">
-                <a16:creationId xmlns:a16="http://schemas.microsoft.com/office/drawing/2014/main" id="{B740CA94-2332-7748-8B66-C64EC03CE2FD}"/>
-              </a:ext>
-            </a:extLst>
-          </p:cNvPr>
-          <p:cNvSpPr txBox="1"/>
-          <p:nvPr/>
-        </p:nvSpPr>
-        <p:spPr>
-          <a:xfrm>
-            <a:off x="5286200" y="5616050"/>
-            <a:ext cx="6742167" cy="369332"/>
-          </a:xfrm>
-          <a:prstGeom prst="rect">
-            <a:avLst/>
-          </a:prstGeom>
-          <a:noFill/>
-        </p:spPr>
-        <p:txBody>
-          <a:bodyPr wrap="none" rtlCol="0">
-            <a:spAutoFit/>
-          </a:bodyPr>
-          <a:lstStyle/>
-          <a:p>
-            <a:r>
-              <a:rPr lang="en-US" dirty="0"/>
-              <a:t>See also 1:09:00 in </a:t>
-            </a:r>
-            <a:r>
-              <a:rPr lang="en-US" dirty="0">
-                <a:hlinkClick r:id="rId6">
-                  <a:extLst>
-                    <a:ext uri="{A12FA001-AC4F-418D-AE19-62706E023703}">
-                      <ahyp:hlinkClr xmlns:ahyp="http://schemas.microsoft.com/office/drawing/2018/hyperlinkcolor" val="tx"/>
-                    </a:ext>
-                  </a:extLst>
-                </a:hlinkClick>
-              </a:rPr>
-              <a:t>https://www.youtube.com/watch?v=zvrcyqcN9Wo</a:t>
-            </a:r>
-            <a:endParaRPr lang="en-US" dirty="0"/>
-          </a:p>
-        </p:txBody>
-      </p:sp>
-      <p:sp>
-        <p:nvSpPr>
-          <p:cNvPr id="42" name="TextBox 41">
-            <a:extLst>
-              <a:ext uri="{FF2B5EF4-FFF2-40B4-BE49-F238E27FC236}">
-                <a16:creationId xmlns:a16="http://schemas.microsoft.com/office/drawing/2014/main" id="{A165393C-BA00-144C-9E8C-86CDF0D059BF}"/>
-              </a:ext>
-            </a:extLst>
-          </p:cNvPr>
-          <p:cNvSpPr txBox="1"/>
-          <p:nvPr/>
-        </p:nvSpPr>
-        <p:spPr>
-          <a:xfrm>
-            <a:off x="7835788" y="1518271"/>
-            <a:ext cx="2340000" cy="830997"/>
-          </a:xfrm>
-          <a:prstGeom prst="rect">
-            <a:avLst/>
-          </a:prstGeom>
-          <a:noFill/>
-        </p:spPr>
-        <p:txBody>
-          <a:bodyPr wrap="none" rtlCol="0">
-            <a:spAutoFit/>
-          </a:bodyPr>
-          <a:lstStyle/>
-          <a:p>
-            <a:r>
-              <a:rPr lang="en-US" sz="2400" dirty="0">
-                <a:solidFill>
-                  <a:schemeClr val="bg1"/>
-                </a:solidFill>
-              </a:rPr>
-              <a:t>X &gt; Y: (-2 * -1 = 2)</a:t>
-            </a:r>
-          </a:p>
-          <a:p>
-            <a:endParaRPr lang="en-US" sz="2400" dirty="0">
-              <a:solidFill>
-                <a:schemeClr val="bg1"/>
-              </a:solidFill>
-            </a:endParaRPr>
-          </a:p>
-        </p:txBody>
-      </p:sp>
-    </p:spTree>
-    <p:extLst>
-      <p:ext uri="{BB962C8B-B14F-4D97-AF65-F5344CB8AC3E}">
-        <p14:creationId xmlns:p14="http://schemas.microsoft.com/office/powerpoint/2010/main" val="1290152532"/>
-      </p:ext>
-    </p:extLst>
-  </p:cSld>
-  <p:clrMapOvr>
-    <a:overrideClrMapping bg1="dk1" tx1="lt1" bg2="dk2" tx2="lt2" accent1="accent1" accent2="accent2" accent3="accent3" accent4="accent4" accent5="accent5" accent6="accent6" hlink="hlink" folHlink="folHlink"/>
-  </p:clrMapOvr>
-</p:sld>
-</file>
-
-<file path=ppt/slides/slide9.xml><?xml version="1.0" encoding="utf-8"?>
-<p:sld xmlns:a="http://schemas.openxmlformats.org/drawingml/2006/main" xmlns:r="http://schemas.openxmlformats.org/officeDocument/2006/relationships" xmlns:p="http://schemas.openxmlformats.org/presentationml/2006/main">
-  <p:cSld>
-    <p:spTree>
-      <p:nvGrpSpPr>
-        <p:cNvPr id="1" name=""/>
-        <p:cNvGrpSpPr/>
-        <p:nvPr/>
-      </p:nvGrpSpPr>
-      <p:grpSpPr>
-        <a:xfrm>
-          <a:off x="0" y="0"/>
-          <a:ext cx="0" cy="0"/>
-          <a:chOff x="0" y="0"/>
-          <a:chExt cx="0" cy="0"/>
-        </a:xfrm>
-      </p:grpSpPr>
-      <p:pic>
-        <p:nvPicPr>
-          <p:cNvPr id="13" name="Picture 12">
-            <a:extLst>
-              <a:ext uri="{FF2B5EF4-FFF2-40B4-BE49-F238E27FC236}">
-                <a16:creationId xmlns:a16="http://schemas.microsoft.com/office/drawing/2014/main" id="{3903469C-A7FD-6746-8B47-D154D4285473}"/>
-              </a:ext>
-            </a:extLst>
-          </p:cNvPr>
-          <p:cNvPicPr>
-            <a:picLocks noChangeAspect="1"/>
-          </p:cNvPicPr>
-          <p:nvPr/>
-        </p:nvPicPr>
-        <p:blipFill>
-          <a:blip r:embed="rId2"/>
-          <a:stretch>
-            <a:fillRect/>
-          </a:stretch>
-        </p:blipFill>
-        <p:spPr>
-          <a:xfrm>
-            <a:off x="1031102" y="1260388"/>
-            <a:ext cx="10129796" cy="4596714"/>
-          </a:xfrm>
-          <a:prstGeom prst="rect">
-            <a:avLst/>
-          </a:prstGeom>
-        </p:spPr>
-      </p:pic>
-      <p:sp>
-        <p:nvSpPr>
-          <p:cNvPr id="15" name="TextBox 14">
-            <a:extLst>
-              <a:ext uri="{FF2B5EF4-FFF2-40B4-BE49-F238E27FC236}">
-                <a16:creationId xmlns:a16="http://schemas.microsoft.com/office/drawing/2014/main" id="{E746A374-0141-0947-BE0F-1F618FADE58E}"/>
-              </a:ext>
-            </a:extLst>
-          </p:cNvPr>
-          <p:cNvSpPr txBox="1"/>
-          <p:nvPr/>
-        </p:nvSpPr>
-        <p:spPr>
-          <a:xfrm>
-            <a:off x="6820784" y="2734056"/>
-            <a:ext cx="5157216" cy="4123944"/>
-          </a:xfrm>
-          <a:prstGeom prst="rect">
-            <a:avLst/>
-          </a:prstGeom>
-        </p:spPr>
-        <p:txBody>
-          <a:bodyPr vert="horz" lIns="91440" tIns="45720" rIns="91440" bIns="45720" rtlCol="0" anchor="t">
-            <a:normAutofit/>
-          </a:bodyPr>
-          <a:lstStyle/>
-          <a:p>
-            <a:pPr>
-              <a:lnSpc>
-                <a:spcPct val="90000"/>
-              </a:lnSpc>
-              <a:spcAft>
-                <a:spcPts val="600"/>
-              </a:spcAft>
-            </a:pPr>
-            <a:r>
-              <a:rPr lang="en-US" dirty="0"/>
-              <a:t>Example taken from:</a:t>
-            </a:r>
-          </a:p>
-          <a:p>
-            <a:pPr>
-              <a:lnSpc>
-                <a:spcPct val="90000"/>
-              </a:lnSpc>
-              <a:spcAft>
-                <a:spcPts val="600"/>
-              </a:spcAft>
-            </a:pPr>
-            <a:r>
-              <a:rPr lang="en-US" dirty="0"/>
-              <a:t>Peters, J., </a:t>
-            </a:r>
-            <a:r>
-              <a:rPr lang="en-US" dirty="0" err="1"/>
-              <a:t>Janzing</a:t>
-            </a:r>
-            <a:r>
-              <a:rPr lang="en-US" dirty="0"/>
-              <a:t>, D., </a:t>
-            </a:r>
-            <a:r>
-              <a:rPr lang="en-US" dirty="0" err="1"/>
-              <a:t>Scholkopf</a:t>
-            </a:r>
-            <a:r>
-              <a:rPr lang="en-US" dirty="0"/>
-              <a:t>, B. (2017) </a:t>
-            </a:r>
-          </a:p>
-          <a:p>
-            <a:pPr>
-              <a:lnSpc>
-                <a:spcPct val="90000"/>
-              </a:lnSpc>
-              <a:spcAft>
-                <a:spcPts val="600"/>
-              </a:spcAft>
-            </a:pPr>
-            <a:r>
-              <a:rPr lang="en-US" dirty="0"/>
-              <a:t>Elements of Causal Inference: Foundations </a:t>
-            </a:r>
-          </a:p>
-          <a:p>
-            <a:pPr>
-              <a:lnSpc>
-                <a:spcPct val="90000"/>
-              </a:lnSpc>
-              <a:spcAft>
-                <a:spcPts val="600"/>
-              </a:spcAft>
-            </a:pPr>
-            <a:r>
-              <a:rPr lang="en-US" dirty="0"/>
-              <a:t>and Learning Algorithms</a:t>
-            </a:r>
-          </a:p>
-          <a:p>
-            <a:pPr>
-              <a:lnSpc>
-                <a:spcPct val="90000"/>
-              </a:lnSpc>
-              <a:spcAft>
-                <a:spcPts val="600"/>
-              </a:spcAft>
-            </a:pPr>
-            <a:r>
-              <a:rPr lang="en-US" dirty="0"/>
-              <a:t>MIT Press, Cambridge, MA.</a:t>
-            </a:r>
-          </a:p>
-          <a:p>
-            <a:pPr>
-              <a:lnSpc>
-                <a:spcPct val="90000"/>
-              </a:lnSpc>
-              <a:spcAft>
-                <a:spcPts val="600"/>
-              </a:spcAft>
-            </a:pPr>
-            <a:r>
-              <a:rPr lang="en-US" dirty="0"/>
-              <a:t>Pp. 117</a:t>
-            </a:r>
-          </a:p>
-        </p:txBody>
-      </p:sp>
-    </p:spTree>
-    <p:extLst>
-      <p:ext uri="{BB962C8B-B14F-4D97-AF65-F5344CB8AC3E}">
-        <p14:creationId xmlns:p14="http://schemas.microsoft.com/office/powerpoint/2010/main" val="4174223555"/>
-      </p:ext>
-    </p:extLst>
-  </p:cSld>
-  <p:clrMapOvr>
-    <a:masterClrMapping/>
-  </p:clrMapOvr>
 </p:sld>
 </file>
 
